--- a/images/images.pptx
+++ b/images/images.pptx
@@ -6,7 +6,7 @@
   </p:sldMasterIdLst>
   <p:sldIdLst>
     <p:sldId id="256" r:id="rId2"/>
-    <p:sldId id="257" r:id="rId3"/>
+    <p:sldId id="258" r:id="rId3"/>
   </p:sldIdLst>
   <p:sldSz cx="12192000" cy="6858000"/>
   <p:notesSz cx="6858000" cy="9144000"/>
@@ -108,12 +108,12 @@
   <p:extLst>
     <p:ext uri="{EFAFB233-063F-42B5-8137-9DF3F51BA10A}">
       <p15:sldGuideLst xmlns:p15="http://schemas.microsoft.com/office/powerpoint/2012/main">
-        <p15:guide id="1" orient="horz" pos="3792" userDrawn="1">
+        <p15:guide id="1" orient="horz" pos="2472" userDrawn="1">
           <p15:clr>
             <a:srgbClr val="A4A3A4"/>
           </p15:clr>
         </p15:guide>
-        <p15:guide id="2" pos="7008" userDrawn="1">
+        <p15:guide id="2" pos="1392" userDrawn="1">
           <p15:clr>
             <a:srgbClr val="A4A3A4"/>
           </p15:clr>
@@ -271,7 +271,7 @@
           <a:p>
             <a:fld id="{789A9AE2-A313-48C2-9D40-8D074117465F}" type="datetimeFigureOut">
               <a:rPr lang="en-US" smtClean="0"/>
-              <a:t>9/22/2022</a:t>
+              <a:t>10/12/2022</a:t>
             </a:fld>
             <a:endParaRPr lang="en-US"/>
           </a:p>
@@ -469,7 +469,7 @@
           <a:p>
             <a:fld id="{789A9AE2-A313-48C2-9D40-8D074117465F}" type="datetimeFigureOut">
               <a:rPr lang="en-US" smtClean="0"/>
-              <a:t>9/22/2022</a:t>
+              <a:t>10/12/2022</a:t>
             </a:fld>
             <a:endParaRPr lang="en-US"/>
           </a:p>
@@ -677,7 +677,7 @@
           <a:p>
             <a:fld id="{789A9AE2-A313-48C2-9D40-8D074117465F}" type="datetimeFigureOut">
               <a:rPr lang="en-US" smtClean="0"/>
-              <a:t>9/22/2022</a:t>
+              <a:t>10/12/2022</a:t>
             </a:fld>
             <a:endParaRPr lang="en-US"/>
           </a:p>
@@ -875,7 +875,7 @@
           <a:p>
             <a:fld id="{789A9AE2-A313-48C2-9D40-8D074117465F}" type="datetimeFigureOut">
               <a:rPr lang="en-US" smtClean="0"/>
-              <a:t>9/22/2022</a:t>
+              <a:t>10/12/2022</a:t>
             </a:fld>
             <a:endParaRPr lang="en-US"/>
           </a:p>
@@ -1150,7 +1150,7 @@
           <a:p>
             <a:fld id="{789A9AE2-A313-48C2-9D40-8D074117465F}" type="datetimeFigureOut">
               <a:rPr lang="en-US" smtClean="0"/>
-              <a:t>9/22/2022</a:t>
+              <a:t>10/12/2022</a:t>
             </a:fld>
             <a:endParaRPr lang="en-US"/>
           </a:p>
@@ -1415,7 +1415,7 @@
           <a:p>
             <a:fld id="{789A9AE2-A313-48C2-9D40-8D074117465F}" type="datetimeFigureOut">
               <a:rPr lang="en-US" smtClean="0"/>
-              <a:t>9/22/2022</a:t>
+              <a:t>10/12/2022</a:t>
             </a:fld>
             <a:endParaRPr lang="en-US"/>
           </a:p>
@@ -1827,7 +1827,7 @@
           <a:p>
             <a:fld id="{789A9AE2-A313-48C2-9D40-8D074117465F}" type="datetimeFigureOut">
               <a:rPr lang="en-US" smtClean="0"/>
-              <a:t>9/22/2022</a:t>
+              <a:t>10/12/2022</a:t>
             </a:fld>
             <a:endParaRPr lang="en-US"/>
           </a:p>
@@ -1968,7 +1968,7 @@
           <a:p>
             <a:fld id="{789A9AE2-A313-48C2-9D40-8D074117465F}" type="datetimeFigureOut">
               <a:rPr lang="en-US" smtClean="0"/>
-              <a:t>9/22/2022</a:t>
+              <a:t>10/12/2022</a:t>
             </a:fld>
             <a:endParaRPr lang="en-US"/>
           </a:p>
@@ -2081,7 +2081,7 @@
           <a:p>
             <a:fld id="{789A9AE2-A313-48C2-9D40-8D074117465F}" type="datetimeFigureOut">
               <a:rPr lang="en-US" smtClean="0"/>
-              <a:t>9/22/2022</a:t>
+              <a:t>10/12/2022</a:t>
             </a:fld>
             <a:endParaRPr lang="en-US"/>
           </a:p>
@@ -2392,7 +2392,7 @@
           <a:p>
             <a:fld id="{789A9AE2-A313-48C2-9D40-8D074117465F}" type="datetimeFigureOut">
               <a:rPr lang="en-US" smtClean="0"/>
-              <a:t>9/22/2022</a:t>
+              <a:t>10/12/2022</a:t>
             </a:fld>
             <a:endParaRPr lang="en-US"/>
           </a:p>
@@ -2680,7 +2680,7 @@
           <a:p>
             <a:fld id="{789A9AE2-A313-48C2-9D40-8D074117465F}" type="datetimeFigureOut">
               <a:rPr lang="en-US" smtClean="0"/>
-              <a:t>9/22/2022</a:t>
+              <a:t>10/12/2022</a:t>
             </a:fld>
             <a:endParaRPr lang="en-US"/>
           </a:p>
@@ -2921,7 +2921,7 @@
           <a:p>
             <a:fld id="{789A9AE2-A313-48C2-9D40-8D074117465F}" type="datetimeFigureOut">
               <a:rPr lang="en-US" smtClean="0"/>
-              <a:t>9/22/2022</a:t>
+              <a:t>10/12/2022</a:t>
             </a:fld>
             <a:endParaRPr lang="en-US"/>
           </a:p>
@@ -3902,10 +3902,10 @@
       </p:grpSpPr>
       <p:grpSp>
         <p:nvGrpSpPr>
-          <p:cNvPr id="71" name="Group 70">
+          <p:cNvPr id="2" name="Group 1">
             <a:extLst>
               <a:ext uri="{FF2B5EF4-FFF2-40B4-BE49-F238E27FC236}">
-                <a16:creationId xmlns:a16="http://schemas.microsoft.com/office/drawing/2014/main" id="{82A05A66-6224-4CC8-9596-C98035CA9091}"/>
+                <a16:creationId xmlns:a16="http://schemas.microsoft.com/office/drawing/2014/main" id="{562724B3-EB6D-4724-8CF8-ECD1234B4F80}"/>
               </a:ext>
             </a:extLst>
           </p:cNvPr>
@@ -3914,18 +3914,18 @@
         </p:nvGrpSpPr>
         <p:grpSpPr>
           <a:xfrm>
-            <a:off x="342900" y="1524000"/>
-            <a:ext cx="11734799" cy="4495800"/>
-            <a:chOff x="342900" y="1524000"/>
-            <a:chExt cx="11734799" cy="4495800"/>
+            <a:off x="334765" y="1597317"/>
+            <a:ext cx="11698958" cy="4337876"/>
+            <a:chOff x="334765" y="1597317"/>
+            <a:chExt cx="11698958" cy="4337876"/>
           </a:xfrm>
         </p:grpSpPr>
         <p:sp>
           <p:nvSpPr>
-            <p:cNvPr id="70" name="Rectangle 69">
+            <p:cNvPr id="3" name="Isosceles Triangle 2">
               <a:extLst>
                 <a:ext uri="{FF2B5EF4-FFF2-40B4-BE49-F238E27FC236}">
-                  <a16:creationId xmlns:a16="http://schemas.microsoft.com/office/drawing/2014/main" id="{633ED80B-F8A4-44D5-8CA5-87E1F5057C9B}"/>
+                  <a16:creationId xmlns:a16="http://schemas.microsoft.com/office/drawing/2014/main" id="{3CF2C81C-E350-4846-9AC9-F2E4DB5CC861}"/>
                 </a:ext>
               </a:extLst>
             </p:cNvPr>
@@ -3933,20 +3933,100 @@
             <p:nvPr/>
           </p:nvSpPr>
           <p:spPr>
-            <a:xfrm>
-              <a:off x="342900" y="1524000"/>
-              <a:ext cx="11734799" cy="4495800"/>
+            <a:xfrm rot="5400000" flipH="1">
+              <a:off x="2813430" y="3460922"/>
+              <a:ext cx="3253465" cy="955534"/>
             </a:xfrm>
-            <a:prstGeom prst="rect">
+            <a:prstGeom prst="triangle">
               <a:avLst/>
             </a:prstGeom>
-            <a:solidFill>
-              <a:schemeClr val="bg1"/>
-            </a:solidFill>
+            <a:gradFill flip="none" rotWithShape="1">
+              <a:gsLst>
+                <a:gs pos="0">
+                  <a:srgbClr val="EBAF44"/>
+                </a:gs>
+                <a:gs pos="55000">
+                  <a:srgbClr val="FBCA73">
+                    <a:tint val="44500"/>
+                    <a:satMod val="160000"/>
+                  </a:srgbClr>
+                </a:gs>
+                <a:gs pos="100000">
+                  <a:schemeClr val="bg1"/>
+                </a:gs>
+              </a:gsLst>
+              <a:lin ang="5400000" scaled="1"/>
+              <a:tileRect/>
+            </a:gradFill>
             <a:ln>
-              <a:solidFill>
-                <a:schemeClr val="bg1"/>
-              </a:solidFill>
+              <a:noFill/>
+            </a:ln>
+          </p:spPr>
+          <p:style>
+            <a:lnRef idx="2">
+              <a:schemeClr val="accent1">
+                <a:shade val="50000"/>
+              </a:schemeClr>
+            </a:lnRef>
+            <a:fillRef idx="1">
+              <a:schemeClr val="accent1"/>
+            </a:fillRef>
+            <a:effectRef idx="0">
+              <a:schemeClr val="accent1"/>
+            </a:effectRef>
+            <a:fontRef idx="minor">
+              <a:schemeClr val="lt1"/>
+            </a:fontRef>
+          </p:style>
+          <p:txBody>
+            <a:bodyPr rtlCol="0" anchor="ctr"/>
+            <a:lstStyle/>
+            <a:p>
+              <a:pPr algn="ctr"/>
+              <a:endParaRPr lang="en-US"/>
+            </a:p>
+          </p:txBody>
+        </p:sp>
+        <p:sp>
+          <p:nvSpPr>
+            <p:cNvPr id="4" name="Isosceles Triangle 3">
+              <a:extLst>
+                <a:ext uri="{FF2B5EF4-FFF2-40B4-BE49-F238E27FC236}">
+                  <a16:creationId xmlns:a16="http://schemas.microsoft.com/office/drawing/2014/main" id="{61C671DA-0C66-4EE8-9B33-5AECF924A05C}"/>
+                </a:ext>
+              </a:extLst>
+            </p:cNvPr>
+            <p:cNvSpPr/>
+            <p:nvPr/>
+          </p:nvSpPr>
+          <p:spPr>
+            <a:xfrm rot="16200000">
+              <a:off x="7144555" y="3469964"/>
+              <a:ext cx="3253465" cy="955534"/>
+            </a:xfrm>
+            <a:prstGeom prst="triangle">
+              <a:avLst/>
+            </a:prstGeom>
+            <a:gradFill flip="none" rotWithShape="1">
+              <a:gsLst>
+                <a:gs pos="0">
+                  <a:srgbClr val="EBAF44"/>
+                </a:gs>
+                <a:gs pos="55000">
+                  <a:srgbClr val="FBCA73">
+                    <a:tint val="44500"/>
+                    <a:satMod val="160000"/>
+                  </a:srgbClr>
+                </a:gs>
+                <a:gs pos="100000">
+                  <a:schemeClr val="bg1"/>
+                </a:gs>
+              </a:gsLst>
+              <a:lin ang="5400000" scaled="1"/>
+              <a:tileRect/>
+            </a:gradFill>
+            <a:ln>
+              <a:noFill/>
             </a:ln>
           </p:spPr>
           <p:style>
@@ -3976,10 +4056,10 @@
         </p:sp>
         <p:grpSp>
           <p:nvGrpSpPr>
-            <p:cNvPr id="4" name="Group 3">
+            <p:cNvPr id="5" name="Group 4">
               <a:extLst>
                 <a:ext uri="{FF2B5EF4-FFF2-40B4-BE49-F238E27FC236}">
-                  <a16:creationId xmlns:a16="http://schemas.microsoft.com/office/drawing/2014/main" id="{0558CF71-E5AD-4D11-99A2-E0136F300D70}"/>
+                  <a16:creationId xmlns:a16="http://schemas.microsoft.com/office/drawing/2014/main" id="{4C7D2A9F-CB93-449E-89A1-A5FE1854486F}"/>
                 </a:ext>
               </a:extLst>
             </p:cNvPr>
@@ -3988,879 +4068,18 @@
           </p:nvGrpSpPr>
           <p:grpSpPr>
             <a:xfrm>
-              <a:off x="438616" y="1597317"/>
-              <a:ext cx="11638748" cy="4337876"/>
-              <a:chOff x="438616" y="1597317"/>
-              <a:chExt cx="11638748" cy="4337876"/>
+              <a:off x="438616" y="1924590"/>
+              <a:ext cx="3844918" cy="1847637"/>
+              <a:chOff x="438616" y="2516234"/>
+              <a:chExt cx="3844918" cy="1847637"/>
             </a:xfrm>
           </p:grpSpPr>
           <p:sp>
             <p:nvSpPr>
-              <p:cNvPr id="5" name="Isosceles Triangle 4">
+              <p:cNvPr id="61" name="Rectangle: Rounded Corners 60">
                 <a:extLst>
                   <a:ext uri="{FF2B5EF4-FFF2-40B4-BE49-F238E27FC236}">
-                    <a16:creationId xmlns:a16="http://schemas.microsoft.com/office/drawing/2014/main" id="{30C6BC2D-49C3-4FA0-B5F4-FF457B237A03}"/>
-                  </a:ext>
-                </a:extLst>
-              </p:cNvPr>
-              <p:cNvSpPr/>
-              <p:nvPr/>
-            </p:nvSpPr>
-            <p:spPr>
-              <a:xfrm rot="5400000" flipH="1">
-                <a:off x="2813430" y="3460922"/>
-                <a:ext cx="3253465" cy="955534"/>
-              </a:xfrm>
-              <a:prstGeom prst="triangle">
-                <a:avLst/>
-              </a:prstGeom>
-              <a:gradFill flip="none" rotWithShape="1">
-                <a:gsLst>
-                  <a:gs pos="0">
-                    <a:srgbClr val="FBCA73"/>
-                  </a:gs>
-                  <a:gs pos="55000">
-                    <a:srgbClr val="FBCA73">
-                      <a:tint val="44500"/>
-                      <a:satMod val="160000"/>
-                    </a:srgbClr>
-                  </a:gs>
-                  <a:gs pos="100000">
-                    <a:schemeClr val="bg1"/>
-                  </a:gs>
-                </a:gsLst>
-                <a:lin ang="5400000" scaled="1"/>
-                <a:tileRect/>
-              </a:gradFill>
-              <a:ln>
-                <a:noFill/>
-              </a:ln>
-            </p:spPr>
-            <p:style>
-              <a:lnRef idx="2">
-                <a:schemeClr val="accent1">
-                  <a:shade val="50000"/>
-                </a:schemeClr>
-              </a:lnRef>
-              <a:fillRef idx="1">
-                <a:schemeClr val="accent1"/>
-              </a:fillRef>
-              <a:effectRef idx="0">
-                <a:schemeClr val="accent1"/>
-              </a:effectRef>
-              <a:fontRef idx="minor">
-                <a:schemeClr val="lt1"/>
-              </a:fontRef>
-            </p:style>
-            <p:txBody>
-              <a:bodyPr rtlCol="0" anchor="ctr"/>
-              <a:lstStyle/>
-              <a:p>
-                <a:pPr algn="ctr"/>
-                <a:endParaRPr lang="en-US"/>
-              </a:p>
-            </p:txBody>
-          </p:sp>
-          <p:sp>
-            <p:nvSpPr>
-              <p:cNvPr id="6" name="Isosceles Triangle 5">
-                <a:extLst>
-                  <a:ext uri="{FF2B5EF4-FFF2-40B4-BE49-F238E27FC236}">
-                    <a16:creationId xmlns:a16="http://schemas.microsoft.com/office/drawing/2014/main" id="{6798D03D-8036-4601-8963-14775CDC8110}"/>
-                  </a:ext>
-                </a:extLst>
-              </p:cNvPr>
-              <p:cNvSpPr/>
-              <p:nvPr/>
-            </p:nvSpPr>
-            <p:spPr>
-              <a:xfrm rot="16200000">
-                <a:off x="7144555" y="3469964"/>
-                <a:ext cx="3253465" cy="955534"/>
-              </a:xfrm>
-              <a:prstGeom prst="triangle">
-                <a:avLst/>
-              </a:prstGeom>
-              <a:gradFill flip="none" rotWithShape="1">
-                <a:gsLst>
-                  <a:gs pos="0">
-                    <a:srgbClr val="FBCA73"/>
-                  </a:gs>
-                  <a:gs pos="55000">
-                    <a:srgbClr val="FBCA73">
-                      <a:tint val="44500"/>
-                      <a:satMod val="160000"/>
-                    </a:srgbClr>
-                  </a:gs>
-                  <a:gs pos="100000">
-                    <a:schemeClr val="bg1"/>
-                  </a:gs>
-                </a:gsLst>
-                <a:lin ang="5400000" scaled="1"/>
-                <a:tileRect/>
-              </a:gradFill>
-              <a:ln>
-                <a:noFill/>
-              </a:ln>
-            </p:spPr>
-            <p:style>
-              <a:lnRef idx="2">
-                <a:schemeClr val="accent1">
-                  <a:shade val="50000"/>
-                </a:schemeClr>
-              </a:lnRef>
-              <a:fillRef idx="1">
-                <a:schemeClr val="accent1"/>
-              </a:fillRef>
-              <a:effectRef idx="0">
-                <a:schemeClr val="accent1"/>
-              </a:effectRef>
-              <a:fontRef idx="minor">
-                <a:schemeClr val="lt1"/>
-              </a:fontRef>
-            </p:style>
-            <p:txBody>
-              <a:bodyPr rtlCol="0" anchor="ctr"/>
-              <a:lstStyle/>
-              <a:p>
-                <a:pPr algn="ctr"/>
-                <a:endParaRPr lang="en-US"/>
-              </a:p>
-            </p:txBody>
-          </p:sp>
-          <p:grpSp>
-            <p:nvGrpSpPr>
-              <p:cNvPr id="7" name="Group 6">
-                <a:extLst>
-                  <a:ext uri="{FF2B5EF4-FFF2-40B4-BE49-F238E27FC236}">
-                    <a16:creationId xmlns:a16="http://schemas.microsoft.com/office/drawing/2014/main" id="{6371AC2E-6468-435D-8B53-865A74524116}"/>
-                  </a:ext>
-                </a:extLst>
-              </p:cNvPr>
-              <p:cNvGrpSpPr/>
-              <p:nvPr/>
-            </p:nvGrpSpPr>
-            <p:grpSpPr>
-              <a:xfrm>
-                <a:off x="438616" y="1924590"/>
-                <a:ext cx="3844918" cy="1847637"/>
-                <a:chOff x="438616" y="2516234"/>
-                <a:chExt cx="3844918" cy="1847637"/>
-              </a:xfrm>
-            </p:grpSpPr>
-            <p:sp>
-              <p:nvSpPr>
-                <p:cNvPr id="63" name="Rectangle: Rounded Corners 62">
-                  <a:extLst>
-                    <a:ext uri="{FF2B5EF4-FFF2-40B4-BE49-F238E27FC236}">
-                      <a16:creationId xmlns:a16="http://schemas.microsoft.com/office/drawing/2014/main" id="{30C2AAD8-641D-4D00-BE70-517363E03B2C}"/>
-                    </a:ext>
-                  </a:extLst>
-                </p:cNvPr>
-                <p:cNvSpPr/>
-                <p:nvPr/>
-              </p:nvSpPr>
-              <p:spPr>
-                <a:xfrm>
-                  <a:off x="438616" y="2827384"/>
-                  <a:ext cx="3533309" cy="1335088"/>
-                </a:xfrm>
-                <a:prstGeom prst="roundRect">
-                  <a:avLst/>
-                </a:prstGeom>
-                <a:solidFill>
-                  <a:schemeClr val="bg1">
-                    <a:lumMod val="95000"/>
-                  </a:schemeClr>
-                </a:solidFill>
-                <a:ln>
-                  <a:noFill/>
-                </a:ln>
-              </p:spPr>
-              <p:style>
-                <a:lnRef idx="2">
-                  <a:schemeClr val="accent1">
-                    <a:shade val="50000"/>
-                  </a:schemeClr>
-                </a:lnRef>
-                <a:fillRef idx="1">
-                  <a:schemeClr val="accent1"/>
-                </a:fillRef>
-                <a:effectRef idx="0">
-                  <a:schemeClr val="accent1"/>
-                </a:effectRef>
-                <a:fontRef idx="minor">
-                  <a:schemeClr val="lt1"/>
-                </a:fontRef>
-              </p:style>
-              <p:txBody>
-                <a:bodyPr rtlCol="0" anchor="ctr"/>
-                <a:lstStyle/>
-                <a:p>
-                  <a:pPr algn="ctr"/>
-                  <a:endParaRPr lang="en-US"/>
-                </a:p>
-              </p:txBody>
-            </p:sp>
-            <p:pic>
-              <p:nvPicPr>
-                <p:cNvPr id="64" name="Picture 2" descr="SolidWorks logo and symbol, meaning, history, PNG">
-                  <a:extLst>
-                    <a:ext uri="{FF2B5EF4-FFF2-40B4-BE49-F238E27FC236}">
-                      <a16:creationId xmlns:a16="http://schemas.microsoft.com/office/drawing/2014/main" id="{C968ACB9-A5EE-41AF-8E19-147CC454C060}"/>
-                    </a:ext>
-                  </a:extLst>
-                </p:cNvPr>
-                <p:cNvPicPr>
-                  <a:picLocks noChangeAspect="1" noChangeArrowheads="1"/>
-                </p:cNvPicPr>
-                <p:nvPr/>
-              </p:nvPicPr>
-              <p:blipFill>
-                <a:blip r:embed="rId2">
-                  <a:extLst>
-                    <a:ext uri="{28A0092B-C50C-407E-A947-70E740481C1C}">
-                      <a14:useLocalDpi xmlns:a14="http://schemas.microsoft.com/office/drawing/2010/main" val="0"/>
-                    </a:ext>
-                  </a:extLst>
-                </a:blip>
-                <a:srcRect/>
-                <a:stretch>
-                  <a:fillRect/>
-                </a:stretch>
-              </p:blipFill>
-              <p:spPr bwMode="auto">
-                <a:xfrm>
-                  <a:off x="632818" y="2528680"/>
-                  <a:ext cx="1524893" cy="953059"/>
-                </a:xfrm>
-                <a:prstGeom prst="rect">
-                  <a:avLst/>
-                </a:prstGeom>
-                <a:noFill/>
-                <a:extLst>
-                  <a:ext uri="{909E8E84-426E-40DD-AFC4-6F175D3DCCD1}">
-                    <a14:hiddenFill xmlns:a14="http://schemas.microsoft.com/office/drawing/2010/main">
-                      <a:solidFill>
-                        <a:srgbClr val="FFFFFF"/>
-                      </a:solidFill>
-                    </a14:hiddenFill>
-                  </a:ext>
-                </a:extLst>
-              </p:spPr>
-            </p:pic>
-            <p:pic>
-              <p:nvPicPr>
-                <p:cNvPr id="65" name="Picture 16" descr="PTC Creo - Wikipedia">
-                  <a:extLst>
-                    <a:ext uri="{FF2B5EF4-FFF2-40B4-BE49-F238E27FC236}">
-                      <a16:creationId xmlns:a16="http://schemas.microsoft.com/office/drawing/2014/main" id="{0B03E98C-A403-4AA1-8FF7-F1C1558A437D}"/>
-                    </a:ext>
-                  </a:extLst>
-                </p:cNvPr>
-                <p:cNvPicPr>
-                  <a:picLocks noChangeAspect="1" noChangeArrowheads="1"/>
-                </p:cNvPicPr>
-                <p:nvPr/>
-              </p:nvPicPr>
-              <p:blipFill>
-                <a:blip r:embed="rId3">
-                  <a:extLst>
-                    <a:ext uri="{28A0092B-C50C-407E-A947-70E740481C1C}">
-                      <a14:useLocalDpi xmlns:a14="http://schemas.microsoft.com/office/drawing/2010/main" val="0"/>
-                    </a:ext>
-                  </a:extLst>
-                </a:blip>
-                <a:srcRect/>
-                <a:stretch>
-                  <a:fillRect/>
-                </a:stretch>
-              </p:blipFill>
-              <p:spPr bwMode="auto">
-                <a:xfrm>
-                  <a:off x="636190" y="3259039"/>
-                  <a:ext cx="1114102" cy="374152"/>
-                </a:xfrm>
-                <a:prstGeom prst="rect">
-                  <a:avLst/>
-                </a:prstGeom>
-                <a:noFill/>
-                <a:extLst>
-                  <a:ext uri="{909E8E84-426E-40DD-AFC4-6F175D3DCCD1}">
-                    <a14:hiddenFill xmlns:a14="http://schemas.microsoft.com/office/drawing/2010/main">
-                      <a:solidFill>
-                        <a:srgbClr val="FFFFFF"/>
-                      </a:solidFill>
-                    </a14:hiddenFill>
-                  </a:ext>
-                </a:extLst>
-              </p:spPr>
-            </p:pic>
-            <p:pic>
-              <p:nvPicPr>
-                <p:cNvPr id="66" name="Picture 65" descr="AutoCAD Logo | evolution history and meaning">
-                  <a:extLst>
-                    <a:ext uri="{FF2B5EF4-FFF2-40B4-BE49-F238E27FC236}">
-                      <a16:creationId xmlns:a16="http://schemas.microsoft.com/office/drawing/2014/main" id="{DD753664-F66E-4E13-AD64-BD4DAF86B4A6}"/>
-                    </a:ext>
-                  </a:extLst>
-                </p:cNvPr>
-                <p:cNvPicPr>
-                  <a:picLocks noChangeAspect="1" noChangeArrowheads="1"/>
-                </p:cNvPicPr>
-                <p:nvPr/>
-              </p:nvPicPr>
-              <p:blipFill>
-                <a:blip r:embed="rId4">
-                  <a:extLst>
-                    <a:ext uri="{28A0092B-C50C-407E-A947-70E740481C1C}">
-                      <a14:useLocalDpi xmlns:a14="http://schemas.microsoft.com/office/drawing/2010/main" val="0"/>
-                    </a:ext>
-                  </a:extLst>
-                </a:blip>
-                <a:srcRect/>
-                <a:stretch>
-                  <a:fillRect/>
-                </a:stretch>
-              </p:blipFill>
-              <p:spPr bwMode="auto">
-                <a:xfrm>
-                  <a:off x="2286287" y="3563281"/>
-                  <a:ext cx="1423271" cy="800590"/>
-                </a:xfrm>
-                <a:prstGeom prst="rect">
-                  <a:avLst/>
-                </a:prstGeom>
-                <a:noFill/>
-                <a:extLst>
-                  <a:ext uri="{909E8E84-426E-40DD-AFC4-6F175D3DCCD1}">
-                    <a14:hiddenFill xmlns:a14="http://schemas.microsoft.com/office/drawing/2010/main">
-                      <a:solidFill>
-                        <a:srgbClr val="FFFFFF"/>
-                      </a:solidFill>
-                    </a14:hiddenFill>
-                  </a:ext>
-                </a:extLst>
-              </p:spPr>
-            </p:pic>
-            <p:pic>
-              <p:nvPicPr>
-                <p:cNvPr id="67" name="Picture 20" descr="Fusion 360 Logo - Fusion 360 Blog">
-                  <a:extLst>
-                    <a:ext uri="{FF2B5EF4-FFF2-40B4-BE49-F238E27FC236}">
-                      <a16:creationId xmlns:a16="http://schemas.microsoft.com/office/drawing/2014/main" id="{6FAEE16C-509E-47E9-BE25-4D0DD7C9537C}"/>
-                    </a:ext>
-                  </a:extLst>
-                </p:cNvPr>
-                <p:cNvPicPr>
-                  <a:picLocks noChangeAspect="1" noChangeArrowheads="1"/>
-                </p:cNvPicPr>
-                <p:nvPr/>
-              </p:nvPicPr>
-              <p:blipFill>
-                <a:blip r:embed="rId5">
-                  <a:extLst>
-                    <a:ext uri="{28A0092B-C50C-407E-A947-70E740481C1C}">
-                      <a14:useLocalDpi xmlns:a14="http://schemas.microsoft.com/office/drawing/2010/main" val="0"/>
-                    </a:ext>
-                  </a:extLst>
-                </a:blip>
-                <a:srcRect/>
-                <a:stretch>
-                  <a:fillRect/>
-                </a:stretch>
-              </p:blipFill>
-              <p:spPr bwMode="auto">
-                <a:xfrm>
-                  <a:off x="1996352" y="2885067"/>
-                  <a:ext cx="2287182" cy="1127484"/>
-                </a:xfrm>
-                <a:prstGeom prst="rect">
-                  <a:avLst/>
-                </a:prstGeom>
-                <a:noFill/>
-                <a:extLst>
-                  <a:ext uri="{909E8E84-426E-40DD-AFC4-6F175D3DCCD1}">
-                    <a14:hiddenFill xmlns:a14="http://schemas.microsoft.com/office/drawing/2010/main">
-                      <a:solidFill>
-                        <a:srgbClr val="FFFFFF"/>
-                      </a:solidFill>
-                    </a14:hiddenFill>
-                  </a:ext>
-                </a:extLst>
-              </p:spPr>
-            </p:pic>
-            <p:pic>
-              <p:nvPicPr>
-                <p:cNvPr id="68" name="Picture 67" descr="Announcing NEW Simulation Capabilities &amp; Services - Brave Control Solutions">
-                  <a:extLst>
-                    <a:ext uri="{FF2B5EF4-FFF2-40B4-BE49-F238E27FC236}">
-                      <a16:creationId xmlns:a16="http://schemas.microsoft.com/office/drawing/2014/main" id="{476E6E8C-621E-4808-B439-B01E439C3B94}"/>
-                    </a:ext>
-                  </a:extLst>
-                </p:cNvPr>
-                <p:cNvPicPr>
-                  <a:picLocks noChangeAspect="1" noChangeArrowheads="1"/>
-                </p:cNvPicPr>
-                <p:nvPr/>
-              </p:nvPicPr>
-              <p:blipFill>
-                <a:blip r:embed="rId6">
-                  <a:extLst>
-                    <a:ext uri="{28A0092B-C50C-407E-A947-70E740481C1C}">
-                      <a14:useLocalDpi xmlns:a14="http://schemas.microsoft.com/office/drawing/2010/main" val="0"/>
-                    </a:ext>
-                  </a:extLst>
-                </a:blip>
-                <a:srcRect/>
-                <a:stretch>
-                  <a:fillRect/>
-                </a:stretch>
-              </p:blipFill>
-              <p:spPr bwMode="auto">
-                <a:xfrm>
-                  <a:off x="2154118" y="2516234"/>
-                  <a:ext cx="1666197" cy="740532"/>
-                </a:xfrm>
-                <a:custGeom>
-                  <a:avLst/>
-                  <a:gdLst>
-                    <a:gd name="connsiteX0" fmla="*/ 902652 w 1666197"/>
-                    <a:gd name="connsiteY0" fmla="*/ 113795 h 740532"/>
-                    <a:gd name="connsiteX1" fmla="*/ 902652 w 1666197"/>
-                    <a:gd name="connsiteY1" fmla="*/ 397394 h 740532"/>
-                    <a:gd name="connsiteX2" fmla="*/ 1224082 w 1666197"/>
-                    <a:gd name="connsiteY2" fmla="*/ 397394 h 740532"/>
-                    <a:gd name="connsiteX3" fmla="*/ 1224082 w 1666197"/>
-                    <a:gd name="connsiteY3" fmla="*/ 113795 h 740532"/>
-                    <a:gd name="connsiteX4" fmla="*/ 0 w 1666197"/>
-                    <a:gd name="connsiteY4" fmla="*/ 0 h 740532"/>
-                    <a:gd name="connsiteX5" fmla="*/ 1666197 w 1666197"/>
-                    <a:gd name="connsiteY5" fmla="*/ 0 h 740532"/>
-                    <a:gd name="connsiteX6" fmla="*/ 1666197 w 1666197"/>
-                    <a:gd name="connsiteY6" fmla="*/ 740532 h 740532"/>
-                    <a:gd name="connsiteX7" fmla="*/ 0 w 1666197"/>
-                    <a:gd name="connsiteY7" fmla="*/ 740532 h 740532"/>
-                  </a:gdLst>
-                  <a:ahLst/>
-                  <a:cxnLst>
-                    <a:cxn ang="0">
-                      <a:pos x="connsiteX0" y="connsiteY0"/>
-                    </a:cxn>
-                    <a:cxn ang="0">
-                      <a:pos x="connsiteX1" y="connsiteY1"/>
-                    </a:cxn>
-                    <a:cxn ang="0">
-                      <a:pos x="connsiteX2" y="connsiteY2"/>
-                    </a:cxn>
-                    <a:cxn ang="0">
-                      <a:pos x="connsiteX3" y="connsiteY3"/>
-                    </a:cxn>
-                    <a:cxn ang="0">
-                      <a:pos x="connsiteX4" y="connsiteY4"/>
-                    </a:cxn>
-                    <a:cxn ang="0">
-                      <a:pos x="connsiteX5" y="connsiteY5"/>
-                    </a:cxn>
-                    <a:cxn ang="0">
-                      <a:pos x="connsiteX6" y="connsiteY6"/>
-                    </a:cxn>
-                    <a:cxn ang="0">
-                      <a:pos x="connsiteX7" y="connsiteY7"/>
-                    </a:cxn>
-                  </a:cxnLst>
-                  <a:rect l="l" t="t" r="r" b="b"/>
-                  <a:pathLst>
-                    <a:path w="1666197" h="740532">
-                      <a:moveTo>
-                        <a:pt x="902652" y="113795"/>
-                      </a:moveTo>
-                      <a:lnTo>
-                        <a:pt x="902652" y="397394"/>
-                      </a:lnTo>
-                      <a:lnTo>
-                        <a:pt x="1224082" y="397394"/>
-                      </a:lnTo>
-                      <a:lnTo>
-                        <a:pt x="1224082" y="113795"/>
-                      </a:lnTo>
-                      <a:close/>
-                      <a:moveTo>
-                        <a:pt x="0" y="0"/>
-                      </a:moveTo>
-                      <a:lnTo>
-                        <a:pt x="1666197" y="0"/>
-                      </a:lnTo>
-                      <a:lnTo>
-                        <a:pt x="1666197" y="740532"/>
-                      </a:lnTo>
-                      <a:lnTo>
-                        <a:pt x="0" y="740532"/>
-                      </a:lnTo>
-                      <a:close/>
-                    </a:path>
-                  </a:pathLst>
-                </a:custGeom>
-                <a:noFill/>
-                <a:extLst>
-                  <a:ext uri="{909E8E84-426E-40DD-AFC4-6F175D3DCCD1}">
-                    <a14:hiddenFill xmlns:a14="http://schemas.microsoft.com/office/drawing/2010/main">
-                      <a:solidFill>
-                        <a:srgbClr val="FFFFFF"/>
-                      </a:solidFill>
-                    </a14:hiddenFill>
-                  </a:ext>
-                </a:extLst>
-              </p:spPr>
-            </p:pic>
-            <p:pic>
-              <p:nvPicPr>
-                <p:cNvPr id="69" name="Picture 24">
-                  <a:extLst>
-                    <a:ext uri="{FF2B5EF4-FFF2-40B4-BE49-F238E27FC236}">
-                      <a16:creationId xmlns:a16="http://schemas.microsoft.com/office/drawing/2014/main" id="{3FB2056D-4D37-4546-BE62-4E96A41443D5}"/>
-                    </a:ext>
-                  </a:extLst>
-                </p:cNvPr>
-                <p:cNvPicPr>
-                  <a:picLocks noChangeAspect="1" noChangeArrowheads="1"/>
-                </p:cNvPicPr>
-                <p:nvPr/>
-              </p:nvPicPr>
-              <p:blipFill>
-                <a:blip r:embed="rId7">
-                  <a:extLst>
-                    <a:ext uri="{28A0092B-C50C-407E-A947-70E740481C1C}">
-                      <a14:useLocalDpi xmlns:a14="http://schemas.microsoft.com/office/drawing/2010/main" val="0"/>
-                    </a:ext>
-                  </a:extLst>
-                </a:blip>
-                <a:srcRect/>
-                <a:stretch>
-                  <a:fillRect/>
-                </a:stretch>
-              </p:blipFill>
-              <p:spPr bwMode="auto">
-                <a:xfrm>
-                  <a:off x="640631" y="3807451"/>
-                  <a:ext cx="1524956" cy="340136"/>
-                </a:xfrm>
-                <a:prstGeom prst="rect">
-                  <a:avLst/>
-                </a:prstGeom>
-                <a:noFill/>
-                <a:extLst>
-                  <a:ext uri="{909E8E84-426E-40DD-AFC4-6F175D3DCCD1}">
-                    <a14:hiddenFill xmlns:a14="http://schemas.microsoft.com/office/drawing/2010/main">
-                      <a:solidFill>
-                        <a:srgbClr val="FFFFFF"/>
-                      </a:solidFill>
-                    </a14:hiddenFill>
-                  </a:ext>
-                </a:extLst>
-              </p:spPr>
-            </p:pic>
-          </p:grpSp>
-          <p:pic>
-            <p:nvPicPr>
-              <p:cNvPr id="8" name="Graphic 7" descr="Internet">
-                <a:extLst>
-                  <a:ext uri="{FF2B5EF4-FFF2-40B4-BE49-F238E27FC236}">
-                    <a16:creationId xmlns:a16="http://schemas.microsoft.com/office/drawing/2014/main" id="{10B5EF09-8ADF-4E8A-B9C3-54E4F5F8E830}"/>
-                  </a:ext>
-                </a:extLst>
-              </p:cNvPr>
-              <p:cNvPicPr>
-                <a:picLocks noChangeAspect="1"/>
-              </p:cNvPicPr>
-              <p:nvPr/>
-            </p:nvPicPr>
-            <p:blipFill>
-              <a:blip r:embed="rId8">
-                <a:extLst>
-                  <a:ext uri="{28A0092B-C50C-407E-A947-70E740481C1C}">
-                    <a14:useLocalDpi xmlns:a14="http://schemas.microsoft.com/office/drawing/2010/main" val="0"/>
-                  </a:ext>
-                  <a:ext uri="{96DAC541-7B7A-43D3-8B79-37D633B846F1}">
-                    <asvg:svgBlip xmlns:asvg="http://schemas.microsoft.com/office/drawing/2016/SVG/main" r:embed="rId9"/>
-                  </a:ext>
-                </a:extLst>
-              </a:blip>
-              <a:stretch>
-                <a:fillRect/>
-              </a:stretch>
-            </p:blipFill>
-            <p:spPr>
-              <a:xfrm>
-                <a:off x="4823599" y="3261598"/>
-                <a:ext cx="1310294" cy="1310294"/>
-              </a:xfrm>
-              <a:prstGeom prst="rect">
-                <a:avLst/>
-              </a:prstGeom>
-            </p:spPr>
-          </p:pic>
-          <p:pic>
-            <p:nvPicPr>
-              <p:cNvPr id="9" name="Graphic 8" descr="Cloud">
-                <a:extLst>
-                  <a:ext uri="{FF2B5EF4-FFF2-40B4-BE49-F238E27FC236}">
-                    <a16:creationId xmlns:a16="http://schemas.microsoft.com/office/drawing/2014/main" id="{2554DA48-0522-45D4-95FB-F8A5E62EC484}"/>
-                  </a:ext>
-                </a:extLst>
-              </p:cNvPr>
-              <p:cNvPicPr>
-                <a:picLocks noChangeAspect="1"/>
-              </p:cNvPicPr>
-              <p:nvPr/>
-            </p:nvPicPr>
-            <p:blipFill>
-              <a:blip r:embed="rId10">
-                <a:extLst>
-                  <a:ext uri="{28A0092B-C50C-407E-A947-70E740481C1C}">
-                    <a14:useLocalDpi xmlns:a14="http://schemas.microsoft.com/office/drawing/2010/main" val="0"/>
-                  </a:ext>
-                  <a:ext uri="{96DAC541-7B7A-43D3-8B79-37D633B846F1}">
-                    <asvg:svgBlip xmlns:asvg="http://schemas.microsoft.com/office/drawing/2016/SVG/main" r:embed="rId11"/>
-                  </a:ext>
-                </a:extLst>
-              </a:blip>
-              <a:stretch>
-                <a:fillRect/>
-              </a:stretch>
-            </p:blipFill>
-            <p:spPr>
-              <a:xfrm>
-                <a:off x="6943308" y="3211661"/>
-                <a:ext cx="1371600" cy="1371600"/>
-              </a:xfrm>
-              <a:prstGeom prst="rect">
-                <a:avLst/>
-              </a:prstGeom>
-            </p:spPr>
-          </p:pic>
-          <p:pic>
-            <p:nvPicPr>
-              <p:cNvPr id="10" name="Graphic 9" descr="Bar chart outline">
-                <a:extLst>
-                  <a:ext uri="{FF2B5EF4-FFF2-40B4-BE49-F238E27FC236}">
-                    <a16:creationId xmlns:a16="http://schemas.microsoft.com/office/drawing/2014/main" id="{E7202F49-EADB-4DC6-97BD-A77CBAD0A944}"/>
-                  </a:ext>
-                </a:extLst>
-              </p:cNvPr>
-              <p:cNvPicPr>
-                <a:picLocks noChangeAspect="1"/>
-              </p:cNvPicPr>
-              <p:nvPr/>
-            </p:nvPicPr>
-            <p:blipFill>
-              <a:blip r:embed="rId12">
-                <a:extLst>
-                  <a:ext uri="{28A0092B-C50C-407E-A947-70E740481C1C}">
-                    <a14:useLocalDpi xmlns:a14="http://schemas.microsoft.com/office/drawing/2010/main" val="0"/>
-                  </a:ext>
-                  <a:ext uri="{96DAC541-7B7A-43D3-8B79-37D633B846F1}">
-                    <asvg:svgBlip xmlns:asvg="http://schemas.microsoft.com/office/drawing/2016/SVG/main" r:embed="rId13"/>
-                  </a:ext>
-                </a:extLst>
-              </a:blip>
-              <a:stretch>
-                <a:fillRect/>
-              </a:stretch>
-            </p:blipFill>
-            <p:spPr>
-              <a:xfrm>
-                <a:off x="9074211" y="4626765"/>
-                <a:ext cx="914400" cy="914400"/>
-              </a:xfrm>
-              <a:prstGeom prst="rect">
-                <a:avLst/>
-              </a:prstGeom>
-            </p:spPr>
-          </p:pic>
-          <mc:AlternateContent xmlns:mc="http://schemas.openxmlformats.org/markup-compatibility/2006">
-            <mc:Choice xmlns:a14="http://schemas.microsoft.com/office/drawing/2010/main" Requires="a14">
-              <p:sp>
-                <p:nvSpPr>
-                  <p:cNvPr id="11" name="TextBox 10">
-                    <a:extLst>
-                      <a:ext uri="{FF2B5EF4-FFF2-40B4-BE49-F238E27FC236}">
-                        <a16:creationId xmlns:a16="http://schemas.microsoft.com/office/drawing/2014/main" id="{A5DC25CF-9B66-4B8E-B66E-102AE17EE41F}"/>
-                      </a:ext>
-                    </a:extLst>
-                  </p:cNvPr>
-                  <p:cNvSpPr txBox="1"/>
-                  <p:nvPr/>
-                </p:nvSpPr>
-                <p:spPr>
-                  <a:xfrm>
-                    <a:off x="9122949" y="3774406"/>
-                    <a:ext cx="1151277" cy="276999"/>
-                  </a:xfrm>
-                  <a:prstGeom prst="rect">
-                    <a:avLst/>
-                  </a:prstGeom>
-                  <a:noFill/>
-                </p:spPr>
-                <p:txBody>
-                  <a:bodyPr wrap="none" lIns="0" tIns="0" rIns="0" bIns="0" rtlCol="0">
-                    <a:spAutoFit/>
-                  </a:bodyPr>
-                  <a:lstStyle/>
-                  <a:p>
-                    <a:pPr/>
-                    <a14:m>
-                      <m:oMathPara xmlns:m="http://schemas.openxmlformats.org/officeDocument/2006/math">
-                        <m:oMathParaPr>
-                          <m:jc m:val="centerGroup"/>
-                        </m:oMathParaPr>
-                        <m:oMath xmlns:m="http://schemas.openxmlformats.org/officeDocument/2006/math">
-                          <m:r>
-                            <m:rPr>
-                              <m:nor/>
-                            </m:rPr>
-                            <a:rPr lang="en-US" b="0" i="0" smtClean="0">
-                              <a:latin typeface="Cambria Math" panose="02040503050406030204" pitchFamily="18" charset="0"/>
-                            </a:rPr>
-                            <m:t>DUR</m:t>
-                          </m:r>
-                          <m:r>
-                            <a:rPr lang="en-US" b="0" i="1" smtClean="0">
-                              <a:latin typeface="Cambria Math" panose="02040503050406030204" pitchFamily="18" charset="0"/>
-                            </a:rPr>
-                            <m:t>=1.5</m:t>
-                          </m:r>
-                        </m:oMath>
-                      </m:oMathPara>
-                    </a14:m>
-                    <a:endParaRPr lang="en-US" dirty="0"/>
-                  </a:p>
-                </p:txBody>
-              </p:sp>
-            </mc:Choice>
-            <mc:Fallback>
-              <p:sp>
-                <p:nvSpPr>
-                  <p:cNvPr id="11" name="TextBox 10">
-                    <a:extLst>
-                      <a:ext uri="{FF2B5EF4-FFF2-40B4-BE49-F238E27FC236}">
-                        <a16:creationId xmlns:a16="http://schemas.microsoft.com/office/drawing/2014/main" id="{A5DC25CF-9B66-4B8E-B66E-102AE17EE41F}"/>
-                      </a:ext>
-                    </a:extLst>
-                  </p:cNvPr>
-                  <p:cNvSpPr txBox="1">
-                    <a:spLocks noRot="1" noChangeAspect="1" noMove="1" noResize="1" noEditPoints="1" noAdjustHandles="1" noChangeArrowheads="1" noChangeShapeType="1" noTextEdit="1"/>
-                  </p:cNvSpPr>
-                  <p:nvPr/>
-                </p:nvSpPr>
-                <p:spPr>
-                  <a:xfrm>
-                    <a:off x="9122949" y="3774406"/>
-                    <a:ext cx="1151277" cy="276999"/>
-                  </a:xfrm>
-                  <a:prstGeom prst="rect">
-                    <a:avLst/>
-                  </a:prstGeom>
-                  <a:blipFill>
-                    <a:blip r:embed="rId14"/>
-                    <a:stretch>
-                      <a:fillRect l="-2660" r="-3191" b="-6522"/>
-                    </a:stretch>
-                  </a:blipFill>
-                </p:spPr>
-                <p:txBody>
-                  <a:bodyPr/>
-                  <a:lstStyle/>
-                  <a:p>
-                    <a:r>
-                      <a:rPr lang="en-US">
-                        <a:noFill/>
-                      </a:rPr>
-                      <a:t> </a:t>
-                    </a:r>
-                  </a:p>
-                </p:txBody>
-              </p:sp>
-            </mc:Fallback>
-          </mc:AlternateContent>
-          <p:sp>
-            <p:nvSpPr>
-              <p:cNvPr id="12" name="TextBox 11">
-                <a:extLst>
-                  <a:ext uri="{FF2B5EF4-FFF2-40B4-BE49-F238E27FC236}">
-                    <a16:creationId xmlns:a16="http://schemas.microsoft.com/office/drawing/2014/main" id="{E842FD9B-F5B2-419D-968E-16326AEA50B7}"/>
-                  </a:ext>
-                </a:extLst>
-              </p:cNvPr>
-              <p:cNvSpPr txBox="1"/>
-              <p:nvPr/>
-            </p:nvSpPr>
-            <p:spPr>
-              <a:xfrm>
-                <a:off x="974725" y="1597317"/>
-                <a:ext cx="2482052" cy="646331"/>
-              </a:xfrm>
-              <a:prstGeom prst="rect">
-                <a:avLst/>
-              </a:prstGeom>
-              <a:noFill/>
-            </p:spPr>
-            <p:txBody>
-              <a:bodyPr wrap="square" rtlCol="0">
-                <a:spAutoFit/>
-              </a:bodyPr>
-              <a:lstStyle/>
-              <a:p>
-                <a:pPr algn="ctr"/>
-                <a:r>
-                  <a:rPr lang="en-US" dirty="0"/>
-                  <a:t>Export file with mesh and material info</a:t>
-                </a:r>
-              </a:p>
-            </p:txBody>
-          </p:sp>
-          <p:sp>
-            <p:nvSpPr>
-              <p:cNvPr id="13" name="TextBox 12">
-                <a:extLst>
-                  <a:ext uri="{FF2B5EF4-FFF2-40B4-BE49-F238E27FC236}">
-                    <a16:creationId xmlns:a16="http://schemas.microsoft.com/office/drawing/2014/main" id="{47531670-8044-4E96-90C6-E9E04AF3389D}"/>
-                  </a:ext>
-                </a:extLst>
-              </p:cNvPr>
-              <p:cNvSpPr txBox="1"/>
-              <p:nvPr/>
-            </p:nvSpPr>
-            <p:spPr>
-              <a:xfrm>
-                <a:off x="4707133" y="2354940"/>
-                <a:ext cx="1488184" cy="646331"/>
-              </a:xfrm>
-              <a:prstGeom prst="rect">
-                <a:avLst/>
-              </a:prstGeom>
-              <a:noFill/>
-            </p:spPr>
-            <p:txBody>
-              <a:bodyPr wrap="square" rtlCol="0">
-                <a:spAutoFit/>
-              </a:bodyPr>
-              <a:lstStyle/>
-              <a:p>
-                <a:pPr algn="ctr"/>
-                <a:r>
-                  <a:rPr lang="en-US" dirty="0"/>
-                  <a:t>Upload to web app</a:t>
-                </a:r>
-              </a:p>
-            </p:txBody>
-          </p:sp>
-          <p:sp>
-            <p:nvSpPr>
-              <p:cNvPr id="14" name="Arrow: Right 13">
-                <a:extLst>
-                  <a:ext uri="{FF2B5EF4-FFF2-40B4-BE49-F238E27FC236}">
-                    <a16:creationId xmlns:a16="http://schemas.microsoft.com/office/drawing/2014/main" id="{C14DCEEE-E6AD-4B8D-9146-DC7F43EB0C97}"/>
+                    <a16:creationId xmlns:a16="http://schemas.microsoft.com/office/drawing/2014/main" id="{963B138D-48D4-43B5-89D3-805E018970B3}"/>
                   </a:ext>
                 </a:extLst>
               </p:cNvPr>
@@ -4869,370 +4088,8 @@
             </p:nvSpPr>
             <p:spPr>
               <a:xfrm>
-                <a:off x="6072215" y="3641917"/>
-                <a:ext cx="914400" cy="512410"/>
-              </a:xfrm>
-              <a:prstGeom prst="rightArrow">
-                <a:avLst/>
-              </a:prstGeom>
-              <a:solidFill>
-                <a:srgbClr val="F7C873"/>
-              </a:solidFill>
-              <a:ln>
-                <a:solidFill>
-                  <a:schemeClr val="tx1"/>
-                </a:solidFill>
-              </a:ln>
-            </p:spPr>
-            <p:style>
-              <a:lnRef idx="2">
-                <a:schemeClr val="accent1">
-                  <a:shade val="50000"/>
-                </a:schemeClr>
-              </a:lnRef>
-              <a:fillRef idx="1">
-                <a:schemeClr val="accent1"/>
-              </a:fillRef>
-              <a:effectRef idx="0">
-                <a:schemeClr val="accent1"/>
-              </a:effectRef>
-              <a:fontRef idx="minor">
-                <a:schemeClr val="lt1"/>
-              </a:fontRef>
-            </p:style>
-            <p:txBody>
-              <a:bodyPr rtlCol="0" anchor="ctr"/>
-              <a:lstStyle/>
-              <a:p>
-                <a:pPr algn="ctr"/>
-                <a:endParaRPr lang="en-US"/>
-              </a:p>
-            </p:txBody>
-          </p:sp>
-          <p:grpSp>
-            <p:nvGrpSpPr>
-              <p:cNvPr id="15" name="Group 14">
-                <a:extLst>
-                  <a:ext uri="{FF2B5EF4-FFF2-40B4-BE49-F238E27FC236}">
-                    <a16:creationId xmlns:a16="http://schemas.microsoft.com/office/drawing/2014/main" id="{4386D854-CA61-4AD0-A920-EB2419808BBD}"/>
-                  </a:ext>
-                </a:extLst>
-              </p:cNvPr>
-              <p:cNvGrpSpPr/>
-              <p:nvPr/>
-            </p:nvGrpSpPr>
-            <p:grpSpPr>
-              <a:xfrm>
-                <a:off x="9096130" y="2106846"/>
-                <a:ext cx="914400" cy="914400"/>
-                <a:chOff x="9607940" y="1647001"/>
-                <a:chExt cx="914400" cy="914400"/>
-              </a:xfrm>
-            </p:grpSpPr>
-            <p:pic>
-              <p:nvPicPr>
-                <p:cNvPr id="60" name="Graphic 59" descr="Cube outline">
-                  <a:extLst>
-                    <a:ext uri="{FF2B5EF4-FFF2-40B4-BE49-F238E27FC236}">
-                      <a16:creationId xmlns:a16="http://schemas.microsoft.com/office/drawing/2014/main" id="{A9FF80BF-17A7-4CA3-B619-7BBE615DB569}"/>
-                    </a:ext>
-                  </a:extLst>
-                </p:cNvPr>
-                <p:cNvPicPr>
-                  <a:picLocks noChangeAspect="1"/>
-                </p:cNvPicPr>
-                <p:nvPr/>
-              </p:nvPicPr>
-              <p:blipFill>
-                <a:blip r:embed="rId15">
-                  <a:extLst>
-                    <a:ext uri="{28A0092B-C50C-407E-A947-70E740481C1C}">
-                      <a14:useLocalDpi xmlns:a14="http://schemas.microsoft.com/office/drawing/2010/main" val="0"/>
-                    </a:ext>
-                    <a:ext uri="{96DAC541-7B7A-43D3-8B79-37D633B846F1}">
-                      <asvg:svgBlip xmlns:asvg="http://schemas.microsoft.com/office/drawing/2016/SVG/main" r:embed="rId16"/>
-                    </a:ext>
-                  </a:extLst>
-                </a:blip>
-                <a:stretch>
-                  <a:fillRect/>
-                </a:stretch>
-              </p:blipFill>
-              <p:spPr>
-                <a:xfrm>
-                  <a:off x="9607940" y="1647001"/>
-                  <a:ext cx="914400" cy="914400"/>
-                </a:xfrm>
-                <a:prstGeom prst="rect">
-                  <a:avLst/>
-                </a:prstGeom>
-              </p:spPr>
-            </p:pic>
-            <p:sp>
-              <p:nvSpPr>
-                <p:cNvPr id="61" name="Star: 5 Points 60">
-                  <a:extLst>
-                    <a:ext uri="{FF2B5EF4-FFF2-40B4-BE49-F238E27FC236}">
-                      <a16:creationId xmlns:a16="http://schemas.microsoft.com/office/drawing/2014/main" id="{5EDF1331-854F-4149-98E5-9C80D40D0651}"/>
-                    </a:ext>
-                  </a:extLst>
-                </p:cNvPr>
-                <p:cNvSpPr/>
-                <p:nvPr/>
-              </p:nvSpPr>
-              <p:spPr>
-                <a:xfrm>
-                  <a:off x="9802322" y="1723645"/>
-                  <a:ext cx="253742" cy="261766"/>
-                </a:xfrm>
-                <a:prstGeom prst="star5">
-                  <a:avLst/>
-                </a:prstGeom>
-                <a:solidFill>
-                  <a:srgbClr val="FF0000"/>
-                </a:solidFill>
-                <a:ln>
-                  <a:noFill/>
-                </a:ln>
-              </p:spPr>
-              <p:style>
-                <a:lnRef idx="2">
-                  <a:schemeClr val="accent1">
-                    <a:shade val="50000"/>
-                  </a:schemeClr>
-                </a:lnRef>
-                <a:fillRef idx="1">
-                  <a:schemeClr val="accent1"/>
-                </a:fillRef>
-                <a:effectRef idx="0">
-                  <a:schemeClr val="accent1"/>
-                </a:effectRef>
-                <a:fontRef idx="minor">
-                  <a:schemeClr val="lt1"/>
-                </a:fontRef>
-              </p:style>
-              <p:txBody>
-                <a:bodyPr rtlCol="0" anchor="ctr"/>
-                <a:lstStyle/>
-                <a:p>
-                  <a:pPr algn="ctr"/>
-                  <a:endParaRPr lang="en-US"/>
-                </a:p>
-              </p:txBody>
-            </p:sp>
-            <p:sp>
-              <p:nvSpPr>
-                <p:cNvPr id="62" name="Star: 5 Points 61">
-                  <a:extLst>
-                    <a:ext uri="{FF2B5EF4-FFF2-40B4-BE49-F238E27FC236}">
-                      <a16:creationId xmlns:a16="http://schemas.microsoft.com/office/drawing/2014/main" id="{44B440CC-088F-4EF0-B905-7E346346CB8A}"/>
-                    </a:ext>
-                  </a:extLst>
-                </p:cNvPr>
-                <p:cNvSpPr/>
-                <p:nvPr/>
-              </p:nvSpPr>
-              <p:spPr>
-                <a:xfrm>
-                  <a:off x="10103111" y="2124318"/>
-                  <a:ext cx="253742" cy="261766"/>
-                </a:xfrm>
-                <a:prstGeom prst="star5">
-                  <a:avLst/>
-                </a:prstGeom>
-                <a:solidFill>
-                  <a:schemeClr val="accent1"/>
-                </a:solidFill>
-                <a:ln>
-                  <a:noFill/>
-                </a:ln>
-              </p:spPr>
-              <p:style>
-                <a:lnRef idx="2">
-                  <a:schemeClr val="accent1">
-                    <a:shade val="50000"/>
-                  </a:schemeClr>
-                </a:lnRef>
-                <a:fillRef idx="1">
-                  <a:schemeClr val="accent1"/>
-                </a:fillRef>
-                <a:effectRef idx="0">
-                  <a:schemeClr val="accent1"/>
-                </a:effectRef>
-                <a:fontRef idx="minor">
-                  <a:schemeClr val="lt1"/>
-                </a:fontRef>
-              </p:style>
-              <p:txBody>
-                <a:bodyPr rtlCol="0" anchor="ctr"/>
-                <a:lstStyle/>
-                <a:p>
-                  <a:pPr algn="ctr"/>
-                  <a:endParaRPr lang="en-US"/>
-                </a:p>
-              </p:txBody>
-            </p:sp>
-          </p:grpSp>
-          <p:sp>
-            <p:nvSpPr>
-              <p:cNvPr id="16" name="TextBox 15">
-                <a:extLst>
-                  <a:ext uri="{FF2B5EF4-FFF2-40B4-BE49-F238E27FC236}">
-                    <a16:creationId xmlns:a16="http://schemas.microsoft.com/office/drawing/2014/main" id="{BF4300AF-688A-47A2-B1CE-76E47115DC04}"/>
-                  </a:ext>
-                </a:extLst>
-              </p:cNvPr>
-              <p:cNvSpPr txBox="1"/>
-              <p:nvPr/>
-            </p:nvSpPr>
-            <p:spPr>
-              <a:xfrm>
-                <a:off x="10205173" y="3570686"/>
-                <a:ext cx="1872191" cy="646331"/>
-              </a:xfrm>
-              <a:prstGeom prst="rect">
-                <a:avLst/>
-              </a:prstGeom>
-              <a:noFill/>
-            </p:spPr>
-            <p:txBody>
-              <a:bodyPr wrap="square" rtlCol="0">
-                <a:spAutoFit/>
-              </a:bodyPr>
-              <a:lstStyle/>
-              <a:p>
-                <a:pPr algn="ctr"/>
-                <a:r>
-                  <a:rPr lang="en-US" dirty="0"/>
-                  <a:t>Dose uniformity ratio</a:t>
-                </a:r>
-              </a:p>
-            </p:txBody>
-          </p:sp>
-          <p:sp>
-            <p:nvSpPr>
-              <p:cNvPr id="17" name="TextBox 16">
-                <a:extLst>
-                  <a:ext uri="{FF2B5EF4-FFF2-40B4-BE49-F238E27FC236}">
-                    <a16:creationId xmlns:a16="http://schemas.microsoft.com/office/drawing/2014/main" id="{8A0FA3B8-8522-445B-B9BE-B2B3B20EDA52}"/>
-                  </a:ext>
-                </a:extLst>
-              </p:cNvPr>
-              <p:cNvSpPr txBox="1"/>
-              <p:nvPr/>
-            </p:nvSpPr>
-            <p:spPr>
-              <a:xfrm>
-                <a:off x="10190335" y="4929704"/>
-                <a:ext cx="1872191" cy="369332"/>
-              </a:xfrm>
-              <a:prstGeom prst="rect">
-                <a:avLst/>
-              </a:prstGeom>
-              <a:noFill/>
-            </p:spPr>
-            <p:txBody>
-              <a:bodyPr wrap="square" rtlCol="0">
-                <a:spAutoFit/>
-              </a:bodyPr>
-              <a:lstStyle/>
-              <a:p>
-                <a:pPr algn="ctr"/>
-                <a:r>
-                  <a:rPr lang="en-US" dirty="0"/>
-                  <a:t>Dose histogram</a:t>
-                </a:r>
-              </a:p>
-            </p:txBody>
-          </p:sp>
-          <p:sp>
-            <p:nvSpPr>
-              <p:cNvPr id="18" name="TextBox 17">
-                <a:extLst>
-                  <a:ext uri="{FF2B5EF4-FFF2-40B4-BE49-F238E27FC236}">
-                    <a16:creationId xmlns:a16="http://schemas.microsoft.com/office/drawing/2014/main" id="{CA1BB64D-5591-4A5A-94D1-89DED27DFB53}"/>
-                  </a:ext>
-                </a:extLst>
-              </p:cNvPr>
-              <p:cNvSpPr txBox="1"/>
-              <p:nvPr/>
-            </p:nvSpPr>
-            <p:spPr>
-              <a:xfrm>
-                <a:off x="10191505" y="2258313"/>
-                <a:ext cx="1872191" cy="646331"/>
-              </a:xfrm>
-              <a:prstGeom prst="rect">
-                <a:avLst/>
-              </a:prstGeom>
-              <a:noFill/>
-            </p:spPr>
-            <p:txBody>
-              <a:bodyPr wrap="square" rtlCol="0">
-                <a:spAutoFit/>
-              </a:bodyPr>
-              <a:lstStyle/>
-              <a:p>
-                <a:pPr algn="ctr"/>
-                <a:r>
-                  <a:rPr lang="en-US" dirty="0"/>
-                  <a:t>Location of min/max dose</a:t>
-                </a:r>
-              </a:p>
-            </p:txBody>
-          </p:sp>
-          <p:sp>
-            <p:nvSpPr>
-              <p:cNvPr id="19" name="TextBox 18">
-                <a:extLst>
-                  <a:ext uri="{FF2B5EF4-FFF2-40B4-BE49-F238E27FC236}">
-                    <a16:creationId xmlns:a16="http://schemas.microsoft.com/office/drawing/2014/main" id="{CAD1BEE6-E431-44A9-AFB0-382089027B87}"/>
-                  </a:ext>
-                </a:extLst>
-              </p:cNvPr>
-              <p:cNvSpPr txBox="1"/>
-              <p:nvPr/>
-            </p:nvSpPr>
-            <p:spPr>
-              <a:xfrm>
-                <a:off x="6566138" y="2206198"/>
-                <a:ext cx="1993619" cy="923330"/>
-              </a:xfrm>
-              <a:prstGeom prst="rect">
-                <a:avLst/>
-              </a:prstGeom>
-              <a:noFill/>
-            </p:spPr>
-            <p:txBody>
-              <a:bodyPr wrap="square" rtlCol="0">
-                <a:spAutoFit/>
-              </a:bodyPr>
-              <a:lstStyle/>
-              <a:p>
-                <a:pPr algn="ctr"/>
-                <a:r>
-                  <a:rPr lang="en-US" dirty="0"/>
-                  <a:t>Validated Monte Carlo simulations in the cloud</a:t>
-                </a:r>
-              </a:p>
-            </p:txBody>
-          </p:sp>
-          <p:sp>
-            <p:nvSpPr>
-              <p:cNvPr id="20" name="Rectangle: Rounded Corners 19">
-                <a:extLst>
-                  <a:ext uri="{FF2B5EF4-FFF2-40B4-BE49-F238E27FC236}">
-                    <a16:creationId xmlns:a16="http://schemas.microsoft.com/office/drawing/2014/main" id="{A5C7491C-D5DA-4BFC-8FD1-8169D8E4D6A7}"/>
-                  </a:ext>
-                </a:extLst>
-              </p:cNvPr>
-              <p:cNvSpPr/>
-              <p:nvPr/>
-            </p:nvSpPr>
-            <p:spPr>
-              <a:xfrm>
-                <a:off x="450508" y="4600169"/>
-                <a:ext cx="3533309" cy="1335024"/>
+                <a:off x="438616" y="2827384"/>
+                <a:ext cx="3533309" cy="1335088"/>
               </a:xfrm>
               <a:prstGeom prst="roundRect">
                 <a:avLst/>
@@ -5271,48 +4128,1200 @@
               </a:p>
             </p:txBody>
           </p:sp>
-          <p:sp>
-            <p:nvSpPr>
-              <p:cNvPr id="21" name="TextBox 20">
+          <p:pic>
+            <p:nvPicPr>
+              <p:cNvPr id="62" name="Picture 2" descr="SolidWorks logo and symbol, meaning, history, PNG">
                 <a:extLst>
                   <a:ext uri="{FF2B5EF4-FFF2-40B4-BE49-F238E27FC236}">
-                    <a16:creationId xmlns:a16="http://schemas.microsoft.com/office/drawing/2014/main" id="{4C3EBA15-6E72-49EA-A669-78B291C47177}"/>
+                    <a16:creationId xmlns:a16="http://schemas.microsoft.com/office/drawing/2014/main" id="{4A5675F3-8AC4-4BB9-9AE6-29CEC079A304}"/>
                   </a:ext>
                 </a:extLst>
               </p:cNvPr>
-              <p:cNvSpPr txBox="1"/>
+              <p:cNvPicPr>
+                <a:picLocks noChangeAspect="1" noChangeArrowheads="1"/>
+              </p:cNvPicPr>
               <p:nvPr/>
-            </p:nvSpPr>
-            <p:spPr>
+            </p:nvPicPr>
+            <p:blipFill>
+              <a:blip r:embed="rId2">
+                <a:extLst>
+                  <a:ext uri="{28A0092B-C50C-407E-A947-70E740481C1C}">
+                    <a14:useLocalDpi xmlns:a14="http://schemas.microsoft.com/office/drawing/2010/main" val="0"/>
+                  </a:ext>
+                </a:extLst>
+              </a:blip>
+              <a:srcRect/>
+              <a:stretch>
+                <a:fillRect/>
+              </a:stretch>
+            </p:blipFill>
+            <p:spPr bwMode="auto">
               <a:xfrm>
-                <a:off x="532877" y="3979998"/>
-                <a:ext cx="3357380" cy="646331"/>
+                <a:off x="632818" y="2528680"/>
+                <a:ext cx="1524893" cy="953059"/>
               </a:xfrm>
               <a:prstGeom prst="rect">
                 <a:avLst/>
               </a:prstGeom>
               <a:noFill/>
+              <a:extLst>
+                <a:ext uri="{909E8E84-426E-40DD-AFC4-6F175D3DCCD1}">
+                  <a14:hiddenFill xmlns:a14="http://schemas.microsoft.com/office/drawing/2010/main">
+                    <a:solidFill>
+                      <a:srgbClr val="FFFFFF"/>
+                    </a:solidFill>
+                  </a14:hiddenFill>
+                </a:ext>
+              </a:extLst>
             </p:spPr>
+          </p:pic>
+          <p:pic>
+            <p:nvPicPr>
+              <p:cNvPr id="63" name="Picture 16" descr="PTC Creo - Wikipedia">
+                <a:extLst>
+                  <a:ext uri="{FF2B5EF4-FFF2-40B4-BE49-F238E27FC236}">
+                    <a16:creationId xmlns:a16="http://schemas.microsoft.com/office/drawing/2014/main" id="{803F9159-3D9A-4D54-8D4B-F12632CB167E}"/>
+                  </a:ext>
+                </a:extLst>
+              </p:cNvPr>
+              <p:cNvPicPr>
+                <a:picLocks noChangeAspect="1" noChangeArrowheads="1"/>
+              </p:cNvPicPr>
+              <p:nvPr/>
+            </p:nvPicPr>
+            <p:blipFill>
+              <a:blip r:embed="rId3">
+                <a:extLst>
+                  <a:ext uri="{28A0092B-C50C-407E-A947-70E740481C1C}">
+                    <a14:useLocalDpi xmlns:a14="http://schemas.microsoft.com/office/drawing/2010/main" val="0"/>
+                  </a:ext>
+                </a:extLst>
+              </a:blip>
+              <a:srcRect/>
+              <a:stretch>
+                <a:fillRect/>
+              </a:stretch>
+            </p:blipFill>
+            <p:spPr bwMode="auto">
+              <a:xfrm>
+                <a:off x="636190" y="3259039"/>
+                <a:ext cx="1114102" cy="374152"/>
+              </a:xfrm>
+              <a:prstGeom prst="rect">
+                <a:avLst/>
+              </a:prstGeom>
+              <a:noFill/>
+              <a:extLst>
+                <a:ext uri="{909E8E84-426E-40DD-AFC4-6F175D3DCCD1}">
+                  <a14:hiddenFill xmlns:a14="http://schemas.microsoft.com/office/drawing/2010/main">
+                    <a:solidFill>
+                      <a:srgbClr val="FFFFFF"/>
+                    </a:solidFill>
+                  </a14:hiddenFill>
+                </a:ext>
+              </a:extLst>
+            </p:spPr>
+          </p:pic>
+          <p:pic>
+            <p:nvPicPr>
+              <p:cNvPr id="64" name="Picture 63" descr="AutoCAD Logo | evolution history and meaning">
+                <a:extLst>
+                  <a:ext uri="{FF2B5EF4-FFF2-40B4-BE49-F238E27FC236}">
+                    <a16:creationId xmlns:a16="http://schemas.microsoft.com/office/drawing/2014/main" id="{11826DA8-068E-4AA6-B4AB-30FBC5B8D7AF}"/>
+                  </a:ext>
+                </a:extLst>
+              </p:cNvPr>
+              <p:cNvPicPr>
+                <a:picLocks noChangeAspect="1" noChangeArrowheads="1"/>
+              </p:cNvPicPr>
+              <p:nvPr/>
+            </p:nvPicPr>
+            <p:blipFill>
+              <a:blip r:embed="rId4">
+                <a:extLst>
+                  <a:ext uri="{28A0092B-C50C-407E-A947-70E740481C1C}">
+                    <a14:useLocalDpi xmlns:a14="http://schemas.microsoft.com/office/drawing/2010/main" val="0"/>
+                  </a:ext>
+                </a:extLst>
+              </a:blip>
+              <a:srcRect/>
+              <a:stretch>
+                <a:fillRect/>
+              </a:stretch>
+            </p:blipFill>
+            <p:spPr bwMode="auto">
+              <a:xfrm>
+                <a:off x="2286287" y="3563281"/>
+                <a:ext cx="1423271" cy="800590"/>
+              </a:xfrm>
+              <a:prstGeom prst="rect">
+                <a:avLst/>
+              </a:prstGeom>
+              <a:noFill/>
+              <a:extLst>
+                <a:ext uri="{909E8E84-426E-40DD-AFC4-6F175D3DCCD1}">
+                  <a14:hiddenFill xmlns:a14="http://schemas.microsoft.com/office/drawing/2010/main">
+                    <a:solidFill>
+                      <a:srgbClr val="FFFFFF"/>
+                    </a:solidFill>
+                  </a14:hiddenFill>
+                </a:ext>
+              </a:extLst>
+            </p:spPr>
+          </p:pic>
+          <p:pic>
+            <p:nvPicPr>
+              <p:cNvPr id="65" name="Picture 20" descr="Fusion 360 Logo - Fusion 360 Blog">
+                <a:extLst>
+                  <a:ext uri="{FF2B5EF4-FFF2-40B4-BE49-F238E27FC236}">
+                    <a16:creationId xmlns:a16="http://schemas.microsoft.com/office/drawing/2014/main" id="{FD6C2B3B-1E78-4882-A10E-43396079E1A3}"/>
+                  </a:ext>
+                </a:extLst>
+              </p:cNvPr>
+              <p:cNvPicPr>
+                <a:picLocks noChangeAspect="1" noChangeArrowheads="1"/>
+              </p:cNvPicPr>
+              <p:nvPr/>
+            </p:nvPicPr>
+            <p:blipFill>
+              <a:blip r:embed="rId5">
+                <a:extLst>
+                  <a:ext uri="{28A0092B-C50C-407E-A947-70E740481C1C}">
+                    <a14:useLocalDpi xmlns:a14="http://schemas.microsoft.com/office/drawing/2010/main" val="0"/>
+                  </a:ext>
+                </a:extLst>
+              </a:blip>
+              <a:srcRect/>
+              <a:stretch>
+                <a:fillRect/>
+              </a:stretch>
+            </p:blipFill>
+            <p:spPr bwMode="auto">
+              <a:xfrm>
+                <a:off x="1996352" y="2885067"/>
+                <a:ext cx="2287182" cy="1127484"/>
+              </a:xfrm>
+              <a:prstGeom prst="rect">
+                <a:avLst/>
+              </a:prstGeom>
+              <a:noFill/>
+              <a:extLst>
+                <a:ext uri="{909E8E84-426E-40DD-AFC4-6F175D3DCCD1}">
+                  <a14:hiddenFill xmlns:a14="http://schemas.microsoft.com/office/drawing/2010/main">
+                    <a:solidFill>
+                      <a:srgbClr val="FFFFFF"/>
+                    </a:solidFill>
+                  </a14:hiddenFill>
+                </a:ext>
+              </a:extLst>
+            </p:spPr>
+          </p:pic>
+          <p:pic>
+            <p:nvPicPr>
+              <p:cNvPr id="66" name="Picture 65" descr="Announcing NEW Simulation Capabilities &amp; Services - Brave Control Solutions">
+                <a:extLst>
+                  <a:ext uri="{FF2B5EF4-FFF2-40B4-BE49-F238E27FC236}">
+                    <a16:creationId xmlns:a16="http://schemas.microsoft.com/office/drawing/2014/main" id="{C0320331-C9E4-4FCF-9FC2-8DDB5980A8E5}"/>
+                  </a:ext>
+                </a:extLst>
+              </p:cNvPr>
+              <p:cNvPicPr>
+                <a:picLocks noChangeAspect="1" noChangeArrowheads="1"/>
+              </p:cNvPicPr>
+              <p:nvPr/>
+            </p:nvPicPr>
+            <p:blipFill>
+              <a:blip r:embed="rId6">
+                <a:extLst>
+                  <a:ext uri="{28A0092B-C50C-407E-A947-70E740481C1C}">
+                    <a14:useLocalDpi xmlns:a14="http://schemas.microsoft.com/office/drawing/2010/main" val="0"/>
+                  </a:ext>
+                </a:extLst>
+              </a:blip>
+              <a:srcRect/>
+              <a:stretch>
+                <a:fillRect/>
+              </a:stretch>
+            </p:blipFill>
+            <p:spPr bwMode="auto">
+              <a:xfrm>
+                <a:off x="2154118" y="2516234"/>
+                <a:ext cx="1666197" cy="740532"/>
+              </a:xfrm>
+              <a:custGeom>
+                <a:avLst/>
+                <a:gdLst>
+                  <a:gd name="connsiteX0" fmla="*/ 902652 w 1666197"/>
+                  <a:gd name="connsiteY0" fmla="*/ 113795 h 740532"/>
+                  <a:gd name="connsiteX1" fmla="*/ 902652 w 1666197"/>
+                  <a:gd name="connsiteY1" fmla="*/ 397394 h 740532"/>
+                  <a:gd name="connsiteX2" fmla="*/ 1224082 w 1666197"/>
+                  <a:gd name="connsiteY2" fmla="*/ 397394 h 740532"/>
+                  <a:gd name="connsiteX3" fmla="*/ 1224082 w 1666197"/>
+                  <a:gd name="connsiteY3" fmla="*/ 113795 h 740532"/>
+                  <a:gd name="connsiteX4" fmla="*/ 0 w 1666197"/>
+                  <a:gd name="connsiteY4" fmla="*/ 0 h 740532"/>
+                  <a:gd name="connsiteX5" fmla="*/ 1666197 w 1666197"/>
+                  <a:gd name="connsiteY5" fmla="*/ 0 h 740532"/>
+                  <a:gd name="connsiteX6" fmla="*/ 1666197 w 1666197"/>
+                  <a:gd name="connsiteY6" fmla="*/ 740532 h 740532"/>
+                  <a:gd name="connsiteX7" fmla="*/ 0 w 1666197"/>
+                  <a:gd name="connsiteY7" fmla="*/ 740532 h 740532"/>
+                </a:gdLst>
+                <a:ahLst/>
+                <a:cxnLst>
+                  <a:cxn ang="0">
+                    <a:pos x="connsiteX0" y="connsiteY0"/>
+                  </a:cxn>
+                  <a:cxn ang="0">
+                    <a:pos x="connsiteX1" y="connsiteY1"/>
+                  </a:cxn>
+                  <a:cxn ang="0">
+                    <a:pos x="connsiteX2" y="connsiteY2"/>
+                  </a:cxn>
+                  <a:cxn ang="0">
+                    <a:pos x="connsiteX3" y="connsiteY3"/>
+                  </a:cxn>
+                  <a:cxn ang="0">
+                    <a:pos x="connsiteX4" y="connsiteY4"/>
+                  </a:cxn>
+                  <a:cxn ang="0">
+                    <a:pos x="connsiteX5" y="connsiteY5"/>
+                  </a:cxn>
+                  <a:cxn ang="0">
+                    <a:pos x="connsiteX6" y="connsiteY6"/>
+                  </a:cxn>
+                  <a:cxn ang="0">
+                    <a:pos x="connsiteX7" y="connsiteY7"/>
+                  </a:cxn>
+                </a:cxnLst>
+                <a:rect l="l" t="t" r="r" b="b"/>
+                <a:pathLst>
+                  <a:path w="1666197" h="740532">
+                    <a:moveTo>
+                      <a:pt x="902652" y="113795"/>
+                    </a:moveTo>
+                    <a:lnTo>
+                      <a:pt x="902652" y="397394"/>
+                    </a:lnTo>
+                    <a:lnTo>
+                      <a:pt x="1224082" y="397394"/>
+                    </a:lnTo>
+                    <a:lnTo>
+                      <a:pt x="1224082" y="113795"/>
+                    </a:lnTo>
+                    <a:close/>
+                    <a:moveTo>
+                      <a:pt x="0" y="0"/>
+                    </a:moveTo>
+                    <a:lnTo>
+                      <a:pt x="1666197" y="0"/>
+                    </a:lnTo>
+                    <a:lnTo>
+                      <a:pt x="1666197" y="740532"/>
+                    </a:lnTo>
+                    <a:lnTo>
+                      <a:pt x="0" y="740532"/>
+                    </a:lnTo>
+                    <a:close/>
+                  </a:path>
+                </a:pathLst>
+              </a:custGeom>
+              <a:noFill/>
+              <a:extLst>
+                <a:ext uri="{909E8E84-426E-40DD-AFC4-6F175D3DCCD1}">
+                  <a14:hiddenFill xmlns:a14="http://schemas.microsoft.com/office/drawing/2010/main">
+                    <a:solidFill>
+                      <a:srgbClr val="FFFFFF"/>
+                    </a:solidFill>
+                  </a14:hiddenFill>
+                </a:ext>
+              </a:extLst>
+            </p:spPr>
+          </p:pic>
+          <p:pic>
+            <p:nvPicPr>
+              <p:cNvPr id="67" name="Picture 24">
+                <a:extLst>
+                  <a:ext uri="{FF2B5EF4-FFF2-40B4-BE49-F238E27FC236}">
+                    <a16:creationId xmlns:a16="http://schemas.microsoft.com/office/drawing/2014/main" id="{B3D055BA-EB33-4BE3-AA21-3054BACE50EF}"/>
+                  </a:ext>
+                </a:extLst>
+              </p:cNvPr>
+              <p:cNvPicPr>
+                <a:picLocks noChangeAspect="1" noChangeArrowheads="1"/>
+              </p:cNvPicPr>
+              <p:nvPr/>
+            </p:nvPicPr>
+            <p:blipFill>
+              <a:blip r:embed="rId7">
+                <a:extLst>
+                  <a:ext uri="{28A0092B-C50C-407E-A947-70E740481C1C}">
+                    <a14:useLocalDpi xmlns:a14="http://schemas.microsoft.com/office/drawing/2010/main" val="0"/>
+                  </a:ext>
+                </a:extLst>
+              </a:blip>
+              <a:srcRect/>
+              <a:stretch>
+                <a:fillRect/>
+              </a:stretch>
+            </p:blipFill>
+            <p:spPr bwMode="auto">
+              <a:xfrm>
+                <a:off x="640631" y="3807451"/>
+                <a:ext cx="1524956" cy="340136"/>
+              </a:xfrm>
+              <a:prstGeom prst="rect">
+                <a:avLst/>
+              </a:prstGeom>
+              <a:noFill/>
+              <a:extLst>
+                <a:ext uri="{909E8E84-426E-40DD-AFC4-6F175D3DCCD1}">
+                  <a14:hiddenFill xmlns:a14="http://schemas.microsoft.com/office/drawing/2010/main">
+                    <a:solidFill>
+                      <a:srgbClr val="FFFFFF"/>
+                    </a:solidFill>
+                  </a14:hiddenFill>
+                </a:ext>
+              </a:extLst>
+            </p:spPr>
+          </p:pic>
+        </p:grpSp>
+        <p:pic>
+          <p:nvPicPr>
+            <p:cNvPr id="6" name="Graphic 5" descr="Internet">
+              <a:extLst>
+                <a:ext uri="{FF2B5EF4-FFF2-40B4-BE49-F238E27FC236}">
+                  <a16:creationId xmlns:a16="http://schemas.microsoft.com/office/drawing/2014/main" id="{F34ADED9-C2E8-426D-8F59-3C038F01925A}"/>
+                </a:ext>
+              </a:extLst>
+            </p:cNvPr>
+            <p:cNvPicPr>
+              <a:picLocks noChangeAspect="1"/>
+            </p:cNvPicPr>
+            <p:nvPr/>
+          </p:nvPicPr>
+          <p:blipFill>
+            <a:blip r:embed="rId8">
+              <a:extLst>
+                <a:ext uri="{28A0092B-C50C-407E-A947-70E740481C1C}">
+                  <a14:useLocalDpi xmlns:a14="http://schemas.microsoft.com/office/drawing/2010/main" val="0"/>
+                </a:ext>
+                <a:ext uri="{96DAC541-7B7A-43D3-8B79-37D633B846F1}">
+                  <asvg:svgBlip xmlns:asvg="http://schemas.microsoft.com/office/drawing/2016/SVG/main" r:embed="rId9"/>
+                </a:ext>
+              </a:extLst>
+            </a:blip>
+            <a:stretch>
+              <a:fillRect/>
+            </a:stretch>
+          </p:blipFill>
+          <p:spPr>
+            <a:xfrm>
+              <a:off x="4823599" y="3261598"/>
+              <a:ext cx="1310294" cy="1310294"/>
+            </a:xfrm>
+            <a:prstGeom prst="rect">
+              <a:avLst/>
+            </a:prstGeom>
+          </p:spPr>
+        </p:pic>
+        <p:pic>
+          <p:nvPicPr>
+            <p:cNvPr id="7" name="Graphic 6" descr="Cloud">
+              <a:extLst>
+                <a:ext uri="{FF2B5EF4-FFF2-40B4-BE49-F238E27FC236}">
+                  <a16:creationId xmlns:a16="http://schemas.microsoft.com/office/drawing/2014/main" id="{F6296491-DF98-4011-B4C9-A412A8FD4AC3}"/>
+                </a:ext>
+              </a:extLst>
+            </p:cNvPr>
+            <p:cNvPicPr>
+              <a:picLocks noChangeAspect="1"/>
+            </p:cNvPicPr>
+            <p:nvPr/>
+          </p:nvPicPr>
+          <p:blipFill>
+            <a:blip r:embed="rId10">
+              <a:extLst>
+                <a:ext uri="{28A0092B-C50C-407E-A947-70E740481C1C}">
+                  <a14:useLocalDpi xmlns:a14="http://schemas.microsoft.com/office/drawing/2010/main" val="0"/>
+                </a:ext>
+                <a:ext uri="{96DAC541-7B7A-43D3-8B79-37D633B846F1}">
+                  <asvg:svgBlip xmlns:asvg="http://schemas.microsoft.com/office/drawing/2016/SVG/main" r:embed="rId11"/>
+                </a:ext>
+              </a:extLst>
+            </a:blip>
+            <a:stretch>
+              <a:fillRect/>
+            </a:stretch>
+          </p:blipFill>
+          <p:spPr>
+            <a:xfrm>
+              <a:off x="6943308" y="3211661"/>
+              <a:ext cx="1371600" cy="1371600"/>
+            </a:xfrm>
+            <a:prstGeom prst="rect">
+              <a:avLst/>
+            </a:prstGeom>
+          </p:spPr>
+        </p:pic>
+        <p:pic>
+          <p:nvPicPr>
+            <p:cNvPr id="8" name="Graphic 7" descr="Bar chart outline">
+              <a:extLst>
+                <a:ext uri="{FF2B5EF4-FFF2-40B4-BE49-F238E27FC236}">
+                  <a16:creationId xmlns:a16="http://schemas.microsoft.com/office/drawing/2014/main" id="{0B6CA63C-D224-482F-9692-2B21CA18EE0A}"/>
+                </a:ext>
+              </a:extLst>
+            </p:cNvPr>
+            <p:cNvPicPr>
+              <a:picLocks noChangeAspect="1"/>
+            </p:cNvPicPr>
+            <p:nvPr/>
+          </p:nvPicPr>
+          <p:blipFill>
+            <a:blip r:embed="rId12">
+              <a:extLst>
+                <a:ext uri="{28A0092B-C50C-407E-A947-70E740481C1C}">
+                  <a14:useLocalDpi xmlns:a14="http://schemas.microsoft.com/office/drawing/2010/main" val="0"/>
+                </a:ext>
+                <a:ext uri="{96DAC541-7B7A-43D3-8B79-37D633B846F1}">
+                  <asvg:svgBlip xmlns:asvg="http://schemas.microsoft.com/office/drawing/2016/SVG/main" r:embed="rId13"/>
+                </a:ext>
+              </a:extLst>
+            </a:blip>
+            <a:stretch>
+              <a:fillRect/>
+            </a:stretch>
+          </p:blipFill>
+          <p:spPr>
+            <a:xfrm>
+              <a:off x="9074211" y="4626765"/>
+              <a:ext cx="914400" cy="914400"/>
+            </a:xfrm>
+            <a:prstGeom prst="rect">
+              <a:avLst/>
+            </a:prstGeom>
+          </p:spPr>
+        </p:pic>
+        <mc:AlternateContent xmlns:mc="http://schemas.openxmlformats.org/markup-compatibility/2006">
+          <mc:Choice xmlns:a14="http://schemas.microsoft.com/office/drawing/2010/main" Requires="a14">
+            <p:sp>
+              <p:nvSpPr>
+                <p:cNvPr id="9" name="TextBox 8">
+                  <a:extLst>
+                    <a:ext uri="{FF2B5EF4-FFF2-40B4-BE49-F238E27FC236}">
+                      <a16:creationId xmlns:a16="http://schemas.microsoft.com/office/drawing/2014/main" id="{B7A22109-4F68-439C-949D-DB4D8A0F1D16}"/>
+                    </a:ext>
+                  </a:extLst>
+                </p:cNvPr>
+                <p:cNvSpPr txBox="1"/>
+                <p:nvPr/>
+              </p:nvSpPr>
+              <p:spPr>
+                <a:xfrm>
+                  <a:off x="9122949" y="3774406"/>
+                  <a:ext cx="1207061" cy="276999"/>
+                </a:xfrm>
+                <a:prstGeom prst="rect">
+                  <a:avLst/>
+                </a:prstGeom>
+                <a:noFill/>
+              </p:spPr>
+              <p:txBody>
+                <a:bodyPr wrap="none" lIns="0" tIns="0" rIns="0" bIns="0" rtlCol="0">
+                  <a:spAutoFit/>
+                </a:bodyPr>
+                <a:lstStyle/>
+                <a:p>
+                  <a:pPr/>
+                  <a14:m>
+                    <m:oMathPara xmlns:m="http://schemas.openxmlformats.org/officeDocument/2006/math">
+                      <m:oMathParaPr>
+                        <m:jc m:val="centerGroup"/>
+                      </m:oMathParaPr>
+                      <m:oMath xmlns:m="http://schemas.openxmlformats.org/officeDocument/2006/math">
+                        <m:r>
+                          <m:rPr>
+                            <m:nor/>
+                          </m:rPr>
+                          <a:rPr lang="en-US" b="0" i="0" smtClean="0">
+                            <a:latin typeface="Montserrat" pitchFamily="2" charset="0"/>
+                          </a:rPr>
+                          <m:t>DUR</m:t>
+                        </m:r>
+                        <m:r>
+                          <a:rPr lang="en-US" b="0" i="1" smtClean="0">
+                            <a:latin typeface="Cambria Math" panose="02040503050406030204" pitchFamily="18" charset="0"/>
+                          </a:rPr>
+                          <m:t>=1.5</m:t>
+                        </m:r>
+                      </m:oMath>
+                    </m:oMathPara>
+                  </a14:m>
+                  <a:endParaRPr lang="en-US" dirty="0">
+                    <a:latin typeface="Montserrat" pitchFamily="2" charset="0"/>
+                  </a:endParaRPr>
+                </a:p>
+              </p:txBody>
+            </p:sp>
+          </mc:Choice>
+          <mc:Fallback>
+            <p:sp>
+              <p:nvSpPr>
+                <p:cNvPr id="9" name="TextBox 8">
+                  <a:extLst>
+                    <a:ext uri="{FF2B5EF4-FFF2-40B4-BE49-F238E27FC236}">
+                      <a16:creationId xmlns:a16="http://schemas.microsoft.com/office/drawing/2014/main" id="{B7A22109-4F68-439C-949D-DB4D8A0F1D16}"/>
+                    </a:ext>
+                  </a:extLst>
+                </p:cNvPr>
+                <p:cNvSpPr txBox="1">
+                  <a:spLocks noRot="1" noChangeAspect="1" noMove="1" noResize="1" noEditPoints="1" noAdjustHandles="1" noChangeArrowheads="1" noChangeShapeType="1" noTextEdit="1"/>
+                </p:cNvSpPr>
+                <p:nvPr/>
+              </p:nvSpPr>
+              <p:spPr>
+                <a:xfrm>
+                  <a:off x="9122949" y="3774406"/>
+                  <a:ext cx="1207061" cy="276999"/>
+                </a:xfrm>
+                <a:prstGeom prst="rect">
+                  <a:avLst/>
+                </a:prstGeom>
+                <a:blipFill>
+                  <a:blip r:embed="rId14"/>
+                  <a:stretch>
+                    <a:fillRect l="-4545" r="-4545" b="-13043"/>
+                  </a:stretch>
+                </a:blipFill>
+              </p:spPr>
+              <p:txBody>
+                <a:bodyPr/>
+                <a:lstStyle/>
+                <a:p>
+                  <a:r>
+                    <a:rPr lang="en-US">
+                      <a:noFill/>
+                    </a:rPr>
+                    <a:t> </a:t>
+                  </a:r>
+                </a:p>
+              </p:txBody>
+            </p:sp>
+          </mc:Fallback>
+        </mc:AlternateContent>
+        <p:sp>
+          <p:nvSpPr>
+            <p:cNvPr id="10" name="TextBox 9">
+              <a:extLst>
+                <a:ext uri="{FF2B5EF4-FFF2-40B4-BE49-F238E27FC236}">
+                  <a16:creationId xmlns:a16="http://schemas.microsoft.com/office/drawing/2014/main" id="{00BAC90D-633B-45EC-97C8-2BB3669B1E59}"/>
+                </a:ext>
+              </a:extLst>
+            </p:cNvPr>
+            <p:cNvSpPr txBox="1"/>
+            <p:nvPr/>
+          </p:nvSpPr>
+          <p:spPr>
+            <a:xfrm>
+              <a:off x="880844" y="1597317"/>
+              <a:ext cx="2667265" cy="646331"/>
+            </a:xfrm>
+            <a:prstGeom prst="rect">
+              <a:avLst/>
+            </a:prstGeom>
+            <a:noFill/>
+          </p:spPr>
+          <p:txBody>
+            <a:bodyPr wrap="square" rtlCol="0">
+              <a:spAutoFit/>
+            </a:bodyPr>
+            <a:lstStyle/>
+            <a:p>
+              <a:pPr algn="ctr"/>
+              <a:r>
+                <a:rPr lang="en-US" dirty="0">
+                  <a:latin typeface="Montserrat" pitchFamily="2" charset="0"/>
+                </a:rPr>
+                <a:t>Export file with mesh and material info</a:t>
+              </a:r>
+            </a:p>
+          </p:txBody>
+        </p:sp>
+        <p:sp>
+          <p:nvSpPr>
+            <p:cNvPr id="11" name="TextBox 10">
+              <a:extLst>
+                <a:ext uri="{FF2B5EF4-FFF2-40B4-BE49-F238E27FC236}">
+                  <a16:creationId xmlns:a16="http://schemas.microsoft.com/office/drawing/2014/main" id="{53F0039A-AE72-4E34-A151-EE91DD919713}"/>
+                </a:ext>
+              </a:extLst>
+            </p:cNvPr>
+            <p:cNvSpPr txBox="1"/>
+            <p:nvPr/>
+          </p:nvSpPr>
+          <p:spPr>
+            <a:xfrm>
+              <a:off x="4707133" y="2354940"/>
+              <a:ext cx="1488184" cy="646331"/>
+            </a:xfrm>
+            <a:prstGeom prst="rect">
+              <a:avLst/>
+            </a:prstGeom>
+            <a:noFill/>
+          </p:spPr>
+          <p:txBody>
+            <a:bodyPr wrap="square" rtlCol="0">
+              <a:spAutoFit/>
+            </a:bodyPr>
+            <a:lstStyle/>
+            <a:p>
+              <a:pPr algn="ctr"/>
+              <a:r>
+                <a:rPr lang="en-US" dirty="0">
+                  <a:latin typeface="Montserrat" pitchFamily="2" charset="0"/>
+                </a:rPr>
+                <a:t>Upload to web app</a:t>
+              </a:r>
+            </a:p>
+          </p:txBody>
+        </p:sp>
+        <p:sp>
+          <p:nvSpPr>
+            <p:cNvPr id="12" name="Arrow: Right 11">
+              <a:extLst>
+                <a:ext uri="{FF2B5EF4-FFF2-40B4-BE49-F238E27FC236}">
+                  <a16:creationId xmlns:a16="http://schemas.microsoft.com/office/drawing/2014/main" id="{E17BAB2B-C840-4E04-A577-16A30A494BDE}"/>
+                </a:ext>
+              </a:extLst>
+            </p:cNvPr>
+            <p:cNvSpPr/>
+            <p:nvPr/>
+          </p:nvSpPr>
+          <p:spPr>
+            <a:xfrm>
+              <a:off x="6072215" y="3641917"/>
+              <a:ext cx="914400" cy="512410"/>
+            </a:xfrm>
+            <a:prstGeom prst="rightArrow">
+              <a:avLst/>
+            </a:prstGeom>
+            <a:solidFill>
+              <a:srgbClr val="EBAF44"/>
+            </a:solidFill>
+            <a:ln>
+              <a:solidFill>
+                <a:schemeClr val="tx1"/>
+              </a:solidFill>
+            </a:ln>
+          </p:spPr>
+          <p:style>
+            <a:lnRef idx="2">
+              <a:schemeClr val="accent1">
+                <a:shade val="50000"/>
+              </a:schemeClr>
+            </a:lnRef>
+            <a:fillRef idx="1">
+              <a:schemeClr val="accent1"/>
+            </a:fillRef>
+            <a:effectRef idx="0">
+              <a:schemeClr val="accent1"/>
+            </a:effectRef>
+            <a:fontRef idx="minor">
+              <a:schemeClr val="lt1"/>
+            </a:fontRef>
+          </p:style>
+          <p:txBody>
+            <a:bodyPr rtlCol="0" anchor="ctr"/>
+            <a:lstStyle/>
+            <a:p>
+              <a:pPr algn="ctr"/>
+              <a:endParaRPr lang="en-US"/>
+            </a:p>
+          </p:txBody>
+        </p:sp>
+        <p:grpSp>
+          <p:nvGrpSpPr>
+            <p:cNvPr id="13" name="Group 12">
+              <a:extLst>
+                <a:ext uri="{FF2B5EF4-FFF2-40B4-BE49-F238E27FC236}">
+                  <a16:creationId xmlns:a16="http://schemas.microsoft.com/office/drawing/2014/main" id="{96AF57F8-9F18-4157-B825-2EB8B922BD55}"/>
+                </a:ext>
+              </a:extLst>
+            </p:cNvPr>
+            <p:cNvGrpSpPr/>
+            <p:nvPr/>
+          </p:nvGrpSpPr>
+          <p:grpSpPr>
+            <a:xfrm>
+              <a:off x="9096130" y="2106846"/>
+              <a:ext cx="914400" cy="914400"/>
+              <a:chOff x="9607940" y="1647001"/>
+              <a:chExt cx="914400" cy="914400"/>
+            </a:xfrm>
+          </p:grpSpPr>
+          <p:pic>
+            <p:nvPicPr>
+              <p:cNvPr id="58" name="Graphic 57" descr="Cube outline">
+                <a:extLst>
+                  <a:ext uri="{FF2B5EF4-FFF2-40B4-BE49-F238E27FC236}">
+                    <a16:creationId xmlns:a16="http://schemas.microsoft.com/office/drawing/2014/main" id="{6CBD51CF-1D4C-49BD-850A-90E024E3EC58}"/>
+                  </a:ext>
+                </a:extLst>
+              </p:cNvPr>
+              <p:cNvPicPr>
+                <a:picLocks noChangeAspect="1"/>
+              </p:cNvPicPr>
+              <p:nvPr/>
+            </p:nvPicPr>
+            <p:blipFill>
+              <a:blip r:embed="rId15">
+                <a:extLst>
+                  <a:ext uri="{28A0092B-C50C-407E-A947-70E740481C1C}">
+                    <a14:useLocalDpi xmlns:a14="http://schemas.microsoft.com/office/drawing/2010/main" val="0"/>
+                  </a:ext>
+                  <a:ext uri="{96DAC541-7B7A-43D3-8B79-37D633B846F1}">
+                    <asvg:svgBlip xmlns:asvg="http://schemas.microsoft.com/office/drawing/2016/SVG/main" r:embed="rId16"/>
+                  </a:ext>
+                </a:extLst>
+              </a:blip>
+              <a:stretch>
+                <a:fillRect/>
+              </a:stretch>
+            </p:blipFill>
+            <p:spPr>
+              <a:xfrm>
+                <a:off x="9607940" y="1647001"/>
+                <a:ext cx="914400" cy="914400"/>
+              </a:xfrm>
+              <a:prstGeom prst="rect">
+                <a:avLst/>
+              </a:prstGeom>
+            </p:spPr>
+          </p:pic>
+          <p:sp>
+            <p:nvSpPr>
+              <p:cNvPr id="59" name="Star: 5 Points 58">
+                <a:extLst>
+                  <a:ext uri="{FF2B5EF4-FFF2-40B4-BE49-F238E27FC236}">
+                    <a16:creationId xmlns:a16="http://schemas.microsoft.com/office/drawing/2014/main" id="{32F950CD-B9D5-46A8-A13C-4B8BF5A981DF}"/>
+                  </a:ext>
+                </a:extLst>
+              </p:cNvPr>
+              <p:cNvSpPr/>
+              <p:nvPr/>
+            </p:nvSpPr>
+            <p:spPr>
+              <a:xfrm>
+                <a:off x="9802322" y="1723645"/>
+                <a:ext cx="253742" cy="261766"/>
+              </a:xfrm>
+              <a:prstGeom prst="star5">
+                <a:avLst/>
+              </a:prstGeom>
+              <a:solidFill>
+                <a:srgbClr val="FF0000"/>
+              </a:solidFill>
+              <a:ln>
+                <a:noFill/>
+              </a:ln>
+            </p:spPr>
+            <p:style>
+              <a:lnRef idx="2">
+                <a:schemeClr val="accent1">
+                  <a:shade val="50000"/>
+                </a:schemeClr>
+              </a:lnRef>
+              <a:fillRef idx="1">
+                <a:schemeClr val="accent1"/>
+              </a:fillRef>
+              <a:effectRef idx="0">
+                <a:schemeClr val="accent1"/>
+              </a:effectRef>
+              <a:fontRef idx="minor">
+                <a:schemeClr val="lt1"/>
+              </a:fontRef>
+            </p:style>
             <p:txBody>
-              <a:bodyPr wrap="square" rtlCol="0">
-                <a:spAutoFit/>
-              </a:bodyPr>
+              <a:bodyPr rtlCol="0" anchor="ctr"/>
               <a:lstStyle/>
               <a:p>
                 <a:pPr algn="ctr"/>
-                <a:r>
-                  <a:rPr lang="en-US" dirty="0"/>
-                  <a:t>Select sterilization vendor from list of validated source models</a:t>
-                </a:r>
+                <a:endParaRPr lang="en-US"/>
               </a:p>
             </p:txBody>
           </p:sp>
+          <p:sp>
+            <p:nvSpPr>
+              <p:cNvPr id="60" name="Star: 5 Points 59">
+                <a:extLst>
+                  <a:ext uri="{FF2B5EF4-FFF2-40B4-BE49-F238E27FC236}">
+                    <a16:creationId xmlns:a16="http://schemas.microsoft.com/office/drawing/2014/main" id="{474053D0-4809-4AFD-8D86-62811A81372C}"/>
+                  </a:ext>
+                </a:extLst>
+              </p:cNvPr>
+              <p:cNvSpPr/>
+              <p:nvPr/>
+            </p:nvSpPr>
+            <p:spPr>
+              <a:xfrm>
+                <a:off x="10103111" y="2124318"/>
+                <a:ext cx="253742" cy="261766"/>
+              </a:xfrm>
+              <a:prstGeom prst="star5">
+                <a:avLst/>
+              </a:prstGeom>
+              <a:solidFill>
+                <a:schemeClr val="accent1"/>
+              </a:solidFill>
+              <a:ln>
+                <a:noFill/>
+              </a:ln>
+            </p:spPr>
+            <p:style>
+              <a:lnRef idx="2">
+                <a:schemeClr val="accent1">
+                  <a:shade val="50000"/>
+                </a:schemeClr>
+              </a:lnRef>
+              <a:fillRef idx="1">
+                <a:schemeClr val="accent1"/>
+              </a:fillRef>
+              <a:effectRef idx="0">
+                <a:schemeClr val="accent1"/>
+              </a:effectRef>
+              <a:fontRef idx="minor">
+                <a:schemeClr val="lt1"/>
+              </a:fontRef>
+            </p:style>
+            <p:txBody>
+              <a:bodyPr rtlCol="0" anchor="ctr"/>
+              <a:lstStyle/>
+              <a:p>
+                <a:pPr algn="ctr"/>
+                <a:endParaRPr lang="en-US"/>
+              </a:p>
+            </p:txBody>
+          </p:sp>
+        </p:grpSp>
+        <p:sp>
+          <p:nvSpPr>
+            <p:cNvPr id="14" name="TextBox 13">
+              <a:extLst>
+                <a:ext uri="{FF2B5EF4-FFF2-40B4-BE49-F238E27FC236}">
+                  <a16:creationId xmlns:a16="http://schemas.microsoft.com/office/drawing/2014/main" id="{490F1EDE-8D1E-4185-B2A1-36CB022E4137}"/>
+                </a:ext>
+              </a:extLst>
+            </p:cNvPr>
+            <p:cNvSpPr txBox="1"/>
+            <p:nvPr/>
+          </p:nvSpPr>
+          <p:spPr>
+            <a:xfrm>
+              <a:off x="10160257" y="3471853"/>
+              <a:ext cx="1872191" cy="923330"/>
+            </a:xfrm>
+            <a:prstGeom prst="rect">
+              <a:avLst/>
+            </a:prstGeom>
+            <a:noFill/>
+          </p:spPr>
+          <p:txBody>
+            <a:bodyPr wrap="square" rtlCol="0">
+              <a:spAutoFit/>
+            </a:bodyPr>
+            <a:lstStyle/>
+            <a:p>
+              <a:pPr algn="ctr"/>
+              <a:r>
+                <a:rPr lang="en-US" dirty="0">
+                  <a:latin typeface="Montserrat" pitchFamily="2" charset="0"/>
+                </a:rPr>
+                <a:t>Dose Uniformity Ratio</a:t>
+              </a:r>
+            </a:p>
+          </p:txBody>
+        </p:sp>
+        <p:sp>
+          <p:nvSpPr>
+            <p:cNvPr id="15" name="TextBox 14">
+              <a:extLst>
+                <a:ext uri="{FF2B5EF4-FFF2-40B4-BE49-F238E27FC236}">
+                  <a16:creationId xmlns:a16="http://schemas.microsoft.com/office/drawing/2014/main" id="{F5DAC4A8-354A-4A7A-BE6C-3EE1F0231388}"/>
+                </a:ext>
+              </a:extLst>
+            </p:cNvPr>
+            <p:cNvSpPr txBox="1"/>
+            <p:nvPr/>
+          </p:nvSpPr>
+          <p:spPr>
+            <a:xfrm>
+              <a:off x="10158352" y="4812258"/>
+              <a:ext cx="1872191" cy="646331"/>
+            </a:xfrm>
+            <a:prstGeom prst="rect">
+              <a:avLst/>
+            </a:prstGeom>
+            <a:noFill/>
+          </p:spPr>
+          <p:txBody>
+            <a:bodyPr wrap="square" rtlCol="0">
+              <a:spAutoFit/>
+            </a:bodyPr>
+            <a:lstStyle/>
+            <a:p>
+              <a:pPr algn="ctr"/>
+              <a:r>
+                <a:rPr lang="en-US" dirty="0">
+                  <a:latin typeface="Montserrat" pitchFamily="2" charset="0"/>
+                </a:rPr>
+                <a:t>Dose histogram</a:t>
+              </a:r>
+            </a:p>
+          </p:txBody>
+        </p:sp>
+        <p:sp>
+          <p:nvSpPr>
+            <p:cNvPr id="16" name="TextBox 15">
+              <a:extLst>
+                <a:ext uri="{FF2B5EF4-FFF2-40B4-BE49-F238E27FC236}">
+                  <a16:creationId xmlns:a16="http://schemas.microsoft.com/office/drawing/2014/main" id="{DA2FCED9-90DD-4CBC-ADA6-7E505BB74AA0}"/>
+                </a:ext>
+              </a:extLst>
+            </p:cNvPr>
+            <p:cNvSpPr txBox="1"/>
+            <p:nvPr/>
+          </p:nvSpPr>
+          <p:spPr>
+            <a:xfrm>
+              <a:off x="10161532" y="2239962"/>
+              <a:ext cx="1872191" cy="646331"/>
+            </a:xfrm>
+            <a:prstGeom prst="rect">
+              <a:avLst/>
+            </a:prstGeom>
+            <a:noFill/>
+          </p:spPr>
+          <p:txBody>
+            <a:bodyPr wrap="square" rtlCol="0">
+              <a:spAutoFit/>
+            </a:bodyPr>
+            <a:lstStyle/>
+            <a:p>
+              <a:pPr algn="ctr"/>
+              <a:r>
+                <a:rPr lang="en-US" dirty="0">
+                  <a:latin typeface="Montserrat" pitchFamily="2" charset="0"/>
+                </a:rPr>
+                <a:t>Location of min/max dose</a:t>
+              </a:r>
+            </a:p>
+          </p:txBody>
+        </p:sp>
+        <p:sp>
+          <p:nvSpPr>
+            <p:cNvPr id="17" name="TextBox 16">
+              <a:extLst>
+                <a:ext uri="{FF2B5EF4-FFF2-40B4-BE49-F238E27FC236}">
+                  <a16:creationId xmlns:a16="http://schemas.microsoft.com/office/drawing/2014/main" id="{BC796015-01EA-46B3-9B00-15737E51DBF5}"/>
+                </a:ext>
+              </a:extLst>
+            </p:cNvPr>
+            <p:cNvSpPr txBox="1"/>
+            <p:nvPr/>
+          </p:nvSpPr>
+          <p:spPr>
+            <a:xfrm>
+              <a:off x="6410730" y="2214587"/>
+              <a:ext cx="2263066" cy="923330"/>
+            </a:xfrm>
+            <a:prstGeom prst="rect">
+              <a:avLst/>
+            </a:prstGeom>
+            <a:noFill/>
+          </p:spPr>
+          <p:txBody>
+            <a:bodyPr wrap="square" rtlCol="0">
+              <a:spAutoFit/>
+            </a:bodyPr>
+            <a:lstStyle/>
+            <a:p>
+              <a:pPr algn="ctr"/>
+              <a:r>
+                <a:rPr lang="en-US" dirty="0">
+                  <a:latin typeface="Montserrat" pitchFamily="2" charset="0"/>
+                </a:rPr>
+                <a:t>Validated Monte Carlo simulations in the cloud</a:t>
+              </a:r>
+            </a:p>
+          </p:txBody>
+        </p:sp>
+        <p:sp>
+          <p:nvSpPr>
+            <p:cNvPr id="18" name="Rectangle: Rounded Corners 17">
+              <a:extLst>
+                <a:ext uri="{FF2B5EF4-FFF2-40B4-BE49-F238E27FC236}">
+                  <a16:creationId xmlns:a16="http://schemas.microsoft.com/office/drawing/2014/main" id="{D636C8D3-55FF-4F15-ACC8-53013E46B219}"/>
+                </a:ext>
+              </a:extLst>
+            </p:cNvPr>
+            <p:cNvSpPr/>
+            <p:nvPr/>
+          </p:nvSpPr>
+          <p:spPr>
+            <a:xfrm>
+              <a:off x="450508" y="4600169"/>
+              <a:ext cx="3533309" cy="1335024"/>
+            </a:xfrm>
+            <a:prstGeom prst="roundRect">
+              <a:avLst/>
+            </a:prstGeom>
+            <a:solidFill>
+              <a:schemeClr val="bg1">
+                <a:lumMod val="95000"/>
+              </a:schemeClr>
+            </a:solidFill>
+            <a:ln>
+              <a:noFill/>
+            </a:ln>
+          </p:spPr>
+          <p:style>
+            <a:lnRef idx="2">
+              <a:schemeClr val="accent1">
+                <a:shade val="50000"/>
+              </a:schemeClr>
+            </a:lnRef>
+            <a:fillRef idx="1">
+              <a:schemeClr val="accent1"/>
+            </a:fillRef>
+            <a:effectRef idx="0">
+              <a:schemeClr val="accent1"/>
+            </a:effectRef>
+            <a:fontRef idx="minor">
+              <a:schemeClr val="lt1"/>
+            </a:fontRef>
+          </p:style>
+          <p:txBody>
+            <a:bodyPr rtlCol="0" anchor="ctr"/>
+            <a:lstStyle/>
+            <a:p>
+              <a:pPr algn="ctr"/>
+              <a:endParaRPr lang="en-US"/>
+            </a:p>
+          </p:txBody>
+        </p:sp>
+        <p:sp>
+          <p:nvSpPr>
+            <p:cNvPr id="19" name="TextBox 18">
+              <a:extLst>
+                <a:ext uri="{FF2B5EF4-FFF2-40B4-BE49-F238E27FC236}">
+                  <a16:creationId xmlns:a16="http://schemas.microsoft.com/office/drawing/2014/main" id="{78EF3C67-C1B0-42AF-9EB8-385E9E7593A1}"/>
+                </a:ext>
+              </a:extLst>
+            </p:cNvPr>
+            <p:cNvSpPr txBox="1"/>
+            <p:nvPr/>
+          </p:nvSpPr>
+          <p:spPr>
+            <a:xfrm>
+              <a:off x="334765" y="3979998"/>
+              <a:ext cx="3758837" cy="646331"/>
+            </a:xfrm>
+            <a:prstGeom prst="rect">
+              <a:avLst/>
+            </a:prstGeom>
+            <a:noFill/>
+          </p:spPr>
+          <p:txBody>
+            <a:bodyPr wrap="square" rtlCol="0">
+              <a:spAutoFit/>
+            </a:bodyPr>
+            <a:lstStyle/>
+            <a:p>
+              <a:pPr algn="ctr"/>
+              <a:r>
+                <a:rPr lang="en-US" dirty="0">
+                  <a:latin typeface="Montserrat" pitchFamily="2" charset="0"/>
+                </a:rPr>
+                <a:t>Select sterilization vendor from list of validated source models</a:t>
+              </a:r>
+            </a:p>
+          </p:txBody>
+        </p:sp>
+        <p:grpSp>
+          <p:nvGrpSpPr>
+            <p:cNvPr id="20" name="Group 19">
+              <a:extLst>
+                <a:ext uri="{FF2B5EF4-FFF2-40B4-BE49-F238E27FC236}">
+                  <a16:creationId xmlns:a16="http://schemas.microsoft.com/office/drawing/2014/main" id="{08333354-BDB0-436B-86A6-07FF163D7DE4}"/>
+                </a:ext>
+              </a:extLst>
+            </p:cNvPr>
+            <p:cNvGrpSpPr/>
+            <p:nvPr/>
+          </p:nvGrpSpPr>
+          <p:grpSpPr>
+            <a:xfrm>
+              <a:off x="1148364" y="4602081"/>
+              <a:ext cx="1996440" cy="1300315"/>
+              <a:chOff x="1148364" y="4506831"/>
+              <a:chExt cx="1996440" cy="1300315"/>
+            </a:xfrm>
+          </p:grpSpPr>
+          <p:pic>
+            <p:nvPicPr>
+              <p:cNvPr id="21" name="Picture 2" descr="Usa Map PNG - Transparent Blank Use Map Images - Free Transparent PNG Logos">
+                <a:extLst>
+                  <a:ext uri="{FF2B5EF4-FFF2-40B4-BE49-F238E27FC236}">
+                    <a16:creationId xmlns:a16="http://schemas.microsoft.com/office/drawing/2014/main" id="{BA5181FF-77C0-48E1-A8DD-FDED3DF34671}"/>
+                  </a:ext>
+                </a:extLst>
+              </p:cNvPr>
+              <p:cNvPicPr>
+                <a:picLocks noChangeAspect="1" noChangeArrowheads="1"/>
+              </p:cNvPicPr>
+              <p:nvPr/>
+            </p:nvPicPr>
+            <p:blipFill>
+              <a:blip r:embed="rId17">
+                <a:extLst>
+                  <a:ext uri="{28A0092B-C50C-407E-A947-70E740481C1C}">
+                    <a14:useLocalDpi xmlns:a14="http://schemas.microsoft.com/office/drawing/2010/main" val="0"/>
+                  </a:ext>
+                </a:extLst>
+              </a:blip>
+              <a:srcRect/>
+              <a:stretch>
+                <a:fillRect/>
+              </a:stretch>
+            </p:blipFill>
+            <p:spPr bwMode="auto">
+              <a:xfrm>
+                <a:off x="1292938" y="4546457"/>
+                <a:ext cx="1849514" cy="1260689"/>
+              </a:xfrm>
+              <a:prstGeom prst="rect">
+                <a:avLst/>
+              </a:prstGeom>
+              <a:noFill/>
+              <a:extLst>
+                <a:ext uri="{909E8E84-426E-40DD-AFC4-6F175D3DCCD1}">
+                  <a14:hiddenFill xmlns:a14="http://schemas.microsoft.com/office/drawing/2010/main">
+                    <a:solidFill>
+                      <a:srgbClr val="FFFFFF"/>
+                    </a:solidFill>
+                  </a14:hiddenFill>
+                </a:ext>
+              </a:extLst>
+            </p:spPr>
+          </p:pic>
           <p:grpSp>
             <p:nvGrpSpPr>
               <p:cNvPr id="22" name="Group 21">
                 <a:extLst>
                   <a:ext uri="{FF2B5EF4-FFF2-40B4-BE49-F238E27FC236}">
-                    <a16:creationId xmlns:a16="http://schemas.microsoft.com/office/drawing/2014/main" id="{44E63BD0-24C7-4550-B55E-5F20D47B14AF}"/>
+                    <a16:creationId xmlns:a16="http://schemas.microsoft.com/office/drawing/2014/main" id="{275DC174-A5D7-4799-82CD-C8018A6F2FE1}"/>
                   </a:ext>
                 </a:extLst>
               </p:cNvPr>
@@ -5321,1434 +5330,1366 @@
             </p:nvGrpSpPr>
             <p:grpSpPr>
               <a:xfrm>
-                <a:off x="1148364" y="4602081"/>
-                <a:ext cx="1996440" cy="1300315"/>
-                <a:chOff x="1148364" y="4506831"/>
-                <a:chExt cx="1996440" cy="1300315"/>
+                <a:off x="1148364" y="4870486"/>
+                <a:ext cx="339242" cy="339242"/>
+                <a:chOff x="4153422" y="5445576"/>
+                <a:chExt cx="339242" cy="339242"/>
               </a:xfrm>
             </p:grpSpPr>
+            <p:sp>
+              <p:nvSpPr>
+                <p:cNvPr id="56" name="Oval 55">
+                  <a:extLst>
+                    <a:ext uri="{FF2B5EF4-FFF2-40B4-BE49-F238E27FC236}">
+                      <a16:creationId xmlns:a16="http://schemas.microsoft.com/office/drawing/2014/main" id="{42AA0590-8471-4D49-A5AB-DE42401DD470}"/>
+                    </a:ext>
+                  </a:extLst>
+                </p:cNvPr>
+                <p:cNvSpPr/>
+                <p:nvPr/>
+              </p:nvSpPr>
+              <p:spPr>
+                <a:xfrm>
+                  <a:off x="4281252" y="5533062"/>
+                  <a:ext cx="78312" cy="82135"/>
+                </a:xfrm>
+                <a:prstGeom prst="ellipse">
+                  <a:avLst/>
+                </a:prstGeom>
+                <a:solidFill>
+                  <a:schemeClr val="bg1"/>
+                </a:solidFill>
+                <a:ln>
+                  <a:solidFill>
+                    <a:schemeClr val="bg1"/>
+                  </a:solidFill>
+                </a:ln>
+              </p:spPr>
+              <p:style>
+                <a:lnRef idx="2">
+                  <a:schemeClr val="accent1">
+                    <a:shade val="50000"/>
+                  </a:schemeClr>
+                </a:lnRef>
+                <a:fillRef idx="1">
+                  <a:schemeClr val="accent1"/>
+                </a:fillRef>
+                <a:effectRef idx="0">
+                  <a:schemeClr val="accent1"/>
+                </a:effectRef>
+                <a:fontRef idx="minor">
+                  <a:schemeClr val="lt1"/>
+                </a:fontRef>
+              </p:style>
+              <p:txBody>
+                <a:bodyPr rtlCol="0" anchor="ctr"/>
+                <a:lstStyle/>
+                <a:p>
+                  <a:pPr algn="ctr"/>
+                  <a:endParaRPr lang="en-US"/>
+                </a:p>
+              </p:txBody>
+            </p:sp>
             <p:pic>
               <p:nvPicPr>
-                <p:cNvPr id="23" name="Picture 2" descr="Usa Map PNG - Transparent Blank Use Map Images - Free Transparent PNG Logos">
+                <p:cNvPr id="57" name="Graphic 56" descr="Marker with solid fill">
                   <a:extLst>
                     <a:ext uri="{FF2B5EF4-FFF2-40B4-BE49-F238E27FC236}">
-                      <a16:creationId xmlns:a16="http://schemas.microsoft.com/office/drawing/2014/main" id="{7FBBE881-F2AC-4359-B9BE-2C095E87C248}"/>
+                      <a16:creationId xmlns:a16="http://schemas.microsoft.com/office/drawing/2014/main" id="{CB05D172-FA95-40E8-848F-485841821BA2}"/>
                     </a:ext>
                   </a:extLst>
                 </p:cNvPr>
                 <p:cNvPicPr>
-                  <a:picLocks noChangeAspect="1" noChangeArrowheads="1"/>
+                  <a:picLocks noChangeAspect="1"/>
                 </p:cNvPicPr>
                 <p:nvPr/>
               </p:nvPicPr>
               <p:blipFill>
-                <a:blip r:embed="rId17">
+                <a:blip r:embed="rId18">
                   <a:extLst>
                     <a:ext uri="{28A0092B-C50C-407E-A947-70E740481C1C}">
                       <a14:useLocalDpi xmlns:a14="http://schemas.microsoft.com/office/drawing/2010/main" val="0"/>
                     </a:ext>
+                    <a:ext uri="{96DAC541-7B7A-43D3-8B79-37D633B846F1}">
+                      <asvg:svgBlip xmlns:asvg="http://schemas.microsoft.com/office/drawing/2016/SVG/main" r:embed="rId19"/>
+                    </a:ext>
                   </a:extLst>
                 </a:blip>
-                <a:srcRect/>
                 <a:stretch>
                   <a:fillRect/>
                 </a:stretch>
               </p:blipFill>
-              <p:spPr bwMode="auto">
+              <p:spPr>
                 <a:xfrm>
-                  <a:off x="1292938" y="4546457"/>
-                  <a:ext cx="1849514" cy="1260689"/>
+                  <a:off x="4153422" y="5445576"/>
+                  <a:ext cx="339242" cy="339242"/>
                 </a:xfrm>
                 <a:prstGeom prst="rect">
                   <a:avLst/>
                 </a:prstGeom>
-                <a:noFill/>
+              </p:spPr>
+            </p:pic>
+          </p:grpSp>
+          <p:grpSp>
+            <p:nvGrpSpPr>
+              <p:cNvPr id="23" name="Group 22">
                 <a:extLst>
-                  <a:ext uri="{909E8E84-426E-40DD-AFC4-6F175D3DCCD1}">
-                    <a14:hiddenFill xmlns:a14="http://schemas.microsoft.com/office/drawing/2010/main">
-                      <a:solidFill>
-                        <a:srgbClr val="FFFFFF"/>
-                      </a:solidFill>
-                    </a14:hiddenFill>
+                  <a:ext uri="{FF2B5EF4-FFF2-40B4-BE49-F238E27FC236}">
+                    <a16:creationId xmlns:a16="http://schemas.microsoft.com/office/drawing/2014/main" id="{B806507B-BAE4-452D-9BA5-B6A09E7834CB}"/>
                   </a:ext>
                 </a:extLst>
-              </p:spPr>
-            </p:pic>
-            <p:grpSp>
-              <p:nvGrpSpPr>
-                <p:cNvPr id="24" name="Group 23">
+              </p:cNvPr>
+              <p:cNvGrpSpPr/>
+              <p:nvPr/>
+            </p:nvGrpSpPr>
+            <p:grpSpPr>
+              <a:xfrm>
+                <a:off x="1290444" y="5090560"/>
+                <a:ext cx="339242" cy="339242"/>
+                <a:chOff x="4153422" y="5445576"/>
+                <a:chExt cx="339242" cy="339242"/>
+              </a:xfrm>
+            </p:grpSpPr>
+            <p:sp>
+              <p:nvSpPr>
+                <p:cNvPr id="54" name="Oval 53">
                   <a:extLst>
                     <a:ext uri="{FF2B5EF4-FFF2-40B4-BE49-F238E27FC236}">
-                      <a16:creationId xmlns:a16="http://schemas.microsoft.com/office/drawing/2014/main" id="{BBE4AB3C-BF28-4A2D-B6C3-01B4CB08B0EB}"/>
+                      <a16:creationId xmlns:a16="http://schemas.microsoft.com/office/drawing/2014/main" id="{81EDC7FE-2B0A-4FB2-B506-9AA22B413261}"/>
                     </a:ext>
                   </a:extLst>
                 </p:cNvPr>
-                <p:cNvGrpSpPr/>
+                <p:cNvSpPr/>
                 <p:nvPr/>
-              </p:nvGrpSpPr>
-              <p:grpSpPr>
+              </p:nvSpPr>
+              <p:spPr>
                 <a:xfrm>
-                  <a:off x="1148364" y="4870486"/>
-                  <a:ext cx="339242" cy="339242"/>
-                  <a:chOff x="4153422" y="5445576"/>
-                  <a:chExt cx="339242" cy="339242"/>
+                  <a:off x="4281252" y="5533062"/>
+                  <a:ext cx="78312" cy="82135"/>
                 </a:xfrm>
-              </p:grpSpPr>
-              <p:sp>
-                <p:nvSpPr>
-                  <p:cNvPr id="58" name="Oval 57">
-                    <a:extLst>
-                      <a:ext uri="{FF2B5EF4-FFF2-40B4-BE49-F238E27FC236}">
-                        <a16:creationId xmlns:a16="http://schemas.microsoft.com/office/drawing/2014/main" id="{896D77AE-80CF-4F37-B9EE-77BF15D05323}"/>
-                      </a:ext>
-                    </a:extLst>
-                  </p:cNvPr>
-                  <p:cNvSpPr/>
-                  <p:nvPr/>
-                </p:nvSpPr>
-                <p:spPr>
-                  <a:xfrm>
-                    <a:off x="4281252" y="5533062"/>
-                    <a:ext cx="78312" cy="82135"/>
-                  </a:xfrm>
-                  <a:prstGeom prst="ellipse">
-                    <a:avLst/>
-                  </a:prstGeom>
+                <a:prstGeom prst="ellipse">
+                  <a:avLst/>
+                </a:prstGeom>
+                <a:solidFill>
+                  <a:schemeClr val="bg1"/>
+                </a:solidFill>
+                <a:ln>
                   <a:solidFill>
                     <a:schemeClr val="bg1"/>
                   </a:solidFill>
-                  <a:ln>
-                    <a:solidFill>
-                      <a:schemeClr val="bg1"/>
-                    </a:solidFill>
-                  </a:ln>
-                </p:spPr>
-                <p:style>
-                  <a:lnRef idx="2">
-                    <a:schemeClr val="accent1">
-                      <a:shade val="50000"/>
-                    </a:schemeClr>
-                  </a:lnRef>
-                  <a:fillRef idx="1">
-                    <a:schemeClr val="accent1"/>
-                  </a:fillRef>
-                  <a:effectRef idx="0">
-                    <a:schemeClr val="accent1"/>
-                  </a:effectRef>
-                  <a:fontRef idx="minor">
-                    <a:schemeClr val="lt1"/>
-                  </a:fontRef>
-                </p:style>
-                <p:txBody>
-                  <a:bodyPr rtlCol="0" anchor="ctr"/>
-                  <a:lstStyle/>
-                  <a:p>
-                    <a:pPr algn="ctr"/>
-                    <a:endParaRPr lang="en-US"/>
-                  </a:p>
-                </p:txBody>
-              </p:sp>
-              <p:pic>
-                <p:nvPicPr>
-                  <p:cNvPr id="59" name="Graphic 58" descr="Marker with solid fill">
-                    <a:extLst>
-                      <a:ext uri="{FF2B5EF4-FFF2-40B4-BE49-F238E27FC236}">
-                        <a16:creationId xmlns:a16="http://schemas.microsoft.com/office/drawing/2014/main" id="{815B11EC-E234-45B5-B464-8AEBA5F2F6AF}"/>
-                      </a:ext>
-                    </a:extLst>
-                  </p:cNvPr>
-                  <p:cNvPicPr>
-                    <a:picLocks noChangeAspect="1"/>
-                  </p:cNvPicPr>
-                  <p:nvPr/>
-                </p:nvPicPr>
-                <p:blipFill>
-                  <a:blip r:embed="rId18">
-                    <a:extLst>
-                      <a:ext uri="{28A0092B-C50C-407E-A947-70E740481C1C}">
-                        <a14:useLocalDpi xmlns:a14="http://schemas.microsoft.com/office/drawing/2010/main" val="0"/>
-                      </a:ext>
-                      <a:ext uri="{96DAC541-7B7A-43D3-8B79-37D633B846F1}">
-                        <asvg:svgBlip xmlns:asvg="http://schemas.microsoft.com/office/drawing/2016/SVG/main" r:embed="rId19"/>
-                      </a:ext>
-                    </a:extLst>
-                  </a:blip>
-                  <a:stretch>
-                    <a:fillRect/>
-                  </a:stretch>
-                </p:blipFill>
-                <p:spPr>
-                  <a:xfrm>
-                    <a:off x="4153422" y="5445576"/>
-                    <a:ext cx="339242" cy="339242"/>
-                  </a:xfrm>
-                  <a:prstGeom prst="rect">
-                    <a:avLst/>
-                  </a:prstGeom>
-                </p:spPr>
-              </p:pic>
-            </p:grpSp>
-            <p:grpSp>
-              <p:nvGrpSpPr>
-                <p:cNvPr id="25" name="Group 24">
+                </a:ln>
+              </p:spPr>
+              <p:style>
+                <a:lnRef idx="2">
+                  <a:schemeClr val="accent1">
+                    <a:shade val="50000"/>
+                  </a:schemeClr>
+                </a:lnRef>
+                <a:fillRef idx="1">
+                  <a:schemeClr val="accent1"/>
+                </a:fillRef>
+                <a:effectRef idx="0">
+                  <a:schemeClr val="accent1"/>
+                </a:effectRef>
+                <a:fontRef idx="minor">
+                  <a:schemeClr val="lt1"/>
+                </a:fontRef>
+              </p:style>
+              <p:txBody>
+                <a:bodyPr rtlCol="0" anchor="ctr"/>
+                <a:lstStyle/>
+                <a:p>
+                  <a:pPr algn="ctr"/>
+                  <a:endParaRPr lang="en-US"/>
+                </a:p>
+              </p:txBody>
+            </p:sp>
+            <p:pic>
+              <p:nvPicPr>
+                <p:cNvPr id="55" name="Graphic 54" descr="Marker with solid fill">
                   <a:extLst>
                     <a:ext uri="{FF2B5EF4-FFF2-40B4-BE49-F238E27FC236}">
-                      <a16:creationId xmlns:a16="http://schemas.microsoft.com/office/drawing/2014/main" id="{6A6AD442-F2F5-41D7-8554-EACB945C6370}"/>
+                      <a16:creationId xmlns:a16="http://schemas.microsoft.com/office/drawing/2014/main" id="{C4480C2F-94C6-43D7-A0E9-E6253DDF3E75}"/>
                     </a:ext>
                   </a:extLst>
                 </p:cNvPr>
-                <p:cNvGrpSpPr/>
+                <p:cNvPicPr>
+                  <a:picLocks noChangeAspect="1"/>
+                </p:cNvPicPr>
                 <p:nvPr/>
-              </p:nvGrpSpPr>
-              <p:grpSpPr>
+              </p:nvPicPr>
+              <p:blipFill>
+                <a:blip r:embed="rId18">
+                  <a:extLst>
+                    <a:ext uri="{28A0092B-C50C-407E-A947-70E740481C1C}">
+                      <a14:useLocalDpi xmlns:a14="http://schemas.microsoft.com/office/drawing/2010/main" val="0"/>
+                    </a:ext>
+                    <a:ext uri="{96DAC541-7B7A-43D3-8B79-37D633B846F1}">
+                      <asvg:svgBlip xmlns:asvg="http://schemas.microsoft.com/office/drawing/2016/SVG/main" r:embed="rId19"/>
+                    </a:ext>
+                  </a:extLst>
+                </a:blip>
+                <a:stretch>
+                  <a:fillRect/>
+                </a:stretch>
+              </p:blipFill>
+              <p:spPr>
                 <a:xfrm>
-                  <a:off x="1290444" y="5090560"/>
+                  <a:off x="4153422" y="5445576"/>
                   <a:ext cx="339242" cy="339242"/>
-                  <a:chOff x="4153422" y="5445576"/>
-                  <a:chExt cx="339242" cy="339242"/>
                 </a:xfrm>
-              </p:grpSpPr>
-              <p:sp>
-                <p:nvSpPr>
-                  <p:cNvPr id="56" name="Oval 55">
-                    <a:extLst>
-                      <a:ext uri="{FF2B5EF4-FFF2-40B4-BE49-F238E27FC236}">
-                        <a16:creationId xmlns:a16="http://schemas.microsoft.com/office/drawing/2014/main" id="{8F5E13FE-1EF7-4151-9709-BC55F142B620}"/>
-                      </a:ext>
-                    </a:extLst>
-                  </p:cNvPr>
-                  <p:cNvSpPr/>
-                  <p:nvPr/>
-                </p:nvSpPr>
-                <p:spPr>
-                  <a:xfrm>
-                    <a:off x="4281252" y="5533062"/>
-                    <a:ext cx="78312" cy="82135"/>
-                  </a:xfrm>
-                  <a:prstGeom prst="ellipse">
-                    <a:avLst/>
-                  </a:prstGeom>
+                <a:prstGeom prst="rect">
+                  <a:avLst/>
+                </a:prstGeom>
+              </p:spPr>
+            </p:pic>
+          </p:grpSp>
+          <p:grpSp>
+            <p:nvGrpSpPr>
+              <p:cNvPr id="24" name="Group 23">
+                <a:extLst>
+                  <a:ext uri="{FF2B5EF4-FFF2-40B4-BE49-F238E27FC236}">
+                    <a16:creationId xmlns:a16="http://schemas.microsoft.com/office/drawing/2014/main" id="{AE1A7186-E939-4764-B97C-3A5968884F9D}"/>
+                  </a:ext>
+                </a:extLst>
+              </p:cNvPr>
+              <p:cNvGrpSpPr/>
+              <p:nvPr/>
+            </p:nvGrpSpPr>
+            <p:grpSpPr>
+              <a:xfrm>
+                <a:off x="1558972" y="4752520"/>
+                <a:ext cx="339242" cy="339242"/>
+                <a:chOff x="4153422" y="5445576"/>
+                <a:chExt cx="339242" cy="339242"/>
+              </a:xfrm>
+            </p:grpSpPr>
+            <p:sp>
+              <p:nvSpPr>
+                <p:cNvPr id="52" name="Oval 51">
+                  <a:extLst>
+                    <a:ext uri="{FF2B5EF4-FFF2-40B4-BE49-F238E27FC236}">
+                      <a16:creationId xmlns:a16="http://schemas.microsoft.com/office/drawing/2014/main" id="{B3122460-EF4F-4AE6-9D4D-F4F0EED2DF35}"/>
+                    </a:ext>
+                  </a:extLst>
+                </p:cNvPr>
+                <p:cNvSpPr/>
+                <p:nvPr/>
+              </p:nvSpPr>
+              <p:spPr>
+                <a:xfrm>
+                  <a:off x="4281252" y="5533062"/>
+                  <a:ext cx="78312" cy="82135"/>
+                </a:xfrm>
+                <a:prstGeom prst="ellipse">
+                  <a:avLst/>
+                </a:prstGeom>
+                <a:solidFill>
+                  <a:schemeClr val="bg1"/>
+                </a:solidFill>
+                <a:ln>
                   <a:solidFill>
                     <a:schemeClr val="bg1"/>
                   </a:solidFill>
-                  <a:ln>
-                    <a:solidFill>
-                      <a:schemeClr val="bg1"/>
-                    </a:solidFill>
-                  </a:ln>
-                </p:spPr>
-                <p:style>
-                  <a:lnRef idx="2">
-                    <a:schemeClr val="accent1">
-                      <a:shade val="50000"/>
-                    </a:schemeClr>
-                  </a:lnRef>
-                  <a:fillRef idx="1">
-                    <a:schemeClr val="accent1"/>
-                  </a:fillRef>
-                  <a:effectRef idx="0">
-                    <a:schemeClr val="accent1"/>
-                  </a:effectRef>
-                  <a:fontRef idx="minor">
-                    <a:schemeClr val="lt1"/>
-                  </a:fontRef>
-                </p:style>
-                <p:txBody>
-                  <a:bodyPr rtlCol="0" anchor="ctr"/>
-                  <a:lstStyle/>
-                  <a:p>
-                    <a:pPr algn="ctr"/>
-                    <a:endParaRPr lang="en-US"/>
-                  </a:p>
-                </p:txBody>
-              </p:sp>
-              <p:pic>
-                <p:nvPicPr>
-                  <p:cNvPr id="57" name="Graphic 56" descr="Marker with solid fill">
-                    <a:extLst>
-                      <a:ext uri="{FF2B5EF4-FFF2-40B4-BE49-F238E27FC236}">
-                        <a16:creationId xmlns:a16="http://schemas.microsoft.com/office/drawing/2014/main" id="{94C10177-4655-4C0B-BE7C-6D572D01B945}"/>
-                      </a:ext>
-                    </a:extLst>
-                  </p:cNvPr>
-                  <p:cNvPicPr>
-                    <a:picLocks noChangeAspect="1"/>
-                  </p:cNvPicPr>
-                  <p:nvPr/>
-                </p:nvPicPr>
-                <p:blipFill>
-                  <a:blip r:embed="rId18">
-                    <a:extLst>
-                      <a:ext uri="{28A0092B-C50C-407E-A947-70E740481C1C}">
-                        <a14:useLocalDpi xmlns:a14="http://schemas.microsoft.com/office/drawing/2010/main" val="0"/>
-                      </a:ext>
-                      <a:ext uri="{96DAC541-7B7A-43D3-8B79-37D633B846F1}">
-                        <asvg:svgBlip xmlns:asvg="http://schemas.microsoft.com/office/drawing/2016/SVG/main" r:embed="rId19"/>
-                      </a:ext>
-                    </a:extLst>
-                  </a:blip>
-                  <a:stretch>
-                    <a:fillRect/>
-                  </a:stretch>
-                </p:blipFill>
-                <p:spPr>
-                  <a:xfrm>
-                    <a:off x="4153422" y="5445576"/>
-                    <a:ext cx="339242" cy="339242"/>
-                  </a:xfrm>
-                  <a:prstGeom prst="rect">
-                    <a:avLst/>
-                  </a:prstGeom>
-                </p:spPr>
-              </p:pic>
-            </p:grpSp>
-            <p:grpSp>
-              <p:nvGrpSpPr>
-                <p:cNvPr id="26" name="Group 25">
+                </a:ln>
+              </p:spPr>
+              <p:style>
+                <a:lnRef idx="2">
+                  <a:schemeClr val="accent1">
+                    <a:shade val="50000"/>
+                  </a:schemeClr>
+                </a:lnRef>
+                <a:fillRef idx="1">
+                  <a:schemeClr val="accent1"/>
+                </a:fillRef>
+                <a:effectRef idx="0">
+                  <a:schemeClr val="accent1"/>
+                </a:effectRef>
+                <a:fontRef idx="minor">
+                  <a:schemeClr val="lt1"/>
+                </a:fontRef>
+              </p:style>
+              <p:txBody>
+                <a:bodyPr rtlCol="0" anchor="ctr"/>
+                <a:lstStyle/>
+                <a:p>
+                  <a:pPr algn="ctr"/>
+                  <a:endParaRPr lang="en-US"/>
+                </a:p>
+              </p:txBody>
+            </p:sp>
+            <p:pic>
+              <p:nvPicPr>
+                <p:cNvPr id="53" name="Graphic 52" descr="Marker with solid fill">
                   <a:extLst>
                     <a:ext uri="{FF2B5EF4-FFF2-40B4-BE49-F238E27FC236}">
-                      <a16:creationId xmlns:a16="http://schemas.microsoft.com/office/drawing/2014/main" id="{C53F26C0-C751-4118-9FD3-6733F7591A1E}"/>
+                      <a16:creationId xmlns:a16="http://schemas.microsoft.com/office/drawing/2014/main" id="{F7F6B07B-95F2-4CC8-B990-9A9E28E12188}"/>
                     </a:ext>
                   </a:extLst>
                 </p:cNvPr>
-                <p:cNvGrpSpPr/>
+                <p:cNvPicPr>
+                  <a:picLocks noChangeAspect="1"/>
+                </p:cNvPicPr>
                 <p:nvPr/>
-              </p:nvGrpSpPr>
-              <p:grpSpPr>
+              </p:nvPicPr>
+              <p:blipFill>
+                <a:blip r:embed="rId18">
+                  <a:extLst>
+                    <a:ext uri="{28A0092B-C50C-407E-A947-70E740481C1C}">
+                      <a14:useLocalDpi xmlns:a14="http://schemas.microsoft.com/office/drawing/2010/main" val="0"/>
+                    </a:ext>
+                    <a:ext uri="{96DAC541-7B7A-43D3-8B79-37D633B846F1}">
+                      <asvg:svgBlip xmlns:asvg="http://schemas.microsoft.com/office/drawing/2016/SVG/main" r:embed="rId19"/>
+                    </a:ext>
+                  </a:extLst>
+                </a:blip>
+                <a:stretch>
+                  <a:fillRect/>
+                </a:stretch>
+              </p:blipFill>
+              <p:spPr>
                 <a:xfrm>
-                  <a:off x="1558972" y="4752520"/>
+                  <a:off x="4153422" y="5445576"/>
                   <a:ext cx="339242" cy="339242"/>
-                  <a:chOff x="4153422" y="5445576"/>
-                  <a:chExt cx="339242" cy="339242"/>
                 </a:xfrm>
-              </p:grpSpPr>
-              <p:sp>
-                <p:nvSpPr>
-                  <p:cNvPr id="54" name="Oval 53">
-                    <a:extLst>
-                      <a:ext uri="{FF2B5EF4-FFF2-40B4-BE49-F238E27FC236}">
-                        <a16:creationId xmlns:a16="http://schemas.microsoft.com/office/drawing/2014/main" id="{0062C39B-9B78-435A-B3FC-CFCCB44FC30A}"/>
-                      </a:ext>
-                    </a:extLst>
-                  </p:cNvPr>
-                  <p:cNvSpPr/>
-                  <p:nvPr/>
-                </p:nvSpPr>
-                <p:spPr>
-                  <a:xfrm>
-                    <a:off x="4281252" y="5533062"/>
-                    <a:ext cx="78312" cy="82135"/>
-                  </a:xfrm>
-                  <a:prstGeom prst="ellipse">
-                    <a:avLst/>
-                  </a:prstGeom>
+                <a:prstGeom prst="rect">
+                  <a:avLst/>
+                </a:prstGeom>
+              </p:spPr>
+            </p:pic>
+          </p:grpSp>
+          <p:grpSp>
+            <p:nvGrpSpPr>
+              <p:cNvPr id="25" name="Group 24">
+                <a:extLst>
+                  <a:ext uri="{FF2B5EF4-FFF2-40B4-BE49-F238E27FC236}">
+                    <a16:creationId xmlns:a16="http://schemas.microsoft.com/office/drawing/2014/main" id="{6899B424-CC95-4AF7-B1C1-931BED4DDD8F}"/>
+                  </a:ext>
+                </a:extLst>
+              </p:cNvPr>
+              <p:cNvGrpSpPr/>
+              <p:nvPr/>
+            </p:nvGrpSpPr>
+            <p:grpSpPr>
+              <a:xfrm>
+                <a:off x="1683570" y="5180599"/>
+                <a:ext cx="339242" cy="339242"/>
+                <a:chOff x="4153422" y="5445576"/>
+                <a:chExt cx="339242" cy="339242"/>
+              </a:xfrm>
+            </p:grpSpPr>
+            <p:sp>
+              <p:nvSpPr>
+                <p:cNvPr id="50" name="Oval 49">
+                  <a:extLst>
+                    <a:ext uri="{FF2B5EF4-FFF2-40B4-BE49-F238E27FC236}">
+                      <a16:creationId xmlns:a16="http://schemas.microsoft.com/office/drawing/2014/main" id="{D2FA335A-0D22-4C10-8724-C7DB470C7799}"/>
+                    </a:ext>
+                  </a:extLst>
+                </p:cNvPr>
+                <p:cNvSpPr/>
+                <p:nvPr/>
+              </p:nvSpPr>
+              <p:spPr>
+                <a:xfrm>
+                  <a:off x="4281252" y="5533062"/>
+                  <a:ext cx="78312" cy="82135"/>
+                </a:xfrm>
+                <a:prstGeom prst="ellipse">
+                  <a:avLst/>
+                </a:prstGeom>
+                <a:solidFill>
+                  <a:schemeClr val="bg1"/>
+                </a:solidFill>
+                <a:ln>
                   <a:solidFill>
                     <a:schemeClr val="bg1"/>
                   </a:solidFill>
-                  <a:ln>
-                    <a:solidFill>
-                      <a:schemeClr val="bg1"/>
-                    </a:solidFill>
-                  </a:ln>
-                </p:spPr>
-                <p:style>
-                  <a:lnRef idx="2">
-                    <a:schemeClr val="accent1">
-                      <a:shade val="50000"/>
-                    </a:schemeClr>
-                  </a:lnRef>
-                  <a:fillRef idx="1">
-                    <a:schemeClr val="accent1"/>
-                  </a:fillRef>
-                  <a:effectRef idx="0">
-                    <a:schemeClr val="accent1"/>
-                  </a:effectRef>
-                  <a:fontRef idx="minor">
-                    <a:schemeClr val="lt1"/>
-                  </a:fontRef>
-                </p:style>
-                <p:txBody>
-                  <a:bodyPr rtlCol="0" anchor="ctr"/>
-                  <a:lstStyle/>
-                  <a:p>
-                    <a:pPr algn="ctr"/>
-                    <a:endParaRPr lang="en-US"/>
-                  </a:p>
-                </p:txBody>
-              </p:sp>
-              <p:pic>
-                <p:nvPicPr>
-                  <p:cNvPr id="55" name="Graphic 54" descr="Marker with solid fill">
-                    <a:extLst>
-                      <a:ext uri="{FF2B5EF4-FFF2-40B4-BE49-F238E27FC236}">
-                        <a16:creationId xmlns:a16="http://schemas.microsoft.com/office/drawing/2014/main" id="{F5913265-934B-4462-9854-BA4EF2F45F03}"/>
-                      </a:ext>
-                    </a:extLst>
-                  </p:cNvPr>
-                  <p:cNvPicPr>
-                    <a:picLocks noChangeAspect="1"/>
-                  </p:cNvPicPr>
-                  <p:nvPr/>
-                </p:nvPicPr>
-                <p:blipFill>
-                  <a:blip r:embed="rId18">
-                    <a:extLst>
-                      <a:ext uri="{28A0092B-C50C-407E-A947-70E740481C1C}">
-                        <a14:useLocalDpi xmlns:a14="http://schemas.microsoft.com/office/drawing/2010/main" val="0"/>
-                      </a:ext>
-                      <a:ext uri="{96DAC541-7B7A-43D3-8B79-37D633B846F1}">
-                        <asvg:svgBlip xmlns:asvg="http://schemas.microsoft.com/office/drawing/2016/SVG/main" r:embed="rId19"/>
-                      </a:ext>
-                    </a:extLst>
-                  </a:blip>
-                  <a:stretch>
-                    <a:fillRect/>
-                  </a:stretch>
-                </p:blipFill>
-                <p:spPr>
-                  <a:xfrm>
-                    <a:off x="4153422" y="5445576"/>
-                    <a:ext cx="339242" cy="339242"/>
-                  </a:xfrm>
-                  <a:prstGeom prst="rect">
-                    <a:avLst/>
-                  </a:prstGeom>
-                </p:spPr>
-              </p:pic>
-            </p:grpSp>
-            <p:grpSp>
-              <p:nvGrpSpPr>
-                <p:cNvPr id="27" name="Group 26">
+                </a:ln>
+              </p:spPr>
+              <p:style>
+                <a:lnRef idx="2">
+                  <a:schemeClr val="accent1">
+                    <a:shade val="50000"/>
+                  </a:schemeClr>
+                </a:lnRef>
+                <a:fillRef idx="1">
+                  <a:schemeClr val="accent1"/>
+                </a:fillRef>
+                <a:effectRef idx="0">
+                  <a:schemeClr val="accent1"/>
+                </a:effectRef>
+                <a:fontRef idx="minor">
+                  <a:schemeClr val="lt1"/>
+                </a:fontRef>
+              </p:style>
+              <p:txBody>
+                <a:bodyPr rtlCol="0" anchor="ctr"/>
+                <a:lstStyle/>
+                <a:p>
+                  <a:pPr algn="ctr"/>
+                  <a:endParaRPr lang="en-US"/>
+                </a:p>
+              </p:txBody>
+            </p:sp>
+            <p:pic>
+              <p:nvPicPr>
+                <p:cNvPr id="51" name="Graphic 50" descr="Marker with solid fill">
                   <a:extLst>
                     <a:ext uri="{FF2B5EF4-FFF2-40B4-BE49-F238E27FC236}">
-                      <a16:creationId xmlns:a16="http://schemas.microsoft.com/office/drawing/2014/main" id="{758FC82E-90A8-4E47-9F1D-0F9FCDAA7224}"/>
+                      <a16:creationId xmlns:a16="http://schemas.microsoft.com/office/drawing/2014/main" id="{00D5E92A-B21F-493F-8AE1-FBAA57E45E76}"/>
                     </a:ext>
                   </a:extLst>
                 </p:cNvPr>
-                <p:cNvGrpSpPr/>
+                <p:cNvPicPr>
+                  <a:picLocks noChangeAspect="1"/>
+                </p:cNvPicPr>
                 <p:nvPr/>
-              </p:nvGrpSpPr>
-              <p:grpSpPr>
+              </p:nvPicPr>
+              <p:blipFill>
+                <a:blip r:embed="rId18">
+                  <a:extLst>
+                    <a:ext uri="{28A0092B-C50C-407E-A947-70E740481C1C}">
+                      <a14:useLocalDpi xmlns:a14="http://schemas.microsoft.com/office/drawing/2010/main" val="0"/>
+                    </a:ext>
+                    <a:ext uri="{96DAC541-7B7A-43D3-8B79-37D633B846F1}">
+                      <asvg:svgBlip xmlns:asvg="http://schemas.microsoft.com/office/drawing/2016/SVG/main" r:embed="rId19"/>
+                    </a:ext>
+                  </a:extLst>
+                </a:blip>
+                <a:stretch>
+                  <a:fillRect/>
+                </a:stretch>
+              </p:blipFill>
+              <p:spPr>
                 <a:xfrm>
-                  <a:off x="1683570" y="5180599"/>
+                  <a:off x="4153422" y="5445576"/>
                   <a:ext cx="339242" cy="339242"/>
-                  <a:chOff x="4153422" y="5445576"/>
-                  <a:chExt cx="339242" cy="339242"/>
                 </a:xfrm>
-              </p:grpSpPr>
-              <p:sp>
-                <p:nvSpPr>
-                  <p:cNvPr id="52" name="Oval 51">
-                    <a:extLst>
-                      <a:ext uri="{FF2B5EF4-FFF2-40B4-BE49-F238E27FC236}">
-                        <a16:creationId xmlns:a16="http://schemas.microsoft.com/office/drawing/2014/main" id="{5095A8EA-9D2C-4700-B547-60A887EF4B3C}"/>
-                      </a:ext>
-                    </a:extLst>
-                  </p:cNvPr>
-                  <p:cNvSpPr/>
-                  <p:nvPr/>
-                </p:nvSpPr>
-                <p:spPr>
-                  <a:xfrm>
-                    <a:off x="4281252" y="5533062"/>
-                    <a:ext cx="78312" cy="82135"/>
-                  </a:xfrm>
-                  <a:prstGeom prst="ellipse">
-                    <a:avLst/>
-                  </a:prstGeom>
+                <a:prstGeom prst="rect">
+                  <a:avLst/>
+                </a:prstGeom>
+              </p:spPr>
+            </p:pic>
+          </p:grpSp>
+          <p:grpSp>
+            <p:nvGrpSpPr>
+              <p:cNvPr id="26" name="Group 25">
+                <a:extLst>
+                  <a:ext uri="{FF2B5EF4-FFF2-40B4-BE49-F238E27FC236}">
+                    <a16:creationId xmlns:a16="http://schemas.microsoft.com/office/drawing/2014/main" id="{AE67A9CF-F1D5-4A21-9FD8-165EB07BA85C}"/>
+                  </a:ext>
+                </a:extLst>
+              </p:cNvPr>
+              <p:cNvGrpSpPr/>
+              <p:nvPr/>
+            </p:nvGrpSpPr>
+            <p:grpSpPr>
+              <a:xfrm>
+                <a:off x="2039556" y="5179419"/>
+                <a:ext cx="339242" cy="339242"/>
+                <a:chOff x="4153422" y="5445576"/>
+                <a:chExt cx="339242" cy="339242"/>
+              </a:xfrm>
+            </p:grpSpPr>
+            <p:sp>
+              <p:nvSpPr>
+                <p:cNvPr id="48" name="Oval 47">
+                  <a:extLst>
+                    <a:ext uri="{FF2B5EF4-FFF2-40B4-BE49-F238E27FC236}">
+                      <a16:creationId xmlns:a16="http://schemas.microsoft.com/office/drawing/2014/main" id="{48B2691A-EF56-427D-9996-20DE787E29CE}"/>
+                    </a:ext>
+                  </a:extLst>
+                </p:cNvPr>
+                <p:cNvSpPr/>
+                <p:nvPr/>
+              </p:nvSpPr>
+              <p:spPr>
+                <a:xfrm>
+                  <a:off x="4281252" y="5533062"/>
+                  <a:ext cx="78312" cy="82135"/>
+                </a:xfrm>
+                <a:prstGeom prst="ellipse">
+                  <a:avLst/>
+                </a:prstGeom>
+                <a:solidFill>
+                  <a:schemeClr val="bg1"/>
+                </a:solidFill>
+                <a:ln>
                   <a:solidFill>
                     <a:schemeClr val="bg1"/>
                   </a:solidFill>
-                  <a:ln>
-                    <a:solidFill>
-                      <a:schemeClr val="bg1"/>
-                    </a:solidFill>
-                  </a:ln>
-                </p:spPr>
-                <p:style>
-                  <a:lnRef idx="2">
-                    <a:schemeClr val="accent1">
-                      <a:shade val="50000"/>
-                    </a:schemeClr>
-                  </a:lnRef>
-                  <a:fillRef idx="1">
-                    <a:schemeClr val="accent1"/>
-                  </a:fillRef>
-                  <a:effectRef idx="0">
-                    <a:schemeClr val="accent1"/>
-                  </a:effectRef>
-                  <a:fontRef idx="minor">
-                    <a:schemeClr val="lt1"/>
-                  </a:fontRef>
-                </p:style>
-                <p:txBody>
-                  <a:bodyPr rtlCol="0" anchor="ctr"/>
-                  <a:lstStyle/>
-                  <a:p>
-                    <a:pPr algn="ctr"/>
-                    <a:endParaRPr lang="en-US"/>
-                  </a:p>
-                </p:txBody>
-              </p:sp>
-              <p:pic>
-                <p:nvPicPr>
-                  <p:cNvPr id="53" name="Graphic 52" descr="Marker with solid fill">
-                    <a:extLst>
-                      <a:ext uri="{FF2B5EF4-FFF2-40B4-BE49-F238E27FC236}">
-                        <a16:creationId xmlns:a16="http://schemas.microsoft.com/office/drawing/2014/main" id="{8B42E324-5AB5-4AB8-AB27-FB296043FF10}"/>
-                      </a:ext>
-                    </a:extLst>
-                  </p:cNvPr>
-                  <p:cNvPicPr>
-                    <a:picLocks noChangeAspect="1"/>
-                  </p:cNvPicPr>
-                  <p:nvPr/>
-                </p:nvPicPr>
-                <p:blipFill>
-                  <a:blip r:embed="rId18">
-                    <a:extLst>
-                      <a:ext uri="{28A0092B-C50C-407E-A947-70E740481C1C}">
-                        <a14:useLocalDpi xmlns:a14="http://schemas.microsoft.com/office/drawing/2010/main" val="0"/>
-                      </a:ext>
-                      <a:ext uri="{96DAC541-7B7A-43D3-8B79-37D633B846F1}">
-                        <asvg:svgBlip xmlns:asvg="http://schemas.microsoft.com/office/drawing/2016/SVG/main" r:embed="rId19"/>
-                      </a:ext>
-                    </a:extLst>
-                  </a:blip>
-                  <a:stretch>
-                    <a:fillRect/>
-                  </a:stretch>
-                </p:blipFill>
-                <p:spPr>
-                  <a:xfrm>
-                    <a:off x="4153422" y="5445576"/>
-                    <a:ext cx="339242" cy="339242"/>
-                  </a:xfrm>
-                  <a:prstGeom prst="rect">
-                    <a:avLst/>
-                  </a:prstGeom>
-                </p:spPr>
-              </p:pic>
-            </p:grpSp>
-            <p:grpSp>
-              <p:nvGrpSpPr>
-                <p:cNvPr id="28" name="Group 27">
+                </a:ln>
+              </p:spPr>
+              <p:style>
+                <a:lnRef idx="2">
+                  <a:schemeClr val="accent1">
+                    <a:shade val="50000"/>
+                  </a:schemeClr>
+                </a:lnRef>
+                <a:fillRef idx="1">
+                  <a:schemeClr val="accent1"/>
+                </a:fillRef>
+                <a:effectRef idx="0">
+                  <a:schemeClr val="accent1"/>
+                </a:effectRef>
+                <a:fontRef idx="minor">
+                  <a:schemeClr val="lt1"/>
+                </a:fontRef>
+              </p:style>
+              <p:txBody>
+                <a:bodyPr rtlCol="0" anchor="ctr"/>
+                <a:lstStyle/>
+                <a:p>
+                  <a:pPr algn="ctr"/>
+                  <a:endParaRPr lang="en-US"/>
+                </a:p>
+              </p:txBody>
+            </p:sp>
+            <p:pic>
+              <p:nvPicPr>
+                <p:cNvPr id="49" name="Graphic 48" descr="Marker with solid fill">
                   <a:extLst>
                     <a:ext uri="{FF2B5EF4-FFF2-40B4-BE49-F238E27FC236}">
-                      <a16:creationId xmlns:a16="http://schemas.microsoft.com/office/drawing/2014/main" id="{CC62FE9D-7129-43FC-B7F4-0F8DF368221F}"/>
+                      <a16:creationId xmlns:a16="http://schemas.microsoft.com/office/drawing/2014/main" id="{E9A4920D-FD4E-4F23-8BBE-6B6073977439}"/>
                     </a:ext>
                   </a:extLst>
                 </p:cNvPr>
-                <p:cNvGrpSpPr/>
+                <p:cNvPicPr>
+                  <a:picLocks noChangeAspect="1"/>
+                </p:cNvPicPr>
                 <p:nvPr/>
-              </p:nvGrpSpPr>
-              <p:grpSpPr>
+              </p:nvPicPr>
+              <p:blipFill>
+                <a:blip r:embed="rId18">
+                  <a:extLst>
+                    <a:ext uri="{28A0092B-C50C-407E-A947-70E740481C1C}">
+                      <a14:useLocalDpi xmlns:a14="http://schemas.microsoft.com/office/drawing/2010/main" val="0"/>
+                    </a:ext>
+                    <a:ext uri="{96DAC541-7B7A-43D3-8B79-37D633B846F1}">
+                      <asvg:svgBlip xmlns:asvg="http://schemas.microsoft.com/office/drawing/2016/SVG/main" r:embed="rId19"/>
+                    </a:ext>
+                  </a:extLst>
+                </a:blip>
+                <a:stretch>
+                  <a:fillRect/>
+                </a:stretch>
+              </p:blipFill>
+              <p:spPr>
                 <a:xfrm>
-                  <a:off x="2039556" y="5179419"/>
+                  <a:off x="4153422" y="5445576"/>
                   <a:ext cx="339242" cy="339242"/>
-                  <a:chOff x="4153422" y="5445576"/>
-                  <a:chExt cx="339242" cy="339242"/>
                 </a:xfrm>
-              </p:grpSpPr>
-              <p:sp>
-                <p:nvSpPr>
-                  <p:cNvPr id="50" name="Oval 49">
-                    <a:extLst>
-                      <a:ext uri="{FF2B5EF4-FFF2-40B4-BE49-F238E27FC236}">
-                        <a16:creationId xmlns:a16="http://schemas.microsoft.com/office/drawing/2014/main" id="{43B552C2-60BE-4F69-A09E-A1867BDB6AFB}"/>
-                      </a:ext>
-                    </a:extLst>
-                  </p:cNvPr>
-                  <p:cNvSpPr/>
-                  <p:nvPr/>
-                </p:nvSpPr>
-                <p:spPr>
-                  <a:xfrm>
-                    <a:off x="4281252" y="5533062"/>
-                    <a:ext cx="78312" cy="82135"/>
-                  </a:xfrm>
-                  <a:prstGeom prst="ellipse">
-                    <a:avLst/>
-                  </a:prstGeom>
+                <a:prstGeom prst="rect">
+                  <a:avLst/>
+                </a:prstGeom>
+              </p:spPr>
+            </p:pic>
+          </p:grpSp>
+          <p:grpSp>
+            <p:nvGrpSpPr>
+              <p:cNvPr id="27" name="Group 26">
+                <a:extLst>
+                  <a:ext uri="{FF2B5EF4-FFF2-40B4-BE49-F238E27FC236}">
+                    <a16:creationId xmlns:a16="http://schemas.microsoft.com/office/drawing/2014/main" id="{36BB45C3-1781-4641-A9FD-F0E83FEBB408}"/>
+                  </a:ext>
+                </a:extLst>
+              </p:cNvPr>
+              <p:cNvGrpSpPr/>
+              <p:nvPr/>
+            </p:nvGrpSpPr>
+            <p:grpSpPr>
+              <a:xfrm>
+                <a:off x="2629068" y="5389492"/>
+                <a:ext cx="339242" cy="339242"/>
+                <a:chOff x="4153422" y="5445576"/>
+                <a:chExt cx="339242" cy="339242"/>
+              </a:xfrm>
+            </p:grpSpPr>
+            <p:sp>
+              <p:nvSpPr>
+                <p:cNvPr id="46" name="Oval 45">
+                  <a:extLst>
+                    <a:ext uri="{FF2B5EF4-FFF2-40B4-BE49-F238E27FC236}">
+                      <a16:creationId xmlns:a16="http://schemas.microsoft.com/office/drawing/2014/main" id="{4ED7D1B4-D116-49BC-8F8E-ED6B5E9C0EF0}"/>
+                    </a:ext>
+                  </a:extLst>
+                </p:cNvPr>
+                <p:cNvSpPr/>
+                <p:nvPr/>
+              </p:nvSpPr>
+              <p:spPr>
+                <a:xfrm>
+                  <a:off x="4281252" y="5533062"/>
+                  <a:ext cx="78312" cy="82135"/>
+                </a:xfrm>
+                <a:prstGeom prst="ellipse">
+                  <a:avLst/>
+                </a:prstGeom>
+                <a:solidFill>
+                  <a:schemeClr val="bg1"/>
+                </a:solidFill>
+                <a:ln>
                   <a:solidFill>
                     <a:schemeClr val="bg1"/>
                   </a:solidFill>
-                  <a:ln>
-                    <a:solidFill>
-                      <a:schemeClr val="bg1"/>
-                    </a:solidFill>
-                  </a:ln>
-                </p:spPr>
-                <p:style>
-                  <a:lnRef idx="2">
-                    <a:schemeClr val="accent1">
-                      <a:shade val="50000"/>
-                    </a:schemeClr>
-                  </a:lnRef>
-                  <a:fillRef idx="1">
-                    <a:schemeClr val="accent1"/>
-                  </a:fillRef>
-                  <a:effectRef idx="0">
-                    <a:schemeClr val="accent1"/>
-                  </a:effectRef>
-                  <a:fontRef idx="minor">
-                    <a:schemeClr val="lt1"/>
-                  </a:fontRef>
-                </p:style>
-                <p:txBody>
-                  <a:bodyPr rtlCol="0" anchor="ctr"/>
-                  <a:lstStyle/>
-                  <a:p>
-                    <a:pPr algn="ctr"/>
-                    <a:endParaRPr lang="en-US"/>
-                  </a:p>
-                </p:txBody>
-              </p:sp>
-              <p:pic>
-                <p:nvPicPr>
-                  <p:cNvPr id="51" name="Graphic 50" descr="Marker with solid fill">
-                    <a:extLst>
-                      <a:ext uri="{FF2B5EF4-FFF2-40B4-BE49-F238E27FC236}">
-                        <a16:creationId xmlns:a16="http://schemas.microsoft.com/office/drawing/2014/main" id="{AB59BD29-207A-4F98-9C4A-A17455190FB1}"/>
-                      </a:ext>
-                    </a:extLst>
-                  </p:cNvPr>
-                  <p:cNvPicPr>
-                    <a:picLocks noChangeAspect="1"/>
-                  </p:cNvPicPr>
-                  <p:nvPr/>
-                </p:nvPicPr>
-                <p:blipFill>
-                  <a:blip r:embed="rId18">
-                    <a:extLst>
-                      <a:ext uri="{28A0092B-C50C-407E-A947-70E740481C1C}">
-                        <a14:useLocalDpi xmlns:a14="http://schemas.microsoft.com/office/drawing/2010/main" val="0"/>
-                      </a:ext>
-                      <a:ext uri="{96DAC541-7B7A-43D3-8B79-37D633B846F1}">
-                        <asvg:svgBlip xmlns:asvg="http://schemas.microsoft.com/office/drawing/2016/SVG/main" r:embed="rId19"/>
-                      </a:ext>
-                    </a:extLst>
-                  </a:blip>
-                  <a:stretch>
-                    <a:fillRect/>
-                  </a:stretch>
-                </p:blipFill>
-                <p:spPr>
-                  <a:xfrm>
-                    <a:off x="4153422" y="5445576"/>
-                    <a:ext cx="339242" cy="339242"/>
-                  </a:xfrm>
-                  <a:prstGeom prst="rect">
-                    <a:avLst/>
-                  </a:prstGeom>
-                </p:spPr>
-              </p:pic>
-            </p:grpSp>
-            <p:grpSp>
-              <p:nvGrpSpPr>
-                <p:cNvPr id="29" name="Group 28">
+                </a:ln>
+              </p:spPr>
+              <p:style>
+                <a:lnRef idx="2">
+                  <a:schemeClr val="accent1">
+                    <a:shade val="50000"/>
+                  </a:schemeClr>
+                </a:lnRef>
+                <a:fillRef idx="1">
+                  <a:schemeClr val="accent1"/>
+                </a:fillRef>
+                <a:effectRef idx="0">
+                  <a:schemeClr val="accent1"/>
+                </a:effectRef>
+                <a:fontRef idx="minor">
+                  <a:schemeClr val="lt1"/>
+                </a:fontRef>
+              </p:style>
+              <p:txBody>
+                <a:bodyPr rtlCol="0" anchor="ctr"/>
+                <a:lstStyle/>
+                <a:p>
+                  <a:pPr algn="ctr"/>
+                  <a:endParaRPr lang="en-US"/>
+                </a:p>
+              </p:txBody>
+            </p:sp>
+            <p:pic>
+              <p:nvPicPr>
+                <p:cNvPr id="47" name="Graphic 46" descr="Marker with solid fill">
                   <a:extLst>
                     <a:ext uri="{FF2B5EF4-FFF2-40B4-BE49-F238E27FC236}">
-                      <a16:creationId xmlns:a16="http://schemas.microsoft.com/office/drawing/2014/main" id="{0347D7B5-2E0E-48D7-8C1B-FC6167951C37}"/>
+                      <a16:creationId xmlns:a16="http://schemas.microsoft.com/office/drawing/2014/main" id="{C168883C-689B-4A57-9E0B-E0585402CFAD}"/>
                     </a:ext>
                   </a:extLst>
                 </p:cNvPr>
-                <p:cNvGrpSpPr/>
+                <p:cNvPicPr>
+                  <a:picLocks noChangeAspect="1"/>
+                </p:cNvPicPr>
                 <p:nvPr/>
-              </p:nvGrpSpPr>
-              <p:grpSpPr>
+              </p:nvPicPr>
+              <p:blipFill>
+                <a:blip r:embed="rId18">
+                  <a:extLst>
+                    <a:ext uri="{28A0092B-C50C-407E-A947-70E740481C1C}">
+                      <a14:useLocalDpi xmlns:a14="http://schemas.microsoft.com/office/drawing/2010/main" val="0"/>
+                    </a:ext>
+                    <a:ext uri="{96DAC541-7B7A-43D3-8B79-37D633B846F1}">
+                      <asvg:svgBlip xmlns:asvg="http://schemas.microsoft.com/office/drawing/2016/SVG/main" r:embed="rId19"/>
+                    </a:ext>
+                  </a:extLst>
+                </a:blip>
+                <a:stretch>
+                  <a:fillRect/>
+                </a:stretch>
+              </p:blipFill>
+              <p:spPr>
                 <a:xfrm>
-                  <a:off x="2629068" y="5389492"/>
+                  <a:off x="4153422" y="5445576"/>
                   <a:ext cx="339242" cy="339242"/>
-                  <a:chOff x="4153422" y="5445576"/>
-                  <a:chExt cx="339242" cy="339242"/>
                 </a:xfrm>
-              </p:grpSpPr>
-              <p:sp>
-                <p:nvSpPr>
-                  <p:cNvPr id="48" name="Oval 47">
-                    <a:extLst>
-                      <a:ext uri="{FF2B5EF4-FFF2-40B4-BE49-F238E27FC236}">
-                        <a16:creationId xmlns:a16="http://schemas.microsoft.com/office/drawing/2014/main" id="{390BA89A-13D2-4C51-AB8C-C184E82C51C5}"/>
-                      </a:ext>
-                    </a:extLst>
-                  </p:cNvPr>
-                  <p:cNvSpPr/>
-                  <p:nvPr/>
-                </p:nvSpPr>
-                <p:spPr>
-                  <a:xfrm>
-                    <a:off x="4281252" y="5533062"/>
-                    <a:ext cx="78312" cy="82135"/>
-                  </a:xfrm>
-                  <a:prstGeom prst="ellipse">
-                    <a:avLst/>
-                  </a:prstGeom>
+                <a:prstGeom prst="rect">
+                  <a:avLst/>
+                </a:prstGeom>
+              </p:spPr>
+            </p:pic>
+          </p:grpSp>
+          <p:grpSp>
+            <p:nvGrpSpPr>
+              <p:cNvPr id="28" name="Group 27">
+                <a:extLst>
+                  <a:ext uri="{FF2B5EF4-FFF2-40B4-BE49-F238E27FC236}">
+                    <a16:creationId xmlns:a16="http://schemas.microsoft.com/office/drawing/2014/main" id="{B50A8754-F5E2-4DC5-B38D-DF43CC675D80}"/>
+                  </a:ext>
+                </a:extLst>
+              </p:cNvPr>
+              <p:cNvGrpSpPr/>
+              <p:nvPr/>
+            </p:nvGrpSpPr>
+            <p:grpSpPr>
+              <a:xfrm>
+                <a:off x="2805562" y="4760083"/>
+                <a:ext cx="339242" cy="339242"/>
+                <a:chOff x="4153422" y="5445576"/>
+                <a:chExt cx="339242" cy="339242"/>
+              </a:xfrm>
+            </p:grpSpPr>
+            <p:sp>
+              <p:nvSpPr>
+                <p:cNvPr id="44" name="Oval 43">
+                  <a:extLst>
+                    <a:ext uri="{FF2B5EF4-FFF2-40B4-BE49-F238E27FC236}">
+                      <a16:creationId xmlns:a16="http://schemas.microsoft.com/office/drawing/2014/main" id="{926B7C17-C772-48B7-8247-00D06020CB8B}"/>
+                    </a:ext>
+                  </a:extLst>
+                </p:cNvPr>
+                <p:cNvSpPr/>
+                <p:nvPr/>
+              </p:nvSpPr>
+              <p:spPr>
+                <a:xfrm>
+                  <a:off x="4281252" y="5533062"/>
+                  <a:ext cx="78312" cy="82135"/>
+                </a:xfrm>
+                <a:prstGeom prst="ellipse">
+                  <a:avLst/>
+                </a:prstGeom>
+                <a:solidFill>
+                  <a:schemeClr val="bg1"/>
+                </a:solidFill>
+                <a:ln>
                   <a:solidFill>
                     <a:schemeClr val="bg1"/>
                   </a:solidFill>
-                  <a:ln>
-                    <a:solidFill>
-                      <a:schemeClr val="bg1"/>
-                    </a:solidFill>
-                  </a:ln>
-                </p:spPr>
-                <p:style>
-                  <a:lnRef idx="2">
-                    <a:schemeClr val="accent1">
-                      <a:shade val="50000"/>
-                    </a:schemeClr>
-                  </a:lnRef>
-                  <a:fillRef idx="1">
-                    <a:schemeClr val="accent1"/>
-                  </a:fillRef>
-                  <a:effectRef idx="0">
-                    <a:schemeClr val="accent1"/>
-                  </a:effectRef>
-                  <a:fontRef idx="minor">
-                    <a:schemeClr val="lt1"/>
-                  </a:fontRef>
-                </p:style>
-                <p:txBody>
-                  <a:bodyPr rtlCol="0" anchor="ctr"/>
-                  <a:lstStyle/>
-                  <a:p>
-                    <a:pPr algn="ctr"/>
-                    <a:endParaRPr lang="en-US"/>
-                  </a:p>
-                </p:txBody>
-              </p:sp>
-              <p:pic>
-                <p:nvPicPr>
-                  <p:cNvPr id="49" name="Graphic 48" descr="Marker with solid fill">
-                    <a:extLst>
-                      <a:ext uri="{FF2B5EF4-FFF2-40B4-BE49-F238E27FC236}">
-                        <a16:creationId xmlns:a16="http://schemas.microsoft.com/office/drawing/2014/main" id="{A4EEB191-9C6B-4E3E-8FBF-2D9E05E1836B}"/>
-                      </a:ext>
-                    </a:extLst>
-                  </p:cNvPr>
-                  <p:cNvPicPr>
-                    <a:picLocks noChangeAspect="1"/>
-                  </p:cNvPicPr>
-                  <p:nvPr/>
-                </p:nvPicPr>
-                <p:blipFill>
-                  <a:blip r:embed="rId18">
-                    <a:extLst>
-                      <a:ext uri="{28A0092B-C50C-407E-A947-70E740481C1C}">
-                        <a14:useLocalDpi xmlns:a14="http://schemas.microsoft.com/office/drawing/2010/main" val="0"/>
-                      </a:ext>
-                      <a:ext uri="{96DAC541-7B7A-43D3-8B79-37D633B846F1}">
-                        <asvg:svgBlip xmlns:asvg="http://schemas.microsoft.com/office/drawing/2016/SVG/main" r:embed="rId19"/>
-                      </a:ext>
-                    </a:extLst>
-                  </a:blip>
-                  <a:stretch>
-                    <a:fillRect/>
-                  </a:stretch>
-                </p:blipFill>
-                <p:spPr>
-                  <a:xfrm>
-                    <a:off x="4153422" y="5445576"/>
-                    <a:ext cx="339242" cy="339242"/>
-                  </a:xfrm>
-                  <a:prstGeom prst="rect">
-                    <a:avLst/>
-                  </a:prstGeom>
-                </p:spPr>
-              </p:pic>
-            </p:grpSp>
-            <p:grpSp>
-              <p:nvGrpSpPr>
-                <p:cNvPr id="30" name="Group 29">
+                </a:ln>
+              </p:spPr>
+              <p:style>
+                <a:lnRef idx="2">
+                  <a:schemeClr val="accent1">
+                    <a:shade val="50000"/>
+                  </a:schemeClr>
+                </a:lnRef>
+                <a:fillRef idx="1">
+                  <a:schemeClr val="accent1"/>
+                </a:fillRef>
+                <a:effectRef idx="0">
+                  <a:schemeClr val="accent1"/>
+                </a:effectRef>
+                <a:fontRef idx="minor">
+                  <a:schemeClr val="lt1"/>
+                </a:fontRef>
+              </p:style>
+              <p:txBody>
+                <a:bodyPr rtlCol="0" anchor="ctr"/>
+                <a:lstStyle/>
+                <a:p>
+                  <a:pPr algn="ctr"/>
+                  <a:endParaRPr lang="en-US"/>
+                </a:p>
+              </p:txBody>
+            </p:sp>
+            <p:pic>
+              <p:nvPicPr>
+                <p:cNvPr id="45" name="Graphic 44" descr="Marker with solid fill">
                   <a:extLst>
                     <a:ext uri="{FF2B5EF4-FFF2-40B4-BE49-F238E27FC236}">
-                      <a16:creationId xmlns:a16="http://schemas.microsoft.com/office/drawing/2014/main" id="{62790CF6-1717-4C0F-9021-0DFB8F115F18}"/>
+                      <a16:creationId xmlns:a16="http://schemas.microsoft.com/office/drawing/2014/main" id="{026EAECF-6AE8-4C4B-A50B-655ED342F418}"/>
                     </a:ext>
                   </a:extLst>
                 </p:cNvPr>
-                <p:cNvGrpSpPr/>
+                <p:cNvPicPr>
+                  <a:picLocks noChangeAspect="1"/>
+                </p:cNvPicPr>
                 <p:nvPr/>
-              </p:nvGrpSpPr>
-              <p:grpSpPr>
+              </p:nvPicPr>
+              <p:blipFill>
+                <a:blip r:embed="rId18">
+                  <a:extLst>
+                    <a:ext uri="{28A0092B-C50C-407E-A947-70E740481C1C}">
+                      <a14:useLocalDpi xmlns:a14="http://schemas.microsoft.com/office/drawing/2010/main" val="0"/>
+                    </a:ext>
+                    <a:ext uri="{96DAC541-7B7A-43D3-8B79-37D633B846F1}">
+                      <asvg:svgBlip xmlns:asvg="http://schemas.microsoft.com/office/drawing/2016/SVG/main" r:embed="rId19"/>
+                    </a:ext>
+                  </a:extLst>
+                </a:blip>
+                <a:stretch>
+                  <a:fillRect/>
+                </a:stretch>
+              </p:blipFill>
+              <p:spPr>
                 <a:xfrm>
-                  <a:off x="2805562" y="4760083"/>
+                  <a:off x="4153422" y="5445576"/>
                   <a:ext cx="339242" cy="339242"/>
-                  <a:chOff x="4153422" y="5445576"/>
-                  <a:chExt cx="339242" cy="339242"/>
                 </a:xfrm>
-              </p:grpSpPr>
-              <p:sp>
-                <p:nvSpPr>
-                  <p:cNvPr id="46" name="Oval 45">
-                    <a:extLst>
-                      <a:ext uri="{FF2B5EF4-FFF2-40B4-BE49-F238E27FC236}">
-                        <a16:creationId xmlns:a16="http://schemas.microsoft.com/office/drawing/2014/main" id="{EE0FB791-D7B3-4F61-B24A-06CC37B456E5}"/>
-                      </a:ext>
-                    </a:extLst>
-                  </p:cNvPr>
-                  <p:cNvSpPr/>
-                  <p:nvPr/>
-                </p:nvSpPr>
-                <p:spPr>
-                  <a:xfrm>
-                    <a:off x="4281252" y="5533062"/>
-                    <a:ext cx="78312" cy="82135"/>
-                  </a:xfrm>
-                  <a:prstGeom prst="ellipse">
-                    <a:avLst/>
-                  </a:prstGeom>
+                <a:prstGeom prst="rect">
+                  <a:avLst/>
+                </a:prstGeom>
+              </p:spPr>
+            </p:pic>
+          </p:grpSp>
+          <p:grpSp>
+            <p:nvGrpSpPr>
+              <p:cNvPr id="29" name="Group 28">
+                <a:extLst>
+                  <a:ext uri="{FF2B5EF4-FFF2-40B4-BE49-F238E27FC236}">
+                    <a16:creationId xmlns:a16="http://schemas.microsoft.com/office/drawing/2014/main" id="{0870A6C5-EC1F-488A-AF87-3CE9EE81B1BD}"/>
+                  </a:ext>
+                </a:extLst>
+              </p:cNvPr>
+              <p:cNvGrpSpPr/>
+              <p:nvPr/>
+            </p:nvGrpSpPr>
+            <p:grpSpPr>
+              <a:xfrm>
+                <a:off x="2734848" y="4881618"/>
+                <a:ext cx="339242" cy="339242"/>
+                <a:chOff x="4153422" y="5445576"/>
+                <a:chExt cx="339242" cy="339242"/>
+              </a:xfrm>
+            </p:grpSpPr>
+            <p:sp>
+              <p:nvSpPr>
+                <p:cNvPr id="42" name="Oval 41">
+                  <a:extLst>
+                    <a:ext uri="{FF2B5EF4-FFF2-40B4-BE49-F238E27FC236}">
+                      <a16:creationId xmlns:a16="http://schemas.microsoft.com/office/drawing/2014/main" id="{18EEE6FF-2C49-429E-8E5E-04375D2C856A}"/>
+                    </a:ext>
+                  </a:extLst>
+                </p:cNvPr>
+                <p:cNvSpPr/>
+                <p:nvPr/>
+              </p:nvSpPr>
+              <p:spPr>
+                <a:xfrm>
+                  <a:off x="4281252" y="5533062"/>
+                  <a:ext cx="78312" cy="82135"/>
+                </a:xfrm>
+                <a:prstGeom prst="ellipse">
+                  <a:avLst/>
+                </a:prstGeom>
+                <a:solidFill>
+                  <a:schemeClr val="bg1"/>
+                </a:solidFill>
+                <a:ln>
                   <a:solidFill>
                     <a:schemeClr val="bg1"/>
                   </a:solidFill>
-                  <a:ln>
-                    <a:solidFill>
-                      <a:schemeClr val="bg1"/>
-                    </a:solidFill>
-                  </a:ln>
-                </p:spPr>
-                <p:style>
-                  <a:lnRef idx="2">
-                    <a:schemeClr val="accent1">
-                      <a:shade val="50000"/>
-                    </a:schemeClr>
-                  </a:lnRef>
-                  <a:fillRef idx="1">
-                    <a:schemeClr val="accent1"/>
-                  </a:fillRef>
-                  <a:effectRef idx="0">
-                    <a:schemeClr val="accent1"/>
-                  </a:effectRef>
-                  <a:fontRef idx="minor">
-                    <a:schemeClr val="lt1"/>
-                  </a:fontRef>
-                </p:style>
-                <p:txBody>
-                  <a:bodyPr rtlCol="0" anchor="ctr"/>
-                  <a:lstStyle/>
-                  <a:p>
-                    <a:pPr algn="ctr"/>
-                    <a:endParaRPr lang="en-US"/>
-                  </a:p>
-                </p:txBody>
-              </p:sp>
-              <p:pic>
-                <p:nvPicPr>
-                  <p:cNvPr id="47" name="Graphic 46" descr="Marker with solid fill">
-                    <a:extLst>
-                      <a:ext uri="{FF2B5EF4-FFF2-40B4-BE49-F238E27FC236}">
-                        <a16:creationId xmlns:a16="http://schemas.microsoft.com/office/drawing/2014/main" id="{637E0D0F-2487-43C2-8313-8336C34CEFD5}"/>
-                      </a:ext>
-                    </a:extLst>
-                  </p:cNvPr>
-                  <p:cNvPicPr>
-                    <a:picLocks noChangeAspect="1"/>
-                  </p:cNvPicPr>
-                  <p:nvPr/>
-                </p:nvPicPr>
-                <p:blipFill>
-                  <a:blip r:embed="rId18">
-                    <a:extLst>
-                      <a:ext uri="{28A0092B-C50C-407E-A947-70E740481C1C}">
-                        <a14:useLocalDpi xmlns:a14="http://schemas.microsoft.com/office/drawing/2010/main" val="0"/>
-                      </a:ext>
-                      <a:ext uri="{96DAC541-7B7A-43D3-8B79-37D633B846F1}">
-                        <asvg:svgBlip xmlns:asvg="http://schemas.microsoft.com/office/drawing/2016/SVG/main" r:embed="rId19"/>
-                      </a:ext>
-                    </a:extLst>
-                  </a:blip>
-                  <a:stretch>
-                    <a:fillRect/>
-                  </a:stretch>
-                </p:blipFill>
-                <p:spPr>
-                  <a:xfrm>
-                    <a:off x="4153422" y="5445576"/>
-                    <a:ext cx="339242" cy="339242"/>
-                  </a:xfrm>
-                  <a:prstGeom prst="rect">
-                    <a:avLst/>
-                  </a:prstGeom>
-                </p:spPr>
-              </p:pic>
-            </p:grpSp>
-            <p:grpSp>
-              <p:nvGrpSpPr>
-                <p:cNvPr id="31" name="Group 30">
+                </a:ln>
+              </p:spPr>
+              <p:style>
+                <a:lnRef idx="2">
+                  <a:schemeClr val="accent1">
+                    <a:shade val="50000"/>
+                  </a:schemeClr>
+                </a:lnRef>
+                <a:fillRef idx="1">
+                  <a:schemeClr val="accent1"/>
+                </a:fillRef>
+                <a:effectRef idx="0">
+                  <a:schemeClr val="accent1"/>
+                </a:effectRef>
+                <a:fontRef idx="minor">
+                  <a:schemeClr val="lt1"/>
+                </a:fontRef>
+              </p:style>
+              <p:txBody>
+                <a:bodyPr rtlCol="0" anchor="ctr"/>
+                <a:lstStyle/>
+                <a:p>
+                  <a:pPr algn="ctr"/>
+                  <a:endParaRPr lang="en-US"/>
+                </a:p>
+              </p:txBody>
+            </p:sp>
+            <p:pic>
+              <p:nvPicPr>
+                <p:cNvPr id="43" name="Graphic 42" descr="Marker with solid fill">
                   <a:extLst>
                     <a:ext uri="{FF2B5EF4-FFF2-40B4-BE49-F238E27FC236}">
-                      <a16:creationId xmlns:a16="http://schemas.microsoft.com/office/drawing/2014/main" id="{D460A8E3-A596-4277-B6D3-10DF70BA95FD}"/>
+                      <a16:creationId xmlns:a16="http://schemas.microsoft.com/office/drawing/2014/main" id="{DF6FE680-4BBA-4900-9897-E39991C164C9}"/>
                     </a:ext>
                   </a:extLst>
                 </p:cNvPr>
-                <p:cNvGrpSpPr/>
+                <p:cNvPicPr>
+                  <a:picLocks noChangeAspect="1"/>
+                </p:cNvPicPr>
                 <p:nvPr/>
-              </p:nvGrpSpPr>
-              <p:grpSpPr>
+              </p:nvPicPr>
+              <p:blipFill>
+                <a:blip r:embed="rId18">
+                  <a:extLst>
+                    <a:ext uri="{28A0092B-C50C-407E-A947-70E740481C1C}">
+                      <a14:useLocalDpi xmlns:a14="http://schemas.microsoft.com/office/drawing/2010/main" val="0"/>
+                    </a:ext>
+                    <a:ext uri="{96DAC541-7B7A-43D3-8B79-37D633B846F1}">
+                      <asvg:svgBlip xmlns:asvg="http://schemas.microsoft.com/office/drawing/2016/SVG/main" r:embed="rId19"/>
+                    </a:ext>
+                  </a:extLst>
+                </a:blip>
+                <a:stretch>
+                  <a:fillRect/>
+                </a:stretch>
+              </p:blipFill>
+              <p:spPr>
                 <a:xfrm>
-                  <a:off x="2734848" y="4881618"/>
+                  <a:off x="4153422" y="5445576"/>
                   <a:ext cx="339242" cy="339242"/>
-                  <a:chOff x="4153422" y="5445576"/>
-                  <a:chExt cx="339242" cy="339242"/>
                 </a:xfrm>
-              </p:grpSpPr>
-              <p:sp>
-                <p:nvSpPr>
-                  <p:cNvPr id="44" name="Oval 43">
-                    <a:extLst>
-                      <a:ext uri="{FF2B5EF4-FFF2-40B4-BE49-F238E27FC236}">
-                        <a16:creationId xmlns:a16="http://schemas.microsoft.com/office/drawing/2014/main" id="{F22AA266-249C-4125-90AB-C78329CE4964}"/>
-                      </a:ext>
-                    </a:extLst>
-                  </p:cNvPr>
-                  <p:cNvSpPr/>
-                  <p:nvPr/>
-                </p:nvSpPr>
-                <p:spPr>
-                  <a:xfrm>
-                    <a:off x="4281252" y="5533062"/>
-                    <a:ext cx="78312" cy="82135"/>
-                  </a:xfrm>
-                  <a:prstGeom prst="ellipse">
-                    <a:avLst/>
-                  </a:prstGeom>
+                <a:prstGeom prst="rect">
+                  <a:avLst/>
+                </a:prstGeom>
+              </p:spPr>
+            </p:pic>
+          </p:grpSp>
+          <p:grpSp>
+            <p:nvGrpSpPr>
+              <p:cNvPr id="30" name="Group 29">
+                <a:extLst>
+                  <a:ext uri="{FF2B5EF4-FFF2-40B4-BE49-F238E27FC236}">
+                    <a16:creationId xmlns:a16="http://schemas.microsoft.com/office/drawing/2014/main" id="{7C706BE2-02D8-4724-9D65-47D111CA7E66}"/>
+                  </a:ext>
+                </a:extLst>
+              </p:cNvPr>
+              <p:cNvGrpSpPr/>
+              <p:nvPr/>
+            </p:nvGrpSpPr>
+            <p:grpSpPr>
+              <a:xfrm>
+                <a:off x="2588930" y="5049492"/>
+                <a:ext cx="339242" cy="339242"/>
+                <a:chOff x="4153422" y="5445576"/>
+                <a:chExt cx="339242" cy="339242"/>
+              </a:xfrm>
+            </p:grpSpPr>
+            <p:sp>
+              <p:nvSpPr>
+                <p:cNvPr id="40" name="Oval 39">
+                  <a:extLst>
+                    <a:ext uri="{FF2B5EF4-FFF2-40B4-BE49-F238E27FC236}">
+                      <a16:creationId xmlns:a16="http://schemas.microsoft.com/office/drawing/2014/main" id="{E9423FC6-8EC3-42B0-A35A-04B7824ABBA8}"/>
+                    </a:ext>
+                  </a:extLst>
+                </p:cNvPr>
+                <p:cNvSpPr/>
+                <p:nvPr/>
+              </p:nvSpPr>
+              <p:spPr>
+                <a:xfrm>
+                  <a:off x="4281252" y="5533062"/>
+                  <a:ext cx="78312" cy="82135"/>
+                </a:xfrm>
+                <a:prstGeom prst="ellipse">
+                  <a:avLst/>
+                </a:prstGeom>
+                <a:solidFill>
+                  <a:schemeClr val="bg1"/>
+                </a:solidFill>
+                <a:ln>
                   <a:solidFill>
                     <a:schemeClr val="bg1"/>
                   </a:solidFill>
-                  <a:ln>
-                    <a:solidFill>
-                      <a:schemeClr val="bg1"/>
-                    </a:solidFill>
-                  </a:ln>
-                </p:spPr>
-                <p:style>
-                  <a:lnRef idx="2">
-                    <a:schemeClr val="accent1">
-                      <a:shade val="50000"/>
-                    </a:schemeClr>
-                  </a:lnRef>
-                  <a:fillRef idx="1">
-                    <a:schemeClr val="accent1"/>
-                  </a:fillRef>
-                  <a:effectRef idx="0">
-                    <a:schemeClr val="accent1"/>
-                  </a:effectRef>
-                  <a:fontRef idx="minor">
-                    <a:schemeClr val="lt1"/>
-                  </a:fontRef>
-                </p:style>
-                <p:txBody>
-                  <a:bodyPr rtlCol="0" anchor="ctr"/>
-                  <a:lstStyle/>
-                  <a:p>
-                    <a:pPr algn="ctr"/>
-                    <a:endParaRPr lang="en-US"/>
-                  </a:p>
-                </p:txBody>
-              </p:sp>
-              <p:pic>
-                <p:nvPicPr>
-                  <p:cNvPr id="45" name="Graphic 44" descr="Marker with solid fill">
-                    <a:extLst>
-                      <a:ext uri="{FF2B5EF4-FFF2-40B4-BE49-F238E27FC236}">
-                        <a16:creationId xmlns:a16="http://schemas.microsoft.com/office/drawing/2014/main" id="{426222B9-99C2-4A2D-A2F5-F370FD923468}"/>
-                      </a:ext>
-                    </a:extLst>
-                  </p:cNvPr>
-                  <p:cNvPicPr>
-                    <a:picLocks noChangeAspect="1"/>
-                  </p:cNvPicPr>
-                  <p:nvPr/>
-                </p:nvPicPr>
-                <p:blipFill>
-                  <a:blip r:embed="rId18">
-                    <a:extLst>
-                      <a:ext uri="{28A0092B-C50C-407E-A947-70E740481C1C}">
-                        <a14:useLocalDpi xmlns:a14="http://schemas.microsoft.com/office/drawing/2010/main" val="0"/>
-                      </a:ext>
-                      <a:ext uri="{96DAC541-7B7A-43D3-8B79-37D633B846F1}">
-                        <asvg:svgBlip xmlns:asvg="http://schemas.microsoft.com/office/drawing/2016/SVG/main" r:embed="rId19"/>
-                      </a:ext>
-                    </a:extLst>
-                  </a:blip>
-                  <a:stretch>
-                    <a:fillRect/>
-                  </a:stretch>
-                </p:blipFill>
-                <p:spPr>
-                  <a:xfrm>
-                    <a:off x="4153422" y="5445576"/>
-                    <a:ext cx="339242" cy="339242"/>
-                  </a:xfrm>
-                  <a:prstGeom prst="rect">
-                    <a:avLst/>
-                  </a:prstGeom>
-                </p:spPr>
-              </p:pic>
-            </p:grpSp>
-            <p:grpSp>
-              <p:nvGrpSpPr>
-                <p:cNvPr id="32" name="Group 31">
+                </a:ln>
+              </p:spPr>
+              <p:style>
+                <a:lnRef idx="2">
+                  <a:schemeClr val="accent1">
+                    <a:shade val="50000"/>
+                  </a:schemeClr>
+                </a:lnRef>
+                <a:fillRef idx="1">
+                  <a:schemeClr val="accent1"/>
+                </a:fillRef>
+                <a:effectRef idx="0">
+                  <a:schemeClr val="accent1"/>
+                </a:effectRef>
+                <a:fontRef idx="minor">
+                  <a:schemeClr val="lt1"/>
+                </a:fontRef>
+              </p:style>
+              <p:txBody>
+                <a:bodyPr rtlCol="0" anchor="ctr"/>
+                <a:lstStyle/>
+                <a:p>
+                  <a:pPr algn="ctr"/>
+                  <a:endParaRPr lang="en-US"/>
+                </a:p>
+              </p:txBody>
+            </p:sp>
+            <p:pic>
+              <p:nvPicPr>
+                <p:cNvPr id="41" name="Graphic 40" descr="Marker with solid fill">
                   <a:extLst>
                     <a:ext uri="{FF2B5EF4-FFF2-40B4-BE49-F238E27FC236}">
-                      <a16:creationId xmlns:a16="http://schemas.microsoft.com/office/drawing/2014/main" id="{C0C671A7-C4DA-427F-87B0-2AAC63A5368A}"/>
+                      <a16:creationId xmlns:a16="http://schemas.microsoft.com/office/drawing/2014/main" id="{04A490D6-7100-4EF0-A351-32841D08C5BE}"/>
                     </a:ext>
                   </a:extLst>
                 </p:cNvPr>
-                <p:cNvGrpSpPr/>
+                <p:cNvPicPr>
+                  <a:picLocks noChangeAspect="1"/>
+                </p:cNvPicPr>
                 <p:nvPr/>
-              </p:nvGrpSpPr>
-              <p:grpSpPr>
+              </p:nvPicPr>
+              <p:blipFill>
+                <a:blip r:embed="rId18">
+                  <a:extLst>
+                    <a:ext uri="{28A0092B-C50C-407E-A947-70E740481C1C}">
+                      <a14:useLocalDpi xmlns:a14="http://schemas.microsoft.com/office/drawing/2010/main" val="0"/>
+                    </a:ext>
+                    <a:ext uri="{96DAC541-7B7A-43D3-8B79-37D633B846F1}">
+                      <asvg:svgBlip xmlns:asvg="http://schemas.microsoft.com/office/drawing/2016/SVG/main" r:embed="rId19"/>
+                    </a:ext>
+                  </a:extLst>
+                </a:blip>
+                <a:stretch>
+                  <a:fillRect/>
+                </a:stretch>
+              </p:blipFill>
+              <p:spPr>
                 <a:xfrm>
-                  <a:off x="2588930" y="5049492"/>
+                  <a:off x="4153422" y="5445576"/>
                   <a:ext cx="339242" cy="339242"/>
-                  <a:chOff x="4153422" y="5445576"/>
-                  <a:chExt cx="339242" cy="339242"/>
                 </a:xfrm>
-              </p:grpSpPr>
-              <p:sp>
-                <p:nvSpPr>
-                  <p:cNvPr id="42" name="Oval 41">
-                    <a:extLst>
-                      <a:ext uri="{FF2B5EF4-FFF2-40B4-BE49-F238E27FC236}">
-                        <a16:creationId xmlns:a16="http://schemas.microsoft.com/office/drawing/2014/main" id="{23FC318D-05CC-4D59-9035-F8D01340FF8D}"/>
-                      </a:ext>
-                    </a:extLst>
-                  </p:cNvPr>
-                  <p:cNvSpPr/>
-                  <p:nvPr/>
-                </p:nvSpPr>
-                <p:spPr>
-                  <a:xfrm>
-                    <a:off x="4281252" y="5533062"/>
-                    <a:ext cx="78312" cy="82135"/>
-                  </a:xfrm>
-                  <a:prstGeom prst="ellipse">
-                    <a:avLst/>
-                  </a:prstGeom>
+                <a:prstGeom prst="rect">
+                  <a:avLst/>
+                </a:prstGeom>
+              </p:spPr>
+            </p:pic>
+          </p:grpSp>
+          <p:grpSp>
+            <p:nvGrpSpPr>
+              <p:cNvPr id="31" name="Group 30">
+                <a:extLst>
+                  <a:ext uri="{FF2B5EF4-FFF2-40B4-BE49-F238E27FC236}">
+                    <a16:creationId xmlns:a16="http://schemas.microsoft.com/office/drawing/2014/main" id="{CF3830EE-3AF0-4725-9DA8-83B7EF7C05D2}"/>
+                  </a:ext>
+                </a:extLst>
+              </p:cNvPr>
+              <p:cNvGrpSpPr/>
+              <p:nvPr/>
+            </p:nvGrpSpPr>
+            <p:grpSpPr>
+              <a:xfrm>
+                <a:off x="2309856" y="4725490"/>
+                <a:ext cx="339242" cy="339242"/>
+                <a:chOff x="4153422" y="5445576"/>
+                <a:chExt cx="339242" cy="339242"/>
+              </a:xfrm>
+            </p:grpSpPr>
+            <p:sp>
+              <p:nvSpPr>
+                <p:cNvPr id="38" name="Oval 37">
+                  <a:extLst>
+                    <a:ext uri="{FF2B5EF4-FFF2-40B4-BE49-F238E27FC236}">
+                      <a16:creationId xmlns:a16="http://schemas.microsoft.com/office/drawing/2014/main" id="{7C541B6D-5793-40BB-9293-80A7C88B631C}"/>
+                    </a:ext>
+                  </a:extLst>
+                </p:cNvPr>
+                <p:cNvSpPr/>
+                <p:nvPr/>
+              </p:nvSpPr>
+              <p:spPr>
+                <a:xfrm>
+                  <a:off x="4281252" y="5533062"/>
+                  <a:ext cx="78312" cy="82135"/>
+                </a:xfrm>
+                <a:prstGeom prst="ellipse">
+                  <a:avLst/>
+                </a:prstGeom>
+                <a:solidFill>
+                  <a:schemeClr val="bg1"/>
+                </a:solidFill>
+                <a:ln>
                   <a:solidFill>
                     <a:schemeClr val="bg1"/>
                   </a:solidFill>
-                  <a:ln>
-                    <a:solidFill>
-                      <a:schemeClr val="bg1"/>
-                    </a:solidFill>
-                  </a:ln>
-                </p:spPr>
-                <p:style>
-                  <a:lnRef idx="2">
-                    <a:schemeClr val="accent1">
-                      <a:shade val="50000"/>
-                    </a:schemeClr>
-                  </a:lnRef>
-                  <a:fillRef idx="1">
-                    <a:schemeClr val="accent1"/>
-                  </a:fillRef>
-                  <a:effectRef idx="0">
-                    <a:schemeClr val="accent1"/>
-                  </a:effectRef>
-                  <a:fontRef idx="minor">
-                    <a:schemeClr val="lt1"/>
-                  </a:fontRef>
-                </p:style>
-                <p:txBody>
-                  <a:bodyPr rtlCol="0" anchor="ctr"/>
-                  <a:lstStyle/>
-                  <a:p>
-                    <a:pPr algn="ctr"/>
-                    <a:endParaRPr lang="en-US"/>
-                  </a:p>
-                </p:txBody>
-              </p:sp>
-              <p:pic>
-                <p:nvPicPr>
-                  <p:cNvPr id="43" name="Graphic 42" descr="Marker with solid fill">
-                    <a:extLst>
-                      <a:ext uri="{FF2B5EF4-FFF2-40B4-BE49-F238E27FC236}">
-                        <a16:creationId xmlns:a16="http://schemas.microsoft.com/office/drawing/2014/main" id="{E3000499-1244-40E9-A504-FD24AAAEC75E}"/>
-                      </a:ext>
-                    </a:extLst>
-                  </p:cNvPr>
-                  <p:cNvPicPr>
-                    <a:picLocks noChangeAspect="1"/>
-                  </p:cNvPicPr>
-                  <p:nvPr/>
-                </p:nvPicPr>
-                <p:blipFill>
-                  <a:blip r:embed="rId18">
-                    <a:extLst>
-                      <a:ext uri="{28A0092B-C50C-407E-A947-70E740481C1C}">
-                        <a14:useLocalDpi xmlns:a14="http://schemas.microsoft.com/office/drawing/2010/main" val="0"/>
-                      </a:ext>
-                      <a:ext uri="{96DAC541-7B7A-43D3-8B79-37D633B846F1}">
-                        <asvg:svgBlip xmlns:asvg="http://schemas.microsoft.com/office/drawing/2016/SVG/main" r:embed="rId19"/>
-                      </a:ext>
-                    </a:extLst>
-                  </a:blip>
-                  <a:stretch>
-                    <a:fillRect/>
-                  </a:stretch>
-                </p:blipFill>
-                <p:spPr>
-                  <a:xfrm>
-                    <a:off x="4153422" y="5445576"/>
-                    <a:ext cx="339242" cy="339242"/>
-                  </a:xfrm>
-                  <a:prstGeom prst="rect">
-                    <a:avLst/>
-                  </a:prstGeom>
-                </p:spPr>
-              </p:pic>
-            </p:grpSp>
-            <p:grpSp>
-              <p:nvGrpSpPr>
-                <p:cNvPr id="33" name="Group 32">
+                </a:ln>
+              </p:spPr>
+              <p:style>
+                <a:lnRef idx="2">
+                  <a:schemeClr val="accent1">
+                    <a:shade val="50000"/>
+                  </a:schemeClr>
+                </a:lnRef>
+                <a:fillRef idx="1">
+                  <a:schemeClr val="accent1"/>
+                </a:fillRef>
+                <a:effectRef idx="0">
+                  <a:schemeClr val="accent1"/>
+                </a:effectRef>
+                <a:fontRef idx="minor">
+                  <a:schemeClr val="lt1"/>
+                </a:fontRef>
+              </p:style>
+              <p:txBody>
+                <a:bodyPr rtlCol="0" anchor="ctr"/>
+                <a:lstStyle/>
+                <a:p>
+                  <a:pPr algn="ctr"/>
+                  <a:endParaRPr lang="en-US"/>
+                </a:p>
+              </p:txBody>
+            </p:sp>
+            <p:pic>
+              <p:nvPicPr>
+                <p:cNvPr id="39" name="Graphic 38" descr="Marker with solid fill">
                   <a:extLst>
                     <a:ext uri="{FF2B5EF4-FFF2-40B4-BE49-F238E27FC236}">
-                      <a16:creationId xmlns:a16="http://schemas.microsoft.com/office/drawing/2014/main" id="{CA8624BE-A6AE-45FB-9BEF-2880E279BB21}"/>
+                      <a16:creationId xmlns:a16="http://schemas.microsoft.com/office/drawing/2014/main" id="{CE261C5E-4048-4493-9E2B-CF33240CB2E3}"/>
                     </a:ext>
                   </a:extLst>
                 </p:cNvPr>
-                <p:cNvGrpSpPr/>
+                <p:cNvPicPr>
+                  <a:picLocks noChangeAspect="1"/>
+                </p:cNvPicPr>
                 <p:nvPr/>
-              </p:nvGrpSpPr>
-              <p:grpSpPr>
+              </p:nvPicPr>
+              <p:blipFill>
+                <a:blip r:embed="rId18">
+                  <a:extLst>
+                    <a:ext uri="{28A0092B-C50C-407E-A947-70E740481C1C}">
+                      <a14:useLocalDpi xmlns:a14="http://schemas.microsoft.com/office/drawing/2010/main" val="0"/>
+                    </a:ext>
+                    <a:ext uri="{96DAC541-7B7A-43D3-8B79-37D633B846F1}">
+                      <asvg:svgBlip xmlns:asvg="http://schemas.microsoft.com/office/drawing/2016/SVG/main" r:embed="rId19"/>
+                    </a:ext>
+                  </a:extLst>
+                </a:blip>
+                <a:stretch>
+                  <a:fillRect/>
+                </a:stretch>
+              </p:blipFill>
+              <p:spPr>
                 <a:xfrm>
-                  <a:off x="2309856" y="4725490"/>
+                  <a:off x="4153422" y="5445576"/>
                   <a:ext cx="339242" cy="339242"/>
-                  <a:chOff x="4153422" y="5445576"/>
-                  <a:chExt cx="339242" cy="339242"/>
                 </a:xfrm>
-              </p:grpSpPr>
-              <p:sp>
-                <p:nvSpPr>
-                  <p:cNvPr id="40" name="Oval 39">
-                    <a:extLst>
-                      <a:ext uri="{FF2B5EF4-FFF2-40B4-BE49-F238E27FC236}">
-                        <a16:creationId xmlns:a16="http://schemas.microsoft.com/office/drawing/2014/main" id="{397A6AFF-6809-417C-98A1-70949614620A}"/>
-                      </a:ext>
-                    </a:extLst>
-                  </p:cNvPr>
-                  <p:cNvSpPr/>
-                  <p:nvPr/>
-                </p:nvSpPr>
-                <p:spPr>
-                  <a:xfrm>
-                    <a:off x="4281252" y="5533062"/>
-                    <a:ext cx="78312" cy="82135"/>
-                  </a:xfrm>
-                  <a:prstGeom prst="ellipse">
-                    <a:avLst/>
-                  </a:prstGeom>
+                <a:prstGeom prst="rect">
+                  <a:avLst/>
+                </a:prstGeom>
+              </p:spPr>
+            </p:pic>
+          </p:grpSp>
+          <p:grpSp>
+            <p:nvGrpSpPr>
+              <p:cNvPr id="32" name="Group 31">
+                <a:extLst>
+                  <a:ext uri="{FF2B5EF4-FFF2-40B4-BE49-F238E27FC236}">
+                    <a16:creationId xmlns:a16="http://schemas.microsoft.com/office/drawing/2014/main" id="{4A807FBA-5EF2-42DD-B1FC-FF2FC05AE908}"/>
+                  </a:ext>
+                </a:extLst>
+              </p:cNvPr>
+              <p:cNvGrpSpPr/>
+              <p:nvPr/>
+            </p:nvGrpSpPr>
+            <p:grpSpPr>
+              <a:xfrm>
+                <a:off x="2123491" y="4506831"/>
+                <a:ext cx="339242" cy="339242"/>
+                <a:chOff x="4153422" y="5445576"/>
+                <a:chExt cx="339242" cy="339242"/>
+              </a:xfrm>
+            </p:grpSpPr>
+            <p:sp>
+              <p:nvSpPr>
+                <p:cNvPr id="36" name="Oval 35">
+                  <a:extLst>
+                    <a:ext uri="{FF2B5EF4-FFF2-40B4-BE49-F238E27FC236}">
+                      <a16:creationId xmlns:a16="http://schemas.microsoft.com/office/drawing/2014/main" id="{FC033299-3129-45C5-8032-DE02E158E51D}"/>
+                    </a:ext>
+                  </a:extLst>
+                </p:cNvPr>
+                <p:cNvSpPr/>
+                <p:nvPr/>
+              </p:nvSpPr>
+              <p:spPr>
+                <a:xfrm>
+                  <a:off x="4281252" y="5533062"/>
+                  <a:ext cx="78312" cy="82135"/>
+                </a:xfrm>
+                <a:prstGeom prst="ellipse">
+                  <a:avLst/>
+                </a:prstGeom>
+                <a:solidFill>
+                  <a:schemeClr val="bg1"/>
+                </a:solidFill>
+                <a:ln>
                   <a:solidFill>
                     <a:schemeClr val="bg1"/>
                   </a:solidFill>
-                  <a:ln>
-                    <a:solidFill>
-                      <a:schemeClr val="bg1"/>
-                    </a:solidFill>
-                  </a:ln>
-                </p:spPr>
-                <p:style>
-                  <a:lnRef idx="2">
-                    <a:schemeClr val="accent1">
-                      <a:shade val="50000"/>
-                    </a:schemeClr>
-                  </a:lnRef>
-                  <a:fillRef idx="1">
-                    <a:schemeClr val="accent1"/>
-                  </a:fillRef>
-                  <a:effectRef idx="0">
-                    <a:schemeClr val="accent1"/>
-                  </a:effectRef>
-                  <a:fontRef idx="minor">
-                    <a:schemeClr val="lt1"/>
-                  </a:fontRef>
-                </p:style>
-                <p:txBody>
-                  <a:bodyPr rtlCol="0" anchor="ctr"/>
-                  <a:lstStyle/>
-                  <a:p>
-                    <a:pPr algn="ctr"/>
-                    <a:endParaRPr lang="en-US"/>
-                  </a:p>
-                </p:txBody>
-              </p:sp>
-              <p:pic>
-                <p:nvPicPr>
-                  <p:cNvPr id="41" name="Graphic 40" descr="Marker with solid fill">
-                    <a:extLst>
-                      <a:ext uri="{FF2B5EF4-FFF2-40B4-BE49-F238E27FC236}">
-                        <a16:creationId xmlns:a16="http://schemas.microsoft.com/office/drawing/2014/main" id="{4A0D34FD-E097-4835-824F-9C1E63273889}"/>
-                      </a:ext>
-                    </a:extLst>
-                  </p:cNvPr>
-                  <p:cNvPicPr>
-                    <a:picLocks noChangeAspect="1"/>
-                  </p:cNvPicPr>
-                  <p:nvPr/>
-                </p:nvPicPr>
-                <p:blipFill>
-                  <a:blip r:embed="rId18">
-                    <a:extLst>
-                      <a:ext uri="{28A0092B-C50C-407E-A947-70E740481C1C}">
-                        <a14:useLocalDpi xmlns:a14="http://schemas.microsoft.com/office/drawing/2010/main" val="0"/>
-                      </a:ext>
-                      <a:ext uri="{96DAC541-7B7A-43D3-8B79-37D633B846F1}">
-                        <asvg:svgBlip xmlns:asvg="http://schemas.microsoft.com/office/drawing/2016/SVG/main" r:embed="rId19"/>
-                      </a:ext>
-                    </a:extLst>
-                  </a:blip>
-                  <a:stretch>
-                    <a:fillRect/>
-                  </a:stretch>
-                </p:blipFill>
-                <p:spPr>
-                  <a:xfrm>
-                    <a:off x="4153422" y="5445576"/>
-                    <a:ext cx="339242" cy="339242"/>
-                  </a:xfrm>
-                  <a:prstGeom prst="rect">
-                    <a:avLst/>
-                  </a:prstGeom>
-                </p:spPr>
-              </p:pic>
-            </p:grpSp>
-            <p:grpSp>
-              <p:nvGrpSpPr>
-                <p:cNvPr id="34" name="Group 33">
+                </a:ln>
+              </p:spPr>
+              <p:style>
+                <a:lnRef idx="2">
+                  <a:schemeClr val="accent1">
+                    <a:shade val="50000"/>
+                  </a:schemeClr>
+                </a:lnRef>
+                <a:fillRef idx="1">
+                  <a:schemeClr val="accent1"/>
+                </a:fillRef>
+                <a:effectRef idx="0">
+                  <a:schemeClr val="accent1"/>
+                </a:effectRef>
+                <a:fontRef idx="minor">
+                  <a:schemeClr val="lt1"/>
+                </a:fontRef>
+              </p:style>
+              <p:txBody>
+                <a:bodyPr rtlCol="0" anchor="ctr"/>
+                <a:lstStyle/>
+                <a:p>
+                  <a:pPr algn="ctr"/>
+                  <a:endParaRPr lang="en-US"/>
+                </a:p>
+              </p:txBody>
+            </p:sp>
+            <p:pic>
+              <p:nvPicPr>
+                <p:cNvPr id="37" name="Graphic 36" descr="Marker with solid fill">
                   <a:extLst>
                     <a:ext uri="{FF2B5EF4-FFF2-40B4-BE49-F238E27FC236}">
-                      <a16:creationId xmlns:a16="http://schemas.microsoft.com/office/drawing/2014/main" id="{EC4DAE07-5F64-4E47-8C94-ADCEEE878EE3}"/>
+                      <a16:creationId xmlns:a16="http://schemas.microsoft.com/office/drawing/2014/main" id="{EF3C4C61-3EE1-4CBF-8B6C-19CA27601926}"/>
                     </a:ext>
                   </a:extLst>
                 </p:cNvPr>
-                <p:cNvGrpSpPr/>
+                <p:cNvPicPr>
+                  <a:picLocks noChangeAspect="1"/>
+                </p:cNvPicPr>
                 <p:nvPr/>
-              </p:nvGrpSpPr>
-              <p:grpSpPr>
+              </p:nvPicPr>
+              <p:blipFill>
+                <a:blip r:embed="rId18">
+                  <a:extLst>
+                    <a:ext uri="{28A0092B-C50C-407E-A947-70E740481C1C}">
+                      <a14:useLocalDpi xmlns:a14="http://schemas.microsoft.com/office/drawing/2010/main" val="0"/>
+                    </a:ext>
+                    <a:ext uri="{96DAC541-7B7A-43D3-8B79-37D633B846F1}">
+                      <asvg:svgBlip xmlns:asvg="http://schemas.microsoft.com/office/drawing/2016/SVG/main" r:embed="rId19"/>
+                    </a:ext>
+                  </a:extLst>
+                </a:blip>
+                <a:stretch>
+                  <a:fillRect/>
+                </a:stretch>
+              </p:blipFill>
+              <p:spPr>
                 <a:xfrm>
-                  <a:off x="2123491" y="4506831"/>
+                  <a:off x="4153422" y="5445576"/>
                   <a:ext cx="339242" cy="339242"/>
-                  <a:chOff x="4153422" y="5445576"/>
-                  <a:chExt cx="339242" cy="339242"/>
                 </a:xfrm>
-              </p:grpSpPr>
-              <p:sp>
-                <p:nvSpPr>
-                  <p:cNvPr id="38" name="Oval 37">
-                    <a:extLst>
-                      <a:ext uri="{FF2B5EF4-FFF2-40B4-BE49-F238E27FC236}">
-                        <a16:creationId xmlns:a16="http://schemas.microsoft.com/office/drawing/2014/main" id="{33BED65F-B486-446E-A714-B1DFB0CB1CA3}"/>
-                      </a:ext>
-                    </a:extLst>
-                  </p:cNvPr>
-                  <p:cNvSpPr/>
-                  <p:nvPr/>
-                </p:nvSpPr>
-                <p:spPr>
-                  <a:xfrm>
-                    <a:off x="4281252" y="5533062"/>
-                    <a:ext cx="78312" cy="82135"/>
-                  </a:xfrm>
-                  <a:prstGeom prst="ellipse">
-                    <a:avLst/>
-                  </a:prstGeom>
+                <a:prstGeom prst="rect">
+                  <a:avLst/>
+                </a:prstGeom>
+              </p:spPr>
+            </p:pic>
+          </p:grpSp>
+          <p:grpSp>
+            <p:nvGrpSpPr>
+              <p:cNvPr id="33" name="Group 32">
+                <a:extLst>
+                  <a:ext uri="{FF2B5EF4-FFF2-40B4-BE49-F238E27FC236}">
+                    <a16:creationId xmlns:a16="http://schemas.microsoft.com/office/drawing/2014/main" id="{61355342-7790-48DA-96E3-696A2E5054B8}"/>
+                  </a:ext>
+                </a:extLst>
+              </p:cNvPr>
+              <p:cNvGrpSpPr/>
+              <p:nvPr/>
+            </p:nvGrpSpPr>
+            <p:grpSpPr>
+              <a:xfrm>
+                <a:off x="2506715" y="4745292"/>
+                <a:ext cx="339242" cy="339242"/>
+                <a:chOff x="4153422" y="5445576"/>
+                <a:chExt cx="339242" cy="339242"/>
+              </a:xfrm>
+            </p:grpSpPr>
+            <p:sp>
+              <p:nvSpPr>
+                <p:cNvPr id="34" name="Oval 33">
+                  <a:extLst>
+                    <a:ext uri="{FF2B5EF4-FFF2-40B4-BE49-F238E27FC236}">
+                      <a16:creationId xmlns:a16="http://schemas.microsoft.com/office/drawing/2014/main" id="{97EB105A-EA28-414F-B460-81D9788D797F}"/>
+                    </a:ext>
+                  </a:extLst>
+                </p:cNvPr>
+                <p:cNvSpPr/>
+                <p:nvPr/>
+              </p:nvSpPr>
+              <p:spPr>
+                <a:xfrm>
+                  <a:off x="4281252" y="5533062"/>
+                  <a:ext cx="78312" cy="82135"/>
+                </a:xfrm>
+                <a:prstGeom prst="ellipse">
+                  <a:avLst/>
+                </a:prstGeom>
+                <a:solidFill>
+                  <a:schemeClr val="bg1"/>
+                </a:solidFill>
+                <a:ln>
                   <a:solidFill>
                     <a:schemeClr val="bg1"/>
                   </a:solidFill>
-                  <a:ln>
-                    <a:solidFill>
-                      <a:schemeClr val="bg1"/>
-                    </a:solidFill>
-                  </a:ln>
-                </p:spPr>
-                <p:style>
-                  <a:lnRef idx="2">
-                    <a:schemeClr val="accent1">
-                      <a:shade val="50000"/>
-                    </a:schemeClr>
-                  </a:lnRef>
-                  <a:fillRef idx="1">
-                    <a:schemeClr val="accent1"/>
-                  </a:fillRef>
-                  <a:effectRef idx="0">
-                    <a:schemeClr val="accent1"/>
-                  </a:effectRef>
-                  <a:fontRef idx="minor">
-                    <a:schemeClr val="lt1"/>
-                  </a:fontRef>
-                </p:style>
-                <p:txBody>
-                  <a:bodyPr rtlCol="0" anchor="ctr"/>
-                  <a:lstStyle/>
-                  <a:p>
-                    <a:pPr algn="ctr"/>
-                    <a:endParaRPr lang="en-US"/>
-                  </a:p>
-                </p:txBody>
-              </p:sp>
-              <p:pic>
-                <p:nvPicPr>
-                  <p:cNvPr id="39" name="Graphic 38" descr="Marker with solid fill">
-                    <a:extLst>
-                      <a:ext uri="{FF2B5EF4-FFF2-40B4-BE49-F238E27FC236}">
-                        <a16:creationId xmlns:a16="http://schemas.microsoft.com/office/drawing/2014/main" id="{F8FF2FD1-0A67-4635-89D2-1B3590486512}"/>
-                      </a:ext>
-                    </a:extLst>
-                  </p:cNvPr>
-                  <p:cNvPicPr>
-                    <a:picLocks noChangeAspect="1"/>
-                  </p:cNvPicPr>
-                  <p:nvPr/>
-                </p:nvPicPr>
-                <p:blipFill>
-                  <a:blip r:embed="rId18">
-                    <a:extLst>
-                      <a:ext uri="{28A0092B-C50C-407E-A947-70E740481C1C}">
-                        <a14:useLocalDpi xmlns:a14="http://schemas.microsoft.com/office/drawing/2010/main" val="0"/>
-                      </a:ext>
-                      <a:ext uri="{96DAC541-7B7A-43D3-8B79-37D633B846F1}">
-                        <asvg:svgBlip xmlns:asvg="http://schemas.microsoft.com/office/drawing/2016/SVG/main" r:embed="rId19"/>
-                      </a:ext>
-                    </a:extLst>
-                  </a:blip>
-                  <a:stretch>
-                    <a:fillRect/>
-                  </a:stretch>
-                </p:blipFill>
-                <p:spPr>
-                  <a:xfrm>
-                    <a:off x="4153422" y="5445576"/>
-                    <a:ext cx="339242" cy="339242"/>
-                  </a:xfrm>
-                  <a:prstGeom prst="rect">
-                    <a:avLst/>
-                  </a:prstGeom>
-                </p:spPr>
-              </p:pic>
-            </p:grpSp>
-            <p:grpSp>
-              <p:nvGrpSpPr>
-                <p:cNvPr id="35" name="Group 34">
+                </a:ln>
+              </p:spPr>
+              <p:style>
+                <a:lnRef idx="2">
+                  <a:schemeClr val="accent1">
+                    <a:shade val="50000"/>
+                  </a:schemeClr>
+                </a:lnRef>
+                <a:fillRef idx="1">
+                  <a:schemeClr val="accent1"/>
+                </a:fillRef>
+                <a:effectRef idx="0">
+                  <a:schemeClr val="accent1"/>
+                </a:effectRef>
+                <a:fontRef idx="minor">
+                  <a:schemeClr val="lt1"/>
+                </a:fontRef>
+              </p:style>
+              <p:txBody>
+                <a:bodyPr rtlCol="0" anchor="ctr"/>
+                <a:lstStyle/>
+                <a:p>
+                  <a:pPr algn="ctr"/>
+                  <a:endParaRPr lang="en-US"/>
+                </a:p>
+              </p:txBody>
+            </p:sp>
+            <p:pic>
+              <p:nvPicPr>
+                <p:cNvPr id="35" name="Graphic 34" descr="Marker with solid fill">
                   <a:extLst>
                     <a:ext uri="{FF2B5EF4-FFF2-40B4-BE49-F238E27FC236}">
-                      <a16:creationId xmlns:a16="http://schemas.microsoft.com/office/drawing/2014/main" id="{0E8AE2AE-7932-4A23-9383-84158CBD0D15}"/>
+                      <a16:creationId xmlns:a16="http://schemas.microsoft.com/office/drawing/2014/main" id="{A8DB875C-3E48-4744-BFB2-168DECD538AB}"/>
                     </a:ext>
                   </a:extLst>
                 </p:cNvPr>
-                <p:cNvGrpSpPr/>
+                <p:cNvPicPr>
+                  <a:picLocks noChangeAspect="1"/>
+                </p:cNvPicPr>
                 <p:nvPr/>
-              </p:nvGrpSpPr>
-              <p:grpSpPr>
+              </p:nvPicPr>
+              <p:blipFill>
+                <a:blip r:embed="rId18">
+                  <a:extLst>
+                    <a:ext uri="{28A0092B-C50C-407E-A947-70E740481C1C}">
+                      <a14:useLocalDpi xmlns:a14="http://schemas.microsoft.com/office/drawing/2010/main" val="0"/>
+                    </a:ext>
+                    <a:ext uri="{96DAC541-7B7A-43D3-8B79-37D633B846F1}">
+                      <asvg:svgBlip xmlns:asvg="http://schemas.microsoft.com/office/drawing/2016/SVG/main" r:embed="rId19"/>
+                    </a:ext>
+                  </a:extLst>
+                </a:blip>
+                <a:stretch>
+                  <a:fillRect/>
+                </a:stretch>
+              </p:blipFill>
+              <p:spPr>
                 <a:xfrm>
-                  <a:off x="2506715" y="4745292"/>
+                  <a:off x="4153422" y="5445576"/>
                   <a:ext cx="339242" cy="339242"/>
-                  <a:chOff x="4153422" y="5445576"/>
-                  <a:chExt cx="339242" cy="339242"/>
                 </a:xfrm>
-              </p:grpSpPr>
-              <p:sp>
-                <p:nvSpPr>
-                  <p:cNvPr id="36" name="Oval 35">
-                    <a:extLst>
-                      <a:ext uri="{FF2B5EF4-FFF2-40B4-BE49-F238E27FC236}">
-                        <a16:creationId xmlns:a16="http://schemas.microsoft.com/office/drawing/2014/main" id="{96FFFD4C-631B-44D7-81C3-17D170D15B32}"/>
-                      </a:ext>
-                    </a:extLst>
-                  </p:cNvPr>
-                  <p:cNvSpPr/>
-                  <p:nvPr/>
-                </p:nvSpPr>
-                <p:spPr>
-                  <a:xfrm>
-                    <a:off x="4281252" y="5533062"/>
-                    <a:ext cx="78312" cy="82135"/>
-                  </a:xfrm>
-                  <a:prstGeom prst="ellipse">
-                    <a:avLst/>
-                  </a:prstGeom>
-                  <a:solidFill>
-                    <a:schemeClr val="bg1"/>
-                  </a:solidFill>
-                  <a:ln>
-                    <a:solidFill>
-                      <a:schemeClr val="bg1"/>
-                    </a:solidFill>
-                  </a:ln>
-                </p:spPr>
-                <p:style>
-                  <a:lnRef idx="2">
-                    <a:schemeClr val="accent1">
-                      <a:shade val="50000"/>
-                    </a:schemeClr>
-                  </a:lnRef>
-                  <a:fillRef idx="1">
-                    <a:schemeClr val="accent1"/>
-                  </a:fillRef>
-                  <a:effectRef idx="0">
-                    <a:schemeClr val="accent1"/>
-                  </a:effectRef>
-                  <a:fontRef idx="minor">
-                    <a:schemeClr val="lt1"/>
-                  </a:fontRef>
-                </p:style>
-                <p:txBody>
-                  <a:bodyPr rtlCol="0" anchor="ctr"/>
-                  <a:lstStyle/>
-                  <a:p>
-                    <a:pPr algn="ctr"/>
-                    <a:endParaRPr lang="en-US"/>
-                  </a:p>
-                </p:txBody>
-              </p:sp>
-              <p:pic>
-                <p:nvPicPr>
-                  <p:cNvPr id="37" name="Graphic 36" descr="Marker with solid fill">
-                    <a:extLst>
-                      <a:ext uri="{FF2B5EF4-FFF2-40B4-BE49-F238E27FC236}">
-                        <a16:creationId xmlns:a16="http://schemas.microsoft.com/office/drawing/2014/main" id="{9E98F728-3F0B-4E0A-BB91-4DDB04D3C045}"/>
-                      </a:ext>
-                    </a:extLst>
-                  </p:cNvPr>
-                  <p:cNvPicPr>
-                    <a:picLocks noChangeAspect="1"/>
-                  </p:cNvPicPr>
-                  <p:nvPr/>
-                </p:nvPicPr>
-                <p:blipFill>
-                  <a:blip r:embed="rId18">
-                    <a:extLst>
-                      <a:ext uri="{28A0092B-C50C-407E-A947-70E740481C1C}">
-                        <a14:useLocalDpi xmlns:a14="http://schemas.microsoft.com/office/drawing/2010/main" val="0"/>
-                      </a:ext>
-                      <a:ext uri="{96DAC541-7B7A-43D3-8B79-37D633B846F1}">
-                        <asvg:svgBlip xmlns:asvg="http://schemas.microsoft.com/office/drawing/2016/SVG/main" r:embed="rId19"/>
-                      </a:ext>
-                    </a:extLst>
-                  </a:blip>
-                  <a:stretch>
-                    <a:fillRect/>
-                  </a:stretch>
-                </p:blipFill>
-                <p:spPr>
-                  <a:xfrm>
-                    <a:off x="4153422" y="5445576"/>
-                    <a:ext cx="339242" cy="339242"/>
-                  </a:xfrm>
-                  <a:prstGeom prst="rect">
-                    <a:avLst/>
-                  </a:prstGeom>
-                </p:spPr>
-              </p:pic>
-            </p:grpSp>
+                <a:prstGeom prst="rect">
+                  <a:avLst/>
+                </a:prstGeom>
+              </p:spPr>
+            </p:pic>
           </p:grpSp>
         </p:grpSp>
       </p:grpSp>
     </p:spTree>
     <p:extLst>
       <p:ext uri="{BB962C8B-B14F-4D97-AF65-F5344CB8AC3E}">
-        <p14:creationId xmlns:p14="http://schemas.microsoft.com/office/powerpoint/2010/main" val="3864996627"/>
+        <p14:creationId xmlns:p14="http://schemas.microsoft.com/office/powerpoint/2010/main" val="162143823"/>
       </p:ext>
     </p:extLst>
   </p:cSld>
